--- a/doc/EC2.pptx
+++ b/doc/EC2.pptx
@@ -5,24 +5,37 @@
     <p:sldMasterId id="2147483720" r:id="rId4"/>
   </p:sldMasterIdLst>
   <p:notesMasterIdLst>
-    <p:notesMasterId r:id="rId17"/>
+    <p:notesMasterId r:id="rId30"/>
   </p:notesMasterIdLst>
   <p:handoutMasterIdLst>
-    <p:handoutMasterId r:id="rId18"/>
+    <p:handoutMasterId r:id="rId31"/>
   </p:handoutMasterIdLst>
   <p:sldIdLst>
     <p:sldId id="281" r:id="rId5"/>
     <p:sldId id="282" r:id="rId6"/>
-    <p:sldId id="283" r:id="rId7"/>
-    <p:sldId id="285" r:id="rId8"/>
-    <p:sldId id="286" r:id="rId9"/>
-    <p:sldId id="287" r:id="rId10"/>
-    <p:sldId id="289" r:id="rId11"/>
-    <p:sldId id="290" r:id="rId12"/>
-    <p:sldId id="291" r:id="rId13"/>
-    <p:sldId id="293" r:id="rId14"/>
-    <p:sldId id="292" r:id="rId15"/>
-    <p:sldId id="294" r:id="rId16"/>
+    <p:sldId id="295" r:id="rId7"/>
+    <p:sldId id="296" r:id="rId8"/>
+    <p:sldId id="297" r:id="rId9"/>
+    <p:sldId id="298" r:id="rId10"/>
+    <p:sldId id="299" r:id="rId11"/>
+    <p:sldId id="306" r:id="rId12"/>
+    <p:sldId id="307" r:id="rId13"/>
+    <p:sldId id="303" r:id="rId14"/>
+    <p:sldId id="304" r:id="rId15"/>
+    <p:sldId id="305" r:id="rId16"/>
+    <p:sldId id="300" r:id="rId17"/>
+    <p:sldId id="301" r:id="rId18"/>
+    <p:sldId id="283" r:id="rId19"/>
+    <p:sldId id="285" r:id="rId20"/>
+    <p:sldId id="286" r:id="rId21"/>
+    <p:sldId id="287" r:id="rId22"/>
+    <p:sldId id="289" r:id="rId23"/>
+    <p:sldId id="302" r:id="rId24"/>
+    <p:sldId id="290" r:id="rId25"/>
+    <p:sldId id="291" r:id="rId26"/>
+    <p:sldId id="293" r:id="rId27"/>
+    <p:sldId id="292" r:id="rId28"/>
+    <p:sldId id="294" r:id="rId29"/>
   </p:sldIdLst>
   <p:sldSz cx="12192000" cy="6858000"/>
   <p:notesSz cx="6858000" cy="9144000"/>
@@ -753,20 +766,7 @@
               <a:tabLst/>
               <a:defRPr/>
             </a:pPr>
-            <a:endParaRPr lang="en-US" b="0" i="0" dirty="0">
-              <a:effectLst/>
-              <a:latin typeface="Segoe UI" panose="020B0502040204020203" pitchFamily="34" charset="0"/>
-            </a:endParaRPr>
-          </a:p>
-          <a:p>
-            <a:r>
-              <a:rPr lang="en-US" dirty="0"/>
-              <a:t>ID=d924773e-9a16-4d6d-9803-8cb819e99682
-Recipe=text_billboard
-Type=TextOnly
-Variant=0
-FamilyID=AccentBoxWalbaum_Zero</a:t>
-            </a:r>
+            <a:endParaRPr lang="en-US" dirty="0"/>
           </a:p>
         </p:txBody>
       </p:sp>
@@ -852,7 +852,7 @@
           <a:p>
             <a:r>
               <a:rPr lang="en-US" dirty="0"/>
-              <a:t>https://suvankar.medium.com/deploying-a-next-js-application-on-an-ec2-instance-with-pm2-and-nginx-922975ecd611</a:t>
+              <a:t>https://viblo.asia/p/tim-hieu-ve-amazon-ec2-maGK7jRe5j2</a:t>
             </a:r>
           </a:p>
         </p:txBody>
@@ -874,7 +874,7 @@
           <a:p>
             <a:fld id="{BCFAAAB6-A2C6-4A85-A3A1-98EFBA61C967}" type="slidenum">
               <a:rPr lang="en-US" smtClean="0"/>
-              <a:t>11</a:t>
+              <a:t>3</a:t>
             </a:fld>
             <a:endParaRPr lang="en-US" dirty="0"/>
           </a:p>
@@ -883,7 +883,7 @@
     </p:spTree>
     <p:extLst>
       <p:ext uri="{BB962C8B-B14F-4D97-AF65-F5344CB8AC3E}">
-        <p14:creationId xmlns:p14="http://schemas.microsoft.com/office/powerpoint/2010/main" val="1477057015"/>
+        <p14:creationId xmlns:p14="http://schemas.microsoft.com/office/powerpoint/2010/main" val="676874764"/>
       </p:ext>
     </p:extLst>
   </p:cSld>
@@ -939,8 +939,469 @@
           <a:p>
             <a:r>
               <a:rPr lang="en-US" dirty="0"/>
-              <a:t>https://www.digitalocean.com/community/tutorials/how-to-secure-nginx-with-let-s-encrypt-on-ubuntu-20-04</a:t>
-            </a:r>
+              <a:t>High Availability (HA):</a:t>
+            </a:r>
+          </a:p>
+          <a:p>
+            <a:pPr marL="171450" indent="-171450">
+              <a:buFontTx/>
+              <a:buChar char="-"/>
+            </a:pPr>
+            <a:r>
+              <a:rPr lang="en-US" dirty="0" err="1"/>
+              <a:t>Mục</a:t>
+            </a:r>
+            <a:r>
+              <a:rPr lang="en-US" dirty="0"/>
+              <a:t> </a:t>
+            </a:r>
+            <a:r>
+              <a:rPr lang="en-US" dirty="0" err="1"/>
+              <a:t>tiêu</a:t>
+            </a:r>
+            <a:r>
+              <a:rPr lang="en-US" dirty="0"/>
+              <a:t>: </a:t>
+            </a:r>
+            <a:r>
+              <a:rPr lang="en-US" dirty="0" err="1"/>
+              <a:t>giảm</a:t>
+            </a:r>
+            <a:r>
+              <a:rPr lang="en-US" dirty="0"/>
+              <a:t> </a:t>
+            </a:r>
+            <a:r>
+              <a:rPr lang="en-US" dirty="0" err="1"/>
+              <a:t>thiểu</a:t>
+            </a:r>
+            <a:r>
+              <a:rPr lang="en-US" dirty="0"/>
+              <a:t> </a:t>
+            </a:r>
+            <a:r>
+              <a:rPr lang="en-US" dirty="0" err="1"/>
+              <a:t>thời</a:t>
+            </a:r>
+            <a:r>
+              <a:rPr lang="en-US" dirty="0"/>
+              <a:t> </a:t>
+            </a:r>
+            <a:r>
+              <a:rPr lang="en-US" dirty="0" err="1"/>
+              <a:t>gian</a:t>
+            </a:r>
+            <a:r>
+              <a:rPr lang="en-US" dirty="0"/>
+              <a:t> </a:t>
+            </a:r>
+            <a:r>
+              <a:rPr lang="en-US" dirty="0" err="1"/>
+              <a:t>ngừng</a:t>
+            </a:r>
+            <a:r>
+              <a:rPr lang="en-US" dirty="0"/>
+              <a:t> </a:t>
+            </a:r>
+            <a:r>
+              <a:rPr lang="en-US" dirty="0" err="1"/>
+              <a:t>hoạt</a:t>
+            </a:r>
+            <a:r>
+              <a:rPr lang="en-US" dirty="0"/>
+              <a:t> </a:t>
+            </a:r>
+            <a:r>
+              <a:rPr lang="en-US" dirty="0" err="1"/>
+              <a:t>dộng</a:t>
+            </a:r>
+            <a:r>
+              <a:rPr lang="en-US" dirty="0"/>
+              <a:t>.</a:t>
+            </a:r>
+          </a:p>
+          <a:p>
+            <a:pPr marL="171450" indent="-171450">
+              <a:buFontTx/>
+              <a:buChar char="-"/>
+            </a:pPr>
+            <a:r>
+              <a:rPr lang="en-US" dirty="0"/>
+              <a:t>Cách </a:t>
+            </a:r>
+            <a:r>
+              <a:rPr lang="en-US" dirty="0" err="1"/>
+              <a:t>tiếp</a:t>
+            </a:r>
+            <a:r>
+              <a:rPr lang="en-US" dirty="0"/>
+              <a:t> </a:t>
+            </a:r>
+            <a:r>
+              <a:rPr lang="en-US" dirty="0" err="1"/>
+              <a:t>cận</a:t>
+            </a:r>
+            <a:r>
+              <a:rPr lang="en-US" dirty="0"/>
+              <a:t>: </a:t>
+            </a:r>
+            <a:r>
+              <a:rPr lang="en-US" dirty="0" err="1"/>
+              <a:t>dự</a:t>
+            </a:r>
+            <a:r>
+              <a:rPr lang="en-US" dirty="0"/>
+              <a:t> </a:t>
+            </a:r>
+            <a:r>
+              <a:rPr lang="en-US" dirty="0" err="1"/>
+              <a:t>phòng</a:t>
+            </a:r>
+            <a:endParaRPr lang="en-US" dirty="0"/>
+          </a:p>
+          <a:p>
+            <a:pPr marL="171450" indent="-171450">
+              <a:buFontTx/>
+              <a:buChar char="-"/>
+            </a:pPr>
+            <a:r>
+              <a:rPr lang="vi-VN" dirty="0"/>
+              <a:t>Ư</a:t>
+            </a:r>
+            <a:r>
+              <a:rPr lang="en-US" dirty="0"/>
+              <a:t>u </a:t>
+            </a:r>
+            <a:r>
+              <a:rPr lang="en-US" dirty="0" err="1"/>
+              <a:t>điểm</a:t>
+            </a:r>
+            <a:r>
+              <a:rPr lang="en-US" dirty="0"/>
+              <a:t>: tang </a:t>
+            </a:r>
+            <a:r>
+              <a:rPr lang="en-US" dirty="0" err="1"/>
+              <a:t>độ</a:t>
+            </a:r>
+            <a:r>
+              <a:rPr lang="en-US" dirty="0"/>
+              <a:t> tin </a:t>
+            </a:r>
+            <a:r>
+              <a:rPr lang="en-US" dirty="0" err="1"/>
+              <a:t>cậy</a:t>
+            </a:r>
+            <a:endParaRPr lang="en-US" dirty="0"/>
+          </a:p>
+          <a:p>
+            <a:pPr marL="171450" indent="-171450">
+              <a:buFontTx/>
+              <a:buChar char="-"/>
+            </a:pPr>
+            <a:r>
+              <a:rPr lang="en-US" dirty="0" err="1"/>
+              <a:t>Nhược</a:t>
+            </a:r>
+            <a:r>
+              <a:rPr lang="en-US" dirty="0"/>
+              <a:t> </a:t>
+            </a:r>
+            <a:r>
+              <a:rPr lang="en-US" dirty="0" err="1"/>
+              <a:t>điểm</a:t>
+            </a:r>
+            <a:r>
+              <a:rPr lang="en-US" dirty="0"/>
+              <a:t>: chi </a:t>
+            </a:r>
+            <a:r>
+              <a:rPr lang="en-US" dirty="0" err="1"/>
+              <a:t>phí</a:t>
+            </a:r>
+            <a:r>
+              <a:rPr lang="en-US" dirty="0"/>
+              <a:t> </a:t>
+            </a:r>
+            <a:r>
+              <a:rPr lang="en-US" dirty="0" err="1"/>
+              <a:t>cao</a:t>
+            </a:r>
+            <a:endParaRPr lang="en-US" dirty="0"/>
+          </a:p>
+          <a:p>
+            <a:pPr marL="0" indent="0">
+              <a:buFontTx/>
+              <a:buNone/>
+            </a:pPr>
+            <a:r>
+              <a:rPr lang="en-US" dirty="0"/>
+              <a:t>Resilience (</a:t>
+            </a:r>
+            <a:r>
+              <a:rPr lang="en-US" dirty="0" err="1"/>
+              <a:t>tính</a:t>
+            </a:r>
+            <a:r>
+              <a:rPr lang="en-US" dirty="0"/>
+              <a:t> </a:t>
+            </a:r>
+            <a:r>
+              <a:rPr lang="en-US" dirty="0" err="1"/>
+              <a:t>phục</a:t>
+            </a:r>
+            <a:r>
+              <a:rPr lang="en-US" dirty="0"/>
+              <a:t> </a:t>
+            </a:r>
+            <a:r>
+              <a:rPr lang="en-US" dirty="0" err="1"/>
+              <a:t>hồi</a:t>
+            </a:r>
+            <a:r>
+              <a:rPr lang="en-US" dirty="0"/>
+              <a:t>)</a:t>
+            </a:r>
+          </a:p>
+          <a:p>
+            <a:pPr marL="171450" indent="-171450">
+              <a:buFontTx/>
+              <a:buChar char="-"/>
+            </a:pPr>
+            <a:r>
+              <a:rPr lang="en-US" dirty="0" err="1"/>
+              <a:t>Mục</a:t>
+            </a:r>
+            <a:r>
+              <a:rPr lang="en-US" dirty="0"/>
+              <a:t> </a:t>
+            </a:r>
+            <a:r>
+              <a:rPr lang="en-US" dirty="0" err="1"/>
+              <a:t>tiêu</a:t>
+            </a:r>
+            <a:r>
+              <a:rPr lang="en-US" dirty="0"/>
+              <a:t>: </a:t>
+            </a:r>
+            <a:r>
+              <a:rPr lang="en-US" dirty="0" err="1"/>
+              <a:t>phục</a:t>
+            </a:r>
+            <a:r>
+              <a:rPr lang="en-US" dirty="0"/>
+              <a:t> </a:t>
+            </a:r>
+            <a:r>
+              <a:rPr lang="en-US" dirty="0" err="1"/>
+              <a:t>hồi</a:t>
+            </a:r>
+            <a:r>
+              <a:rPr lang="en-US" dirty="0"/>
+              <a:t> </a:t>
+            </a:r>
+            <a:r>
+              <a:rPr lang="en-US" dirty="0" err="1"/>
+              <a:t>nhanh</a:t>
+            </a:r>
+            <a:r>
+              <a:rPr lang="en-US" dirty="0"/>
+              <a:t> </a:t>
+            </a:r>
+            <a:r>
+              <a:rPr lang="en-US" dirty="0" err="1"/>
+              <a:t>chóng</a:t>
+            </a:r>
+            <a:r>
+              <a:rPr lang="en-US" dirty="0"/>
+              <a:t> </a:t>
+            </a:r>
+            <a:r>
+              <a:rPr lang="en-US" dirty="0" err="1"/>
+              <a:t>sau</a:t>
+            </a:r>
+            <a:r>
+              <a:rPr lang="en-US" dirty="0"/>
+              <a:t> </a:t>
+            </a:r>
+            <a:r>
+              <a:rPr lang="en-US" dirty="0" err="1"/>
+              <a:t>sự</a:t>
+            </a:r>
+            <a:r>
+              <a:rPr lang="en-US" dirty="0"/>
+              <a:t> </a:t>
+            </a:r>
+            <a:r>
+              <a:rPr lang="en-US" dirty="0" err="1"/>
+              <a:t>cố</a:t>
+            </a:r>
+            <a:endParaRPr lang="en-US" dirty="0"/>
+          </a:p>
+          <a:p>
+            <a:pPr marL="171450" indent="-171450">
+              <a:buFontTx/>
+              <a:buChar char="-"/>
+            </a:pPr>
+            <a:r>
+              <a:rPr lang="en-US" dirty="0"/>
+              <a:t>Cách </a:t>
+            </a:r>
+            <a:r>
+              <a:rPr lang="en-US" dirty="0" err="1"/>
+              <a:t>tiếp</a:t>
+            </a:r>
+            <a:r>
+              <a:rPr lang="en-US" dirty="0"/>
+              <a:t> </a:t>
+            </a:r>
+            <a:r>
+              <a:rPr lang="en-US" dirty="0" err="1"/>
+              <a:t>cận</a:t>
+            </a:r>
+            <a:r>
+              <a:rPr lang="en-US" dirty="0"/>
+              <a:t>: </a:t>
+            </a:r>
+            <a:r>
+              <a:rPr lang="en-US" dirty="0" err="1"/>
+              <a:t>phân</a:t>
+            </a:r>
+            <a:r>
+              <a:rPr lang="en-US" dirty="0"/>
+              <a:t> </a:t>
+            </a:r>
+            <a:r>
+              <a:rPr lang="en-US" dirty="0" err="1"/>
+              <a:t>tán</a:t>
+            </a:r>
+            <a:r>
+              <a:rPr lang="en-US" dirty="0"/>
+              <a:t>, </a:t>
+            </a:r>
+            <a:r>
+              <a:rPr lang="en-US" dirty="0" err="1"/>
+              <a:t>tự</a:t>
+            </a:r>
+            <a:r>
+              <a:rPr lang="en-US" dirty="0"/>
+              <a:t> </a:t>
+            </a:r>
+            <a:r>
+              <a:rPr lang="en-US" dirty="0" err="1"/>
+              <a:t>phục</a:t>
+            </a:r>
+            <a:r>
+              <a:rPr lang="en-US" dirty="0"/>
+              <a:t> </a:t>
+            </a:r>
+            <a:r>
+              <a:rPr lang="en-US" dirty="0" err="1"/>
+              <a:t>hồi</a:t>
+            </a:r>
+            <a:endParaRPr lang="en-US" dirty="0"/>
+          </a:p>
+          <a:p>
+            <a:pPr marL="171450" indent="-171450">
+              <a:buFontTx/>
+              <a:buChar char="-"/>
+            </a:pPr>
+            <a:r>
+              <a:rPr lang="en-US" dirty="0" err="1"/>
+              <a:t>Ưu</a:t>
+            </a:r>
+            <a:r>
+              <a:rPr lang="en-US" dirty="0"/>
+              <a:t> </a:t>
+            </a:r>
+            <a:r>
+              <a:rPr lang="en-US" dirty="0" err="1"/>
+              <a:t>điểm</a:t>
+            </a:r>
+            <a:r>
+              <a:rPr lang="en-US" dirty="0"/>
+              <a:t>: tang </a:t>
+            </a:r>
+            <a:r>
+              <a:rPr lang="en-US" dirty="0" err="1"/>
+              <a:t>khả</a:t>
+            </a:r>
+            <a:r>
+              <a:rPr lang="en-US" dirty="0"/>
+              <a:t> </a:t>
+            </a:r>
+            <a:r>
+              <a:rPr lang="en-US" dirty="0" err="1"/>
+              <a:t>năng</a:t>
+            </a:r>
+            <a:r>
+              <a:rPr lang="en-US" dirty="0"/>
+              <a:t> </a:t>
+            </a:r>
+            <a:r>
+              <a:rPr lang="en-US" dirty="0" err="1"/>
+              <a:t>chịu</a:t>
+            </a:r>
+            <a:r>
+              <a:rPr lang="en-US" dirty="0"/>
+              <a:t> </a:t>
+            </a:r>
+            <a:r>
+              <a:rPr lang="en-US" dirty="0" err="1"/>
+              <a:t>lỗi</a:t>
+            </a:r>
+            <a:endParaRPr lang="en-US" dirty="0"/>
+          </a:p>
+          <a:p>
+            <a:pPr marL="171450" indent="-171450">
+              <a:buFontTx/>
+              <a:buChar char="-"/>
+            </a:pPr>
+            <a:r>
+              <a:rPr lang="en-US" dirty="0" err="1"/>
+              <a:t>Nhược</a:t>
+            </a:r>
+            <a:r>
+              <a:rPr lang="en-US" dirty="0"/>
+              <a:t> </a:t>
+            </a:r>
+            <a:r>
+              <a:rPr lang="en-US" dirty="0" err="1"/>
+              <a:t>điểm</a:t>
+            </a:r>
+            <a:r>
+              <a:rPr lang="en-US" dirty="0"/>
+              <a:t>: </a:t>
+            </a:r>
+            <a:r>
+              <a:rPr lang="en-US" dirty="0" err="1"/>
+              <a:t>thiết</a:t>
+            </a:r>
+            <a:r>
+              <a:rPr lang="en-US" dirty="0"/>
+              <a:t> </a:t>
+            </a:r>
+            <a:r>
+              <a:rPr lang="en-US" dirty="0" err="1"/>
+              <a:t>kế</a:t>
+            </a:r>
+            <a:r>
+              <a:rPr lang="en-US" dirty="0"/>
+              <a:t> </a:t>
+            </a:r>
+            <a:r>
+              <a:rPr lang="en-US" dirty="0" err="1"/>
+              <a:t>phức</a:t>
+            </a:r>
+            <a:r>
+              <a:rPr lang="en-US" dirty="0"/>
+              <a:t> </a:t>
+            </a:r>
+            <a:r>
+              <a:rPr lang="en-US" dirty="0" err="1"/>
+              <a:t>tạp</a:t>
+            </a:r>
+            <a:endParaRPr lang="en-US" dirty="0"/>
           </a:p>
         </p:txBody>
       </p:sp>
@@ -961,7 +1422,419 @@
           <a:p>
             <a:fld id="{BCFAAAB6-A2C6-4A85-A3A1-98EFBA61C967}" type="slidenum">
               <a:rPr lang="en-US" smtClean="0"/>
-              <a:t>12</a:t>
+              <a:t>4</a:t>
+            </a:fld>
+            <a:endParaRPr lang="en-US" dirty="0"/>
+          </a:p>
+        </p:txBody>
+      </p:sp>
+    </p:spTree>
+    <p:extLst>
+      <p:ext uri="{BB962C8B-B14F-4D97-AF65-F5344CB8AC3E}">
+        <p14:creationId xmlns:p14="http://schemas.microsoft.com/office/powerpoint/2010/main" val="2359720896"/>
+      </p:ext>
+    </p:extLst>
+  </p:cSld>
+  <p:clrMapOvr>
+    <a:masterClrMapping/>
+  </p:clrMapOvr>
+</p:notes>
+</file>
+
+<file path=ppt/notesSlides/notesSlide4.xml><?xml version="1.0" encoding="utf-8"?>
+<p:notes xmlns:a="http://schemas.openxmlformats.org/drawingml/2006/main" xmlns:r="http://schemas.openxmlformats.org/officeDocument/2006/relationships" xmlns:p="http://schemas.openxmlformats.org/presentationml/2006/main">
+  <p:cSld>
+    <p:spTree>
+      <p:nvGrpSpPr>
+        <p:cNvPr id="1" name=""/>
+        <p:cNvGrpSpPr/>
+        <p:nvPr/>
+      </p:nvGrpSpPr>
+      <p:grpSpPr>
+        <a:xfrm>
+          <a:off x="0" y="0"/>
+          <a:ext cx="0" cy="0"/>
+          <a:chOff x="0" y="0"/>
+          <a:chExt cx="0" cy="0"/>
+        </a:xfrm>
+      </p:grpSpPr>
+      <p:sp>
+        <p:nvSpPr>
+          <p:cNvPr id="2" name="Slide Image Placeholder 1"/>
+          <p:cNvSpPr>
+            <a:spLocks noGrp="1" noRot="1" noChangeAspect="1"/>
+          </p:cNvSpPr>
+          <p:nvPr>
+            <p:ph type="sldImg"/>
+          </p:nvPr>
+        </p:nvSpPr>
+        <p:spPr/>
+      </p:sp>
+      <p:sp>
+        <p:nvSpPr>
+          <p:cNvPr id="3" name="Notes Placeholder 2"/>
+          <p:cNvSpPr>
+            <a:spLocks noGrp="1"/>
+          </p:cNvSpPr>
+          <p:nvPr>
+            <p:ph type="body" idx="1"/>
+          </p:nvPr>
+        </p:nvSpPr>
+        <p:spPr/>
+        <p:txBody>
+          <a:bodyPr/>
+          <a:lstStyle/>
+          <a:p>
+            <a:r>
+              <a:rPr lang="en-US" dirty="0"/>
+              <a:t>https://viblo.asia/p/ec2-instance-storage-EbNVQreA4vR</a:t>
+            </a:r>
+          </a:p>
+        </p:txBody>
+      </p:sp>
+      <p:sp>
+        <p:nvSpPr>
+          <p:cNvPr id="4" name="Slide Number Placeholder 3"/>
+          <p:cNvSpPr>
+            <a:spLocks noGrp="1"/>
+          </p:cNvSpPr>
+          <p:nvPr>
+            <p:ph type="sldNum" sz="quarter" idx="5"/>
+          </p:nvPr>
+        </p:nvSpPr>
+        <p:spPr/>
+        <p:txBody>
+          <a:bodyPr/>
+          <a:lstStyle/>
+          <a:p>
+            <a:fld id="{BCFAAAB6-A2C6-4A85-A3A1-98EFBA61C967}" type="slidenum">
+              <a:rPr lang="en-US" smtClean="0"/>
+              <a:t>6</a:t>
+            </a:fld>
+            <a:endParaRPr lang="en-US" dirty="0"/>
+          </a:p>
+        </p:txBody>
+      </p:sp>
+    </p:spTree>
+    <p:extLst>
+      <p:ext uri="{BB962C8B-B14F-4D97-AF65-F5344CB8AC3E}">
+        <p14:creationId xmlns:p14="http://schemas.microsoft.com/office/powerpoint/2010/main" val="2950514499"/>
+      </p:ext>
+    </p:extLst>
+  </p:cSld>
+  <p:clrMapOvr>
+    <a:masterClrMapping/>
+  </p:clrMapOvr>
+</p:notes>
+</file>
+
+<file path=ppt/notesSlides/notesSlide5.xml><?xml version="1.0" encoding="utf-8"?>
+<p:notes xmlns:a="http://schemas.openxmlformats.org/drawingml/2006/main" xmlns:r="http://schemas.openxmlformats.org/officeDocument/2006/relationships" xmlns:p="http://schemas.openxmlformats.org/presentationml/2006/main">
+  <p:cSld>
+    <p:spTree>
+      <p:nvGrpSpPr>
+        <p:cNvPr id="1" name=""/>
+        <p:cNvGrpSpPr/>
+        <p:nvPr/>
+      </p:nvGrpSpPr>
+      <p:grpSpPr>
+        <a:xfrm>
+          <a:off x="0" y="0"/>
+          <a:ext cx="0" cy="0"/>
+          <a:chOff x="0" y="0"/>
+          <a:chExt cx="0" cy="0"/>
+        </a:xfrm>
+      </p:grpSpPr>
+      <p:sp>
+        <p:nvSpPr>
+          <p:cNvPr id="2" name="Slide Image Placeholder 1"/>
+          <p:cNvSpPr>
+            <a:spLocks noGrp="1" noRot="1" noChangeAspect="1"/>
+          </p:cNvSpPr>
+          <p:nvPr>
+            <p:ph type="sldImg"/>
+          </p:nvPr>
+        </p:nvSpPr>
+        <p:spPr/>
+      </p:sp>
+      <p:sp>
+        <p:nvSpPr>
+          <p:cNvPr id="3" name="Notes Placeholder 2"/>
+          <p:cNvSpPr>
+            <a:spLocks noGrp="1"/>
+          </p:cNvSpPr>
+          <p:nvPr>
+            <p:ph type="body" idx="1"/>
+          </p:nvPr>
+        </p:nvSpPr>
+        <p:spPr/>
+        <p:txBody>
+          <a:bodyPr/>
+          <a:lstStyle/>
+          <a:p>
+            <a:r>
+              <a:rPr lang="vi-VN" b="1" dirty="0"/>
+              <a:t>Pending (Đang chờ):</a:t>
+            </a:r>
+            <a:r>
+              <a:rPr lang="vi-VN" dirty="0"/>
+              <a:t> Instance đang được khởi tạo. Bạn sẽ chưa bị tính phí trong giai đoạn này.</a:t>
+            </a:r>
+          </a:p>
+          <a:p>
+            <a:r>
+              <a:rPr lang="vi-VN" b="1" dirty="0"/>
+              <a:t>Running (Đang chạy):</a:t>
+            </a:r>
+            <a:r>
+              <a:rPr lang="vi-VN" dirty="0"/>
+              <a:t> Instance đã khởi chạy thành công và sẵn sàng để sử dụng. Đây là trạng thái mà bạn sẽ bị tính phí sử dụng.</a:t>
+            </a:r>
+          </a:p>
+          <a:p>
+            <a:r>
+              <a:rPr lang="vi-VN" b="1" dirty="0"/>
+              <a:t>Stopping (Đang dừng):</a:t>
+            </a:r>
+            <a:r>
+              <a:rPr lang="vi-VN" dirty="0"/>
+              <a:t> Instance đang trong quá trình tắt. Bạn vẫn sẽ bị tính phí cho đến khi instance chuyển sang trạng thái Stopped.</a:t>
+            </a:r>
+          </a:p>
+          <a:p>
+            <a:r>
+              <a:rPr lang="vi-VN" b="1" dirty="0"/>
+              <a:t>Stopped (Đã dừng):</a:t>
+            </a:r>
+            <a:r>
+              <a:rPr lang="vi-VN" dirty="0"/>
+              <a:t> Instance đã tắt hoàn toàn. Bạn sẽ không bị tính phí trong trạng thái này. Bạn có thể khởi động lại instance bất cứ lúc nào. Lưu ý rằng instance store-backed không thể dừng và khởi động lại.</a:t>
+            </a:r>
+          </a:p>
+          <a:p>
+            <a:r>
+              <a:rPr lang="vi-VN" b="1" dirty="0"/>
+              <a:t>Shutting-down (Đang tắt):</a:t>
+            </a:r>
+            <a:r>
+              <a:rPr lang="vi-VN" dirty="0"/>
+              <a:t> Instance đang trong quá trình tắt và sẽ bị chấm dứt.</a:t>
+            </a:r>
+          </a:p>
+          <a:p>
+            <a:r>
+              <a:rPr lang="vi-VN" b="1" dirty="0"/>
+              <a:t>Terminated (Đã chấm dứt):</a:t>
+            </a:r>
+            <a:r>
+              <a:rPr lang="vi-VN" dirty="0"/>
+              <a:t> Instance đã bị xóa hoàn toàn và không thể phục hồi.</a:t>
+            </a:r>
+            <a:endParaRPr lang="en-US" dirty="0"/>
+          </a:p>
+          <a:p>
+            <a:r>
+              <a:rPr lang="vi-VN" dirty="0"/>
+              <a:t>https://docs.aws.amazon.com/AWSEC2/latest/UserGuide/ec2-instance-lifecycle.html</a:t>
+            </a:r>
+          </a:p>
+          <a:p>
+            <a:endParaRPr lang="en-US" dirty="0"/>
+          </a:p>
+        </p:txBody>
+      </p:sp>
+      <p:sp>
+        <p:nvSpPr>
+          <p:cNvPr id="4" name="Slide Number Placeholder 3"/>
+          <p:cNvSpPr>
+            <a:spLocks noGrp="1"/>
+          </p:cNvSpPr>
+          <p:nvPr>
+            <p:ph type="sldNum" sz="quarter" idx="5"/>
+          </p:nvPr>
+        </p:nvSpPr>
+        <p:spPr/>
+        <p:txBody>
+          <a:bodyPr/>
+          <a:lstStyle/>
+          <a:p>
+            <a:fld id="{BCFAAAB6-A2C6-4A85-A3A1-98EFBA61C967}" type="slidenum">
+              <a:rPr lang="en-US" smtClean="0"/>
+              <a:t>7</a:t>
+            </a:fld>
+            <a:endParaRPr lang="en-US" dirty="0"/>
+          </a:p>
+        </p:txBody>
+      </p:sp>
+    </p:spTree>
+    <p:extLst>
+      <p:ext uri="{BB962C8B-B14F-4D97-AF65-F5344CB8AC3E}">
+        <p14:creationId xmlns:p14="http://schemas.microsoft.com/office/powerpoint/2010/main" val="4067721014"/>
+      </p:ext>
+    </p:extLst>
+  </p:cSld>
+  <p:clrMapOvr>
+    <a:masterClrMapping/>
+  </p:clrMapOvr>
+</p:notes>
+</file>
+
+<file path=ppt/notesSlides/notesSlide6.xml><?xml version="1.0" encoding="utf-8"?>
+<p:notes xmlns:a="http://schemas.openxmlformats.org/drawingml/2006/main" xmlns:r="http://schemas.openxmlformats.org/officeDocument/2006/relationships" xmlns:p="http://schemas.openxmlformats.org/presentationml/2006/main">
+  <p:cSld>
+    <p:spTree>
+      <p:nvGrpSpPr>
+        <p:cNvPr id="1" name=""/>
+        <p:cNvGrpSpPr/>
+        <p:nvPr/>
+      </p:nvGrpSpPr>
+      <p:grpSpPr>
+        <a:xfrm>
+          <a:off x="0" y="0"/>
+          <a:ext cx="0" cy="0"/>
+          <a:chOff x="0" y="0"/>
+          <a:chExt cx="0" cy="0"/>
+        </a:xfrm>
+      </p:grpSpPr>
+      <p:sp>
+        <p:nvSpPr>
+          <p:cNvPr id="2" name="Slide Image Placeholder 1"/>
+          <p:cNvSpPr>
+            <a:spLocks noGrp="1" noRot="1" noChangeAspect="1"/>
+          </p:cNvSpPr>
+          <p:nvPr>
+            <p:ph type="sldImg"/>
+          </p:nvPr>
+        </p:nvSpPr>
+        <p:spPr/>
+      </p:sp>
+      <p:sp>
+        <p:nvSpPr>
+          <p:cNvPr id="3" name="Notes Placeholder 2"/>
+          <p:cNvSpPr>
+            <a:spLocks noGrp="1"/>
+          </p:cNvSpPr>
+          <p:nvPr>
+            <p:ph type="body" idx="1"/>
+          </p:nvPr>
+        </p:nvSpPr>
+        <p:spPr/>
+        <p:txBody>
+          <a:bodyPr/>
+          <a:lstStyle/>
+          <a:p>
+            <a:r>
+              <a:rPr lang="en-US" dirty="0"/>
+              <a:t>https://suvankar.medium.com/deploying-a-next-js-application-on-an-ec2-instance-with-pm2-and-nginx-922975ecd611</a:t>
+            </a:r>
+          </a:p>
+        </p:txBody>
+      </p:sp>
+      <p:sp>
+        <p:nvSpPr>
+          <p:cNvPr id="4" name="Slide Number Placeholder 3"/>
+          <p:cNvSpPr>
+            <a:spLocks noGrp="1"/>
+          </p:cNvSpPr>
+          <p:nvPr>
+            <p:ph type="sldNum" sz="quarter" idx="5"/>
+          </p:nvPr>
+        </p:nvSpPr>
+        <p:spPr/>
+        <p:txBody>
+          <a:bodyPr/>
+          <a:lstStyle/>
+          <a:p>
+            <a:fld id="{BCFAAAB6-A2C6-4A85-A3A1-98EFBA61C967}" type="slidenum">
+              <a:rPr lang="en-US" smtClean="0"/>
+              <a:t>24</a:t>
+            </a:fld>
+            <a:endParaRPr lang="en-US" dirty="0"/>
+          </a:p>
+        </p:txBody>
+      </p:sp>
+    </p:spTree>
+    <p:extLst>
+      <p:ext uri="{BB962C8B-B14F-4D97-AF65-F5344CB8AC3E}">
+        <p14:creationId xmlns:p14="http://schemas.microsoft.com/office/powerpoint/2010/main" val="1477057015"/>
+      </p:ext>
+    </p:extLst>
+  </p:cSld>
+  <p:clrMapOvr>
+    <a:masterClrMapping/>
+  </p:clrMapOvr>
+</p:notes>
+</file>
+
+<file path=ppt/notesSlides/notesSlide7.xml><?xml version="1.0" encoding="utf-8"?>
+<p:notes xmlns:a="http://schemas.openxmlformats.org/drawingml/2006/main" xmlns:r="http://schemas.openxmlformats.org/officeDocument/2006/relationships" xmlns:p="http://schemas.openxmlformats.org/presentationml/2006/main">
+  <p:cSld>
+    <p:spTree>
+      <p:nvGrpSpPr>
+        <p:cNvPr id="1" name=""/>
+        <p:cNvGrpSpPr/>
+        <p:nvPr/>
+      </p:nvGrpSpPr>
+      <p:grpSpPr>
+        <a:xfrm>
+          <a:off x="0" y="0"/>
+          <a:ext cx="0" cy="0"/>
+          <a:chOff x="0" y="0"/>
+          <a:chExt cx="0" cy="0"/>
+        </a:xfrm>
+      </p:grpSpPr>
+      <p:sp>
+        <p:nvSpPr>
+          <p:cNvPr id="2" name="Slide Image Placeholder 1"/>
+          <p:cNvSpPr>
+            <a:spLocks noGrp="1" noRot="1" noChangeAspect="1"/>
+          </p:cNvSpPr>
+          <p:nvPr>
+            <p:ph type="sldImg"/>
+          </p:nvPr>
+        </p:nvSpPr>
+        <p:spPr/>
+      </p:sp>
+      <p:sp>
+        <p:nvSpPr>
+          <p:cNvPr id="3" name="Notes Placeholder 2"/>
+          <p:cNvSpPr>
+            <a:spLocks noGrp="1"/>
+          </p:cNvSpPr>
+          <p:nvPr>
+            <p:ph type="body" idx="1"/>
+          </p:nvPr>
+        </p:nvSpPr>
+        <p:spPr/>
+        <p:txBody>
+          <a:bodyPr/>
+          <a:lstStyle/>
+          <a:p>
+            <a:r>
+              <a:rPr lang="en-US" dirty="0"/>
+              <a:t>https://www.digitalocean.com/community/tutorials/how-to-secure-nginx-with-let-s-encrypt-on-ubuntu-20-04</a:t>
+            </a:r>
+          </a:p>
+        </p:txBody>
+      </p:sp>
+      <p:sp>
+        <p:nvSpPr>
+          <p:cNvPr id="4" name="Slide Number Placeholder 3"/>
+          <p:cNvSpPr>
+            <a:spLocks noGrp="1"/>
+          </p:cNvSpPr>
+          <p:nvPr>
+            <p:ph type="sldNum" sz="quarter" idx="5"/>
+          </p:nvPr>
+        </p:nvSpPr>
+        <p:spPr/>
+        <p:txBody>
+          <a:bodyPr/>
+          <a:lstStyle/>
+          <a:p>
+            <a:fld id="{BCFAAAB6-A2C6-4A85-A3A1-98EFBA61C967}" type="slidenum">
+              <a:rPr lang="en-US" smtClean="0"/>
+              <a:t>25</a:t>
             </a:fld>
             <a:endParaRPr lang="en-US" dirty="0"/>
           </a:p>
@@ -9144,7 +10017,7 @@
           <a:p>
             <a:r>
               <a:rPr lang="en-US" dirty="0"/>
-              <a:t>AccentBox</a:t>
+              <a:t> Elastic Compute Cloud (Amazon EC2) </a:t>
             </a:r>
           </a:p>
         </p:txBody>
@@ -9170,10 +10043,7 @@
           <a:bodyPr/>
           <a:lstStyle/>
           <a:p>
-            <a:r>
-              <a:rPr lang="en-US" dirty="0"/>
-              <a:t>Presenter Name</a:t>
-            </a:r>
+            <a:endParaRPr lang="en-US" dirty="0"/>
           </a:p>
         </p:txBody>
       </p:sp>
@@ -9212,7 +10082,7 @@
           <p:cNvPr id="2" name="Title 1">
             <a:extLst>
               <a:ext uri="{FF2B5EF4-FFF2-40B4-BE49-F238E27FC236}">
-                <a16:creationId xmlns:a16="http://schemas.microsoft.com/office/drawing/2014/main" id="{D2041CAD-30AB-B8C4-C3B1-00E307D021E2}"/>
+                <a16:creationId xmlns:a16="http://schemas.microsoft.com/office/drawing/2014/main" id="{B4D07281-FD5D-7AE7-86A2-21F658ABF133}"/>
               </a:ext>
             </a:extLst>
           </p:cNvPr>
@@ -9221,272 +10091,6 @@
           </p:cNvSpPr>
           <p:nvPr>
             <p:ph type="title"/>
-          </p:nvPr>
-        </p:nvSpPr>
-        <p:spPr/>
-        <p:txBody>
-          <a:bodyPr>
-            <a:normAutofit fontScale="90000"/>
-          </a:bodyPr>
-          <a:lstStyle/>
-          <a:p>
-            <a:r>
-              <a:rPr lang="en-US" dirty="0"/>
-              <a:t>Nginx: </a:t>
-            </a:r>
-            <a:r>
-              <a:rPr lang="en-US" dirty="0" err="1"/>
-              <a:t>sudo</a:t>
-            </a:r>
-            <a:r>
-              <a:rPr lang="en-US" dirty="0"/>
-              <a:t> nano /</a:t>
-            </a:r>
-            <a:r>
-              <a:rPr lang="en-US" dirty="0" err="1"/>
-              <a:t>etc</a:t>
-            </a:r>
-            <a:r>
-              <a:rPr lang="en-US" dirty="0"/>
-              <a:t>/nginx/</a:t>
-            </a:r>
-            <a:r>
-              <a:rPr lang="en-US" dirty="0" err="1"/>
-              <a:t>conf.d</a:t>
-            </a:r>
-            <a:r>
-              <a:rPr lang="en-US" dirty="0"/>
-              <a:t>/</a:t>
-            </a:r>
-            <a:r>
-              <a:rPr lang="en-US" dirty="0" err="1"/>
-              <a:t>nextjs-app.conf</a:t>
-            </a:r>
-            <a:r>
-              <a:rPr lang="en-US" dirty="0"/>
-              <a:t> </a:t>
-            </a:r>
-          </a:p>
-        </p:txBody>
-      </p:sp>
-      <p:sp>
-        <p:nvSpPr>
-          <p:cNvPr id="3" name="Content Placeholder 2">
-            <a:extLst>
-              <a:ext uri="{FF2B5EF4-FFF2-40B4-BE49-F238E27FC236}">
-                <a16:creationId xmlns:a16="http://schemas.microsoft.com/office/drawing/2014/main" id="{DD8B8ED5-D0C1-4F0D-0FD4-66EFFE7B80CF}"/>
-              </a:ext>
-            </a:extLst>
-          </p:cNvPr>
-          <p:cNvSpPr>
-            <a:spLocks noGrp="1"/>
-          </p:cNvSpPr>
-          <p:nvPr>
-            <p:ph idx="1"/>
-          </p:nvPr>
-        </p:nvSpPr>
-        <p:spPr/>
-        <p:txBody>
-          <a:bodyPr>
-            <a:normAutofit fontScale="47500" lnSpcReduction="20000"/>
-          </a:bodyPr>
-          <a:lstStyle/>
-          <a:p>
-            <a:pPr marL="0" indent="0">
-              <a:buNone/>
-            </a:pPr>
-            <a:r>
-              <a:rPr lang="en-US" dirty="0"/>
-              <a:t>server {</a:t>
-            </a:r>
-          </a:p>
-          <a:p>
-            <a:pPr marL="0" indent="0">
-              <a:buNone/>
-            </a:pPr>
-            <a:r>
-              <a:rPr lang="en-US" dirty="0"/>
-              <a:t>   listen 80;</a:t>
-            </a:r>
-          </a:p>
-          <a:p>
-            <a:pPr marL="0" indent="0">
-              <a:buNone/>
-            </a:pPr>
-            <a:r>
-              <a:rPr lang="en-US" dirty="0"/>
-              <a:t>   </a:t>
-            </a:r>
-            <a:r>
-              <a:rPr lang="en-US" dirty="0" err="1"/>
-              <a:t>server_name</a:t>
-            </a:r>
-            <a:r>
-              <a:rPr lang="en-US" dirty="0"/>
-              <a:t> ec2-184-73-30-44.compute-1.amazonaws.com;</a:t>
-            </a:r>
-          </a:p>
-          <a:p>
-            <a:pPr marL="0" indent="0">
-              <a:buNone/>
-            </a:pPr>
-            <a:r>
-              <a:rPr lang="en-US" dirty="0"/>
-              <a:t>   location / {</a:t>
-            </a:r>
-          </a:p>
-          <a:p>
-            <a:pPr marL="0" indent="0">
-              <a:buNone/>
-            </a:pPr>
-            <a:r>
-              <a:rPr lang="en-US" dirty="0"/>
-              <a:t>     </a:t>
-            </a:r>
-            <a:r>
-              <a:rPr lang="en-US" dirty="0" err="1"/>
-              <a:t>proxy_pass</a:t>
-            </a:r>
-            <a:r>
-              <a:rPr lang="en-US" dirty="0"/>
-              <a:t> http://localhost:3000;</a:t>
-            </a:r>
-          </a:p>
-          <a:p>
-            <a:pPr marL="0" indent="0">
-              <a:buNone/>
-            </a:pPr>
-            <a:r>
-              <a:rPr lang="en-US" dirty="0"/>
-              <a:t>     </a:t>
-            </a:r>
-            <a:r>
-              <a:rPr lang="en-US" dirty="0" err="1"/>
-              <a:t>proxy_http_version</a:t>
-            </a:r>
-            <a:r>
-              <a:rPr lang="en-US" dirty="0"/>
-              <a:t> 1.1;</a:t>
-            </a:r>
-          </a:p>
-          <a:p>
-            <a:pPr marL="0" indent="0">
-              <a:buNone/>
-            </a:pPr>
-            <a:r>
-              <a:rPr lang="en-US" dirty="0"/>
-              <a:t>     </a:t>
-            </a:r>
-            <a:r>
-              <a:rPr lang="en-US" dirty="0" err="1"/>
-              <a:t>proxy_set_header</a:t>
-            </a:r>
-            <a:r>
-              <a:rPr lang="en-US" dirty="0"/>
-              <a:t> Upgrade $</a:t>
-            </a:r>
-            <a:r>
-              <a:rPr lang="en-US" dirty="0" err="1"/>
-              <a:t>http_upgrade</a:t>
-            </a:r>
-            <a:r>
-              <a:rPr lang="en-US" dirty="0"/>
-              <a:t>;</a:t>
-            </a:r>
-          </a:p>
-          <a:p>
-            <a:pPr marL="0" indent="0">
-              <a:buNone/>
-            </a:pPr>
-            <a:r>
-              <a:rPr lang="en-US" dirty="0"/>
-              <a:t>     </a:t>
-            </a:r>
-            <a:r>
-              <a:rPr lang="en-US" dirty="0" err="1"/>
-              <a:t>proxy_set_header</a:t>
-            </a:r>
-            <a:r>
-              <a:rPr lang="en-US" dirty="0"/>
-              <a:t> Connection 'upgrade';</a:t>
-            </a:r>
-          </a:p>
-          <a:p>
-            <a:pPr marL="0" indent="0">
-              <a:buNone/>
-            </a:pPr>
-            <a:r>
-              <a:rPr lang="en-US" dirty="0"/>
-              <a:t>     </a:t>
-            </a:r>
-            <a:r>
-              <a:rPr lang="en-US" dirty="0" err="1"/>
-              <a:t>proxy_set_header</a:t>
-            </a:r>
-            <a:r>
-              <a:rPr lang="en-US" dirty="0"/>
-              <a:t> Host $host;</a:t>
-            </a:r>
-          </a:p>
-          <a:p>
-            <a:pPr marL="0" indent="0">
-              <a:buNone/>
-            </a:pPr>
-            <a:r>
-              <a:rPr lang="en-US" dirty="0"/>
-              <a:t>     </a:t>
-            </a:r>
-            <a:r>
-              <a:rPr lang="en-US" dirty="0" err="1"/>
-              <a:t>proxy_cache_bypass</a:t>
-            </a:r>
-            <a:r>
-              <a:rPr lang="en-US" dirty="0"/>
-              <a:t> $</a:t>
-            </a:r>
-            <a:r>
-              <a:rPr lang="en-US" dirty="0" err="1"/>
-              <a:t>http_upgrade</a:t>
-            </a:r>
-            <a:r>
-              <a:rPr lang="en-US" dirty="0"/>
-              <a:t>;</a:t>
-            </a:r>
-          </a:p>
-          <a:p>
-            <a:pPr marL="0" indent="0">
-              <a:buNone/>
-            </a:pPr>
-            <a:r>
-              <a:rPr lang="en-US" dirty="0"/>
-              <a:t>   }</a:t>
-            </a:r>
-          </a:p>
-          <a:p>
-            <a:pPr marL="0" indent="0">
-              <a:buNone/>
-            </a:pPr>
-            <a:r>
-              <a:rPr lang="en-US" dirty="0"/>
-              <a:t>}</a:t>
-            </a:r>
-          </a:p>
-        </p:txBody>
-      </p:sp>
-      <p:sp>
-        <p:nvSpPr>
-          <p:cNvPr id="4" name="Date Placeholder 3">
-            <a:extLst>
-              <a:ext uri="{FF2B5EF4-FFF2-40B4-BE49-F238E27FC236}">
-                <a16:creationId xmlns:a16="http://schemas.microsoft.com/office/drawing/2014/main" id="{506FB42D-AB00-0B23-96FC-EB3087C9076A}"/>
-              </a:ext>
-            </a:extLst>
-          </p:cNvPr>
-          <p:cNvSpPr>
-            <a:spLocks noGrp="1"/>
-          </p:cNvSpPr>
-          <p:nvPr>
-            <p:ph type="dt" sz="half" idx="10"/>
           </p:nvPr>
         </p:nvSpPr>
         <p:spPr/>
@@ -9495,48 +10099,653 @@
           <a:lstStyle/>
           <a:p>
             <a:r>
-              <a:rPr lang="en-US"/>
-              <a:t>9/4/20XX</a:t>
+              <a:rPr lang="en-US" dirty="0" err="1"/>
+              <a:t>Chính</a:t>
+            </a:r>
+            <a:r>
+              <a:rPr lang="en-US" dirty="0"/>
+              <a:t> </a:t>
+            </a:r>
+            <a:r>
+              <a:rPr lang="en-US" dirty="0" err="1"/>
+              <a:t>sách</a:t>
+            </a:r>
+            <a:r>
+              <a:rPr lang="en-US" dirty="0"/>
+              <a:t> </a:t>
+            </a:r>
+            <a:r>
+              <a:rPr lang="en-US" dirty="0" err="1"/>
+              <a:t>giá</a:t>
             </a:r>
             <a:endParaRPr lang="en-US" dirty="0"/>
           </a:p>
         </p:txBody>
       </p:sp>
-      <p:sp>
-        <p:nvSpPr>
-          <p:cNvPr id="5" name="Footer Placeholder 4">
-            <a:extLst>
-              <a:ext uri="{FF2B5EF4-FFF2-40B4-BE49-F238E27FC236}">
-                <a16:creationId xmlns:a16="http://schemas.microsoft.com/office/drawing/2014/main" id="{0D1D7321-A15C-C4FE-CAF0-505025D90D2D}"/>
-              </a:ext>
-            </a:extLst>
-          </p:cNvPr>
-          <p:cNvSpPr>
-            <a:spLocks noGrp="1"/>
-          </p:cNvSpPr>
-          <p:nvPr>
-            <p:ph type="ftr" sz="quarter" idx="11"/>
-          </p:nvPr>
-        </p:nvSpPr>
-        <p:spPr/>
-        <p:txBody>
-          <a:bodyPr/>
-          <a:lstStyle/>
-          <a:p>
-            <a:r>
-              <a:rPr lang="en-US"/>
-              <a:t>Presentation Title</a:t>
-            </a:r>
-            <a:endParaRPr lang="en-US" dirty="0"/>
-          </a:p>
-        </p:txBody>
-      </p:sp>
+      <p:graphicFrame>
+        <p:nvGraphicFramePr>
+          <p:cNvPr id="7" name="Content Placeholder 6">
+            <a:extLst>
+              <a:ext uri="{FF2B5EF4-FFF2-40B4-BE49-F238E27FC236}">
+                <a16:creationId xmlns:a16="http://schemas.microsoft.com/office/drawing/2014/main" id="{1815B4A8-507B-709E-D49B-E63D83923266}"/>
+              </a:ext>
+            </a:extLst>
+          </p:cNvPr>
+          <p:cNvGraphicFramePr>
+            <a:graphicFrameLocks noGrp="1"/>
+          </p:cNvGraphicFramePr>
+          <p:nvPr>
+            <p:ph idx="1"/>
+            <p:extLst>
+              <p:ext uri="{D42A27DB-BD31-4B8C-83A1-F6EECF244321}">
+                <p14:modId xmlns:p14="http://schemas.microsoft.com/office/powerpoint/2010/main" val="3570735114"/>
+              </p:ext>
+            </p:extLst>
+          </p:nvPr>
+        </p:nvGraphicFramePr>
+        <p:xfrm>
+          <a:off x="529220" y="2824675"/>
+          <a:ext cx="11133560" cy="3291840"/>
+        </p:xfrm>
+        <a:graphic>
+          <a:graphicData uri="http://schemas.openxmlformats.org/drawingml/2006/table">
+            <a:tbl>
+              <a:tblPr firstRow="1" bandRow="1">
+                <a:tableStyleId>{5C22544A-7EE6-4342-B048-85BDC9FD1C3A}</a:tableStyleId>
+              </a:tblPr>
+              <a:tblGrid>
+                <a:gridCol w="2226712">
+                  <a:extLst>
+                    <a:ext uri="{9D8B030D-6E8A-4147-A177-3AD203B41FA5}">
+                      <a16:colId xmlns:a16="http://schemas.microsoft.com/office/drawing/2014/main" val="2564353491"/>
+                    </a:ext>
+                  </a:extLst>
+                </a:gridCol>
+                <a:gridCol w="2226712">
+                  <a:extLst>
+                    <a:ext uri="{9D8B030D-6E8A-4147-A177-3AD203B41FA5}">
+                      <a16:colId xmlns:a16="http://schemas.microsoft.com/office/drawing/2014/main" val="2848976890"/>
+                    </a:ext>
+                  </a:extLst>
+                </a:gridCol>
+                <a:gridCol w="2226712">
+                  <a:extLst>
+                    <a:ext uri="{9D8B030D-6E8A-4147-A177-3AD203B41FA5}">
+                      <a16:colId xmlns:a16="http://schemas.microsoft.com/office/drawing/2014/main" val="2733259095"/>
+                    </a:ext>
+                  </a:extLst>
+                </a:gridCol>
+                <a:gridCol w="2226712">
+                  <a:extLst>
+                    <a:ext uri="{9D8B030D-6E8A-4147-A177-3AD203B41FA5}">
+                      <a16:colId xmlns:a16="http://schemas.microsoft.com/office/drawing/2014/main" val="213193443"/>
+                    </a:ext>
+                  </a:extLst>
+                </a:gridCol>
+                <a:gridCol w="2226712">
+                  <a:extLst>
+                    <a:ext uri="{9D8B030D-6E8A-4147-A177-3AD203B41FA5}">
+                      <a16:colId xmlns:a16="http://schemas.microsoft.com/office/drawing/2014/main" val="2858717532"/>
+                    </a:ext>
+                  </a:extLst>
+                </a:gridCol>
+              </a:tblGrid>
+              <a:tr h="370840">
+                <a:tc>
+                  <a:txBody>
+                    <a:bodyPr/>
+                    <a:lstStyle/>
+                    <a:p>
+                      <a:r>
+                        <a:rPr lang="en-US" dirty="0" err="1"/>
+                        <a:t>Chính</a:t>
+                      </a:r>
+                      <a:r>
+                        <a:rPr lang="en-US" dirty="0"/>
+                        <a:t> </a:t>
+                      </a:r>
+                      <a:r>
+                        <a:rPr lang="en-US" dirty="0" err="1"/>
+                        <a:t>sách</a:t>
+                      </a:r>
+                      <a:r>
+                        <a:rPr lang="en-US" dirty="0"/>
+                        <a:t> </a:t>
+                      </a:r>
+                      <a:r>
+                        <a:rPr lang="en-US" dirty="0" err="1"/>
+                        <a:t>giá</a:t>
+                      </a:r>
+                      <a:endParaRPr lang="en-US" dirty="0"/>
+                    </a:p>
+                  </a:txBody>
+                  <a:tcPr anchor="ctr"/>
+                </a:tc>
+                <a:tc>
+                  <a:txBody>
+                    <a:bodyPr/>
+                    <a:lstStyle/>
+                    <a:p>
+                      <a:r>
+                        <a:rPr lang="en-US"/>
+                        <a:t>Mô tả</a:t>
+                      </a:r>
+                    </a:p>
+                  </a:txBody>
+                  <a:tcPr anchor="ctr"/>
+                </a:tc>
+                <a:tc>
+                  <a:txBody>
+                    <a:bodyPr/>
+                    <a:lstStyle/>
+                    <a:p>
+                      <a:r>
+                        <a:rPr lang="vi-VN" dirty="0"/>
+                        <a:t>Ưu điểm</a:t>
+                      </a:r>
+                    </a:p>
+                  </a:txBody>
+                  <a:tcPr anchor="ctr"/>
+                </a:tc>
+                <a:tc>
+                  <a:txBody>
+                    <a:bodyPr/>
+                    <a:lstStyle/>
+                    <a:p>
+                      <a:r>
+                        <a:rPr lang="vi-VN"/>
+                        <a:t>Nhược điểm</a:t>
+                      </a:r>
+                    </a:p>
+                  </a:txBody>
+                  <a:tcPr anchor="ctr"/>
+                </a:tc>
+                <a:tc>
+                  <a:txBody>
+                    <a:bodyPr/>
+                    <a:lstStyle/>
+                    <a:p>
+                      <a:r>
+                        <a:rPr lang="en-US" dirty="0"/>
+                        <a:t>Khi </a:t>
+                      </a:r>
+                      <a:r>
+                        <a:rPr lang="en-US" dirty="0" err="1"/>
+                        <a:t>nào</a:t>
+                      </a:r>
+                      <a:r>
+                        <a:rPr lang="en-US" dirty="0"/>
+                        <a:t> </a:t>
+                      </a:r>
+                      <a:r>
+                        <a:rPr lang="en-US" dirty="0" err="1"/>
+                        <a:t>nên</a:t>
+                      </a:r>
+                      <a:r>
+                        <a:rPr lang="en-US" dirty="0"/>
+                        <a:t> </a:t>
+                      </a:r>
+                      <a:r>
+                        <a:rPr lang="en-US" dirty="0" err="1"/>
+                        <a:t>sử</a:t>
+                      </a:r>
+                      <a:r>
+                        <a:rPr lang="en-US" dirty="0"/>
+                        <a:t> </a:t>
+                      </a:r>
+                      <a:r>
+                        <a:rPr lang="en-US" dirty="0" err="1"/>
+                        <a:t>dụng</a:t>
+                      </a:r>
+                      <a:endParaRPr lang="en-US" dirty="0"/>
+                    </a:p>
+                  </a:txBody>
+                  <a:tcPr anchor="ctr"/>
+                </a:tc>
+                <a:extLst>
+                  <a:ext uri="{0D108BD9-81ED-4DB2-BD59-A6C34878D82A}">
+                    <a16:rowId xmlns:a16="http://schemas.microsoft.com/office/drawing/2014/main" val="1206314008"/>
+                  </a:ext>
+                </a:extLst>
+              </a:tr>
+              <a:tr h="370840">
+                <a:tc>
+                  <a:txBody>
+                    <a:bodyPr/>
+                    <a:lstStyle/>
+                    <a:p>
+                      <a:r>
+                        <a:rPr lang="en-US" dirty="0"/>
+                        <a:t>On-Demand</a:t>
+                      </a:r>
+                    </a:p>
+                  </a:txBody>
+                  <a:tcPr anchor="ctr"/>
+                </a:tc>
+                <a:tc>
+                  <a:txBody>
+                    <a:bodyPr/>
+                    <a:lstStyle/>
+                    <a:p>
+                      <a:r>
+                        <a:rPr lang="vi-VN" dirty="0"/>
+                        <a:t>Trả tiền theo giờ sử dụng, không cần cam kết trước.</a:t>
+                      </a:r>
+                    </a:p>
+                  </a:txBody>
+                  <a:tcPr anchor="ctr"/>
+                </a:tc>
+                <a:tc>
+                  <a:txBody>
+                    <a:bodyPr/>
+                    <a:lstStyle/>
+                    <a:p>
+                      <a:r>
+                        <a:rPr lang="vi-VN" dirty="0"/>
+                        <a:t>Linh hoạt, phù hợp với khối lượng công việc ngắn hạn hoặc không thể đoán trước.</a:t>
+                      </a:r>
+                    </a:p>
+                  </a:txBody>
+                  <a:tcPr anchor="ctr"/>
+                </a:tc>
+                <a:tc>
+                  <a:txBody>
+                    <a:bodyPr/>
+                    <a:lstStyle/>
+                    <a:p>
+                      <a:r>
+                        <a:rPr lang="en-US" dirty="0"/>
+                        <a:t>Chi </a:t>
+                      </a:r>
+                      <a:r>
+                        <a:rPr lang="en-US" dirty="0" err="1"/>
+                        <a:t>phí</a:t>
+                      </a:r>
+                      <a:r>
+                        <a:rPr lang="en-US" dirty="0"/>
+                        <a:t> </a:t>
+                      </a:r>
+                      <a:r>
+                        <a:rPr lang="en-US" dirty="0" err="1"/>
+                        <a:t>cao</a:t>
+                      </a:r>
+                      <a:r>
+                        <a:rPr lang="en-US" dirty="0"/>
+                        <a:t> </a:t>
+                      </a:r>
+                      <a:r>
+                        <a:rPr lang="en-US" dirty="0" err="1"/>
+                        <a:t>nhất</a:t>
+                      </a:r>
+                      <a:r>
+                        <a:rPr lang="en-US" dirty="0"/>
+                        <a:t> </a:t>
+                      </a:r>
+                      <a:r>
+                        <a:rPr lang="en-US" dirty="0" err="1"/>
+                        <a:t>trong</a:t>
+                      </a:r>
+                      <a:r>
+                        <a:rPr lang="en-US" dirty="0"/>
+                        <a:t> </a:t>
+                      </a:r>
+                      <a:r>
+                        <a:rPr lang="en-US" dirty="0" err="1"/>
+                        <a:t>số</a:t>
+                      </a:r>
+                      <a:r>
+                        <a:rPr lang="en-US" dirty="0"/>
+                        <a:t> </a:t>
+                      </a:r>
+                      <a:r>
+                        <a:rPr lang="en-US" dirty="0" err="1"/>
+                        <a:t>các</a:t>
+                      </a:r>
+                      <a:r>
+                        <a:rPr lang="en-US" dirty="0"/>
+                        <a:t> </a:t>
+                      </a:r>
+                      <a:r>
+                        <a:rPr lang="en-US" dirty="0" err="1"/>
+                        <a:t>tùy</a:t>
+                      </a:r>
+                      <a:r>
+                        <a:rPr lang="en-US" dirty="0"/>
+                        <a:t> </a:t>
+                      </a:r>
+                      <a:r>
+                        <a:rPr lang="en-US" dirty="0" err="1"/>
+                        <a:t>chọn</a:t>
+                      </a:r>
+                      <a:r>
+                        <a:rPr lang="en-US" dirty="0"/>
+                        <a:t>.</a:t>
+                      </a:r>
+                    </a:p>
+                  </a:txBody>
+                  <a:tcPr anchor="ctr"/>
+                </a:tc>
+                <a:tc>
+                  <a:txBody>
+                    <a:bodyPr/>
+                    <a:lstStyle/>
+                    <a:p>
+                      <a:r>
+                        <a:rPr lang="en-US" dirty="0" err="1"/>
+                        <a:t>Thử</a:t>
+                      </a:r>
+                      <a:r>
+                        <a:rPr lang="en-US" dirty="0"/>
+                        <a:t> </a:t>
+                      </a:r>
+                      <a:r>
+                        <a:rPr lang="en-US" dirty="0" err="1"/>
+                        <a:t>nghiệm</a:t>
+                      </a:r>
+                      <a:r>
+                        <a:rPr lang="en-US" dirty="0"/>
+                        <a:t>, </a:t>
+                      </a:r>
+                      <a:r>
+                        <a:rPr lang="en-US" dirty="0" err="1"/>
+                        <a:t>phát</a:t>
+                      </a:r>
+                      <a:r>
+                        <a:rPr lang="en-US" dirty="0"/>
+                        <a:t> </a:t>
+                      </a:r>
+                      <a:r>
+                        <a:rPr lang="en-US" dirty="0" err="1"/>
+                        <a:t>triển</a:t>
+                      </a:r>
+                      <a:r>
+                        <a:rPr lang="en-US" dirty="0"/>
+                        <a:t>, </a:t>
+                      </a:r>
+                      <a:r>
+                        <a:rPr lang="en-US" dirty="0" err="1"/>
+                        <a:t>ứng</a:t>
+                      </a:r>
+                      <a:r>
+                        <a:rPr lang="en-US" dirty="0"/>
+                        <a:t> </a:t>
+                      </a:r>
+                      <a:r>
+                        <a:rPr lang="en-US" dirty="0" err="1"/>
+                        <a:t>dụng</a:t>
+                      </a:r>
+                      <a:r>
+                        <a:rPr lang="en-US" dirty="0"/>
+                        <a:t> có </a:t>
+                      </a:r>
+                      <a:r>
+                        <a:rPr lang="en-US" dirty="0" err="1"/>
+                        <a:t>nhu</a:t>
+                      </a:r>
+                      <a:r>
+                        <a:rPr lang="en-US" dirty="0"/>
+                        <a:t> </a:t>
+                      </a:r>
+                      <a:r>
+                        <a:rPr lang="en-US" dirty="0" err="1"/>
+                        <a:t>cầu</a:t>
+                      </a:r>
+                      <a:r>
+                        <a:rPr lang="en-US" dirty="0"/>
+                        <a:t> </a:t>
+                      </a:r>
+                      <a:r>
+                        <a:rPr lang="en-US" dirty="0" err="1"/>
+                        <a:t>sử</a:t>
+                      </a:r>
+                      <a:r>
+                        <a:rPr lang="en-US" dirty="0"/>
+                        <a:t> </a:t>
+                      </a:r>
+                      <a:r>
+                        <a:rPr lang="en-US" dirty="0" err="1"/>
+                        <a:t>dụng</a:t>
+                      </a:r>
+                      <a:r>
+                        <a:rPr lang="en-US" dirty="0"/>
+                        <a:t> </a:t>
+                      </a:r>
+                      <a:r>
+                        <a:rPr lang="en-US" dirty="0" err="1"/>
+                        <a:t>không</a:t>
+                      </a:r>
+                      <a:r>
+                        <a:rPr lang="en-US" dirty="0"/>
+                        <a:t> </a:t>
+                      </a:r>
+                      <a:r>
+                        <a:rPr lang="en-US" dirty="0" err="1"/>
+                        <a:t>ổn</a:t>
+                      </a:r>
+                      <a:r>
+                        <a:rPr lang="en-US" dirty="0"/>
+                        <a:t> </a:t>
+                      </a:r>
+                      <a:r>
+                        <a:rPr lang="en-US" dirty="0" err="1"/>
+                        <a:t>định</a:t>
+                      </a:r>
+                      <a:r>
+                        <a:rPr lang="en-US" dirty="0"/>
+                        <a:t>.</a:t>
+                      </a:r>
+                    </a:p>
+                  </a:txBody>
+                  <a:tcPr anchor="ctr"/>
+                </a:tc>
+                <a:extLst>
+                  <a:ext uri="{0D108BD9-81ED-4DB2-BD59-A6C34878D82A}">
+                    <a16:rowId xmlns:a16="http://schemas.microsoft.com/office/drawing/2014/main" val="228167413"/>
+                  </a:ext>
+                </a:extLst>
+              </a:tr>
+              <a:tr h="370840">
+                <a:tc>
+                  <a:txBody>
+                    <a:bodyPr/>
+                    <a:lstStyle/>
+                    <a:p>
+                      <a:r>
+                        <a:rPr lang="en-US"/>
+                        <a:t>Reserved</a:t>
+                      </a:r>
+                    </a:p>
+                  </a:txBody>
+                  <a:tcPr anchor="ctr"/>
+                </a:tc>
+                <a:tc>
+                  <a:txBody>
+                    <a:bodyPr/>
+                    <a:lstStyle/>
+                    <a:p>
+                      <a:r>
+                        <a:rPr lang="en-US" dirty="0"/>
+                        <a:t>Cam </a:t>
+                      </a:r>
+                      <a:r>
+                        <a:rPr lang="en-US" dirty="0" err="1"/>
+                        <a:t>kết</a:t>
+                      </a:r>
+                      <a:r>
+                        <a:rPr lang="en-US" dirty="0"/>
+                        <a:t> </a:t>
+                      </a:r>
+                      <a:r>
+                        <a:rPr lang="en-US" dirty="0" err="1"/>
+                        <a:t>sử</a:t>
+                      </a:r>
+                      <a:r>
+                        <a:rPr lang="en-US" dirty="0"/>
+                        <a:t> </a:t>
+                      </a:r>
+                      <a:r>
+                        <a:rPr lang="en-US" dirty="0" err="1"/>
+                        <a:t>dụng</a:t>
+                      </a:r>
+                      <a:r>
+                        <a:rPr lang="en-US" dirty="0"/>
+                        <a:t> </a:t>
+                      </a:r>
+                      <a:r>
+                        <a:rPr lang="en-US" dirty="0" err="1"/>
+                        <a:t>trong</a:t>
+                      </a:r>
+                      <a:r>
+                        <a:rPr lang="en-US" dirty="0"/>
+                        <a:t> 1 </a:t>
+                      </a:r>
+                      <a:r>
+                        <a:rPr lang="en-US" dirty="0" err="1"/>
+                        <a:t>hoặc</a:t>
+                      </a:r>
+                      <a:r>
+                        <a:rPr lang="en-US" dirty="0"/>
+                        <a:t> 3 </a:t>
+                      </a:r>
+                      <a:r>
+                        <a:rPr lang="en-US" dirty="0" err="1"/>
+                        <a:t>năm</a:t>
+                      </a:r>
+                      <a:r>
+                        <a:rPr lang="en-US" dirty="0"/>
+                        <a:t> </a:t>
+                      </a:r>
+                      <a:r>
+                        <a:rPr lang="en-US" dirty="0" err="1"/>
+                        <a:t>để</a:t>
+                      </a:r>
+                      <a:r>
+                        <a:rPr lang="en-US" dirty="0"/>
+                        <a:t> </a:t>
+                      </a:r>
+                      <a:r>
+                        <a:rPr lang="en-US" dirty="0" err="1"/>
+                        <a:t>đổi</a:t>
+                      </a:r>
+                      <a:r>
+                        <a:rPr lang="en-US" dirty="0"/>
+                        <a:t> </a:t>
+                      </a:r>
+                      <a:r>
+                        <a:rPr lang="en-US" dirty="0" err="1"/>
+                        <a:t>lấy</a:t>
+                      </a:r>
+                      <a:r>
+                        <a:rPr lang="en-US" dirty="0"/>
+                        <a:t> </a:t>
+                      </a:r>
+                      <a:r>
+                        <a:rPr lang="en-US" dirty="0" err="1"/>
+                        <a:t>mức</a:t>
+                      </a:r>
+                      <a:r>
+                        <a:rPr lang="en-US" dirty="0"/>
+                        <a:t> </a:t>
+                      </a:r>
+                      <a:r>
+                        <a:rPr lang="en-US" dirty="0" err="1"/>
+                        <a:t>giá</a:t>
+                      </a:r>
+                      <a:r>
+                        <a:rPr lang="en-US" dirty="0"/>
+                        <a:t> </a:t>
+                      </a:r>
+                      <a:r>
+                        <a:rPr lang="en-US" dirty="0" err="1"/>
+                        <a:t>chiết</a:t>
+                      </a:r>
+                      <a:r>
+                        <a:rPr lang="en-US" dirty="0"/>
+                        <a:t> </a:t>
+                      </a:r>
+                      <a:r>
+                        <a:rPr lang="en-US" dirty="0" err="1"/>
+                        <a:t>khấu</a:t>
+                      </a:r>
+                      <a:r>
+                        <a:rPr lang="en-US" dirty="0"/>
+                        <a:t> </a:t>
+                      </a:r>
+                      <a:r>
+                        <a:rPr lang="en-US" dirty="0" err="1"/>
+                        <a:t>đáng</a:t>
+                      </a:r>
+                      <a:r>
+                        <a:rPr lang="en-US" dirty="0"/>
+                        <a:t> </a:t>
+                      </a:r>
+                      <a:r>
+                        <a:rPr lang="en-US" dirty="0" err="1"/>
+                        <a:t>kể</a:t>
+                      </a:r>
+                      <a:r>
+                        <a:rPr lang="en-US" dirty="0"/>
+                        <a:t>. </a:t>
+                      </a:r>
+                    </a:p>
+                  </a:txBody>
+                  <a:tcPr anchor="ctr"/>
+                </a:tc>
+                <a:tc>
+                  <a:txBody>
+                    <a:bodyPr/>
+                    <a:lstStyle/>
+                    <a:p>
+                      <a:r>
+                        <a:rPr lang="en-US"/>
+                        <a:t>Tiết kiệm chi phí đáng kể so với On-Demand.</a:t>
+                      </a:r>
+                    </a:p>
+                  </a:txBody>
+                  <a:tcPr anchor="ctr"/>
+                </a:tc>
+                <a:tc>
+                  <a:txBody>
+                    <a:bodyPr/>
+                    <a:lstStyle/>
+                    <a:p>
+                      <a:r>
+                        <a:rPr lang="vi-VN" dirty="0"/>
+                        <a:t>Ít linh hoạt hơn On-Demand, yêu cầu cam kết sử dụng trước.</a:t>
+                      </a:r>
+                    </a:p>
+                  </a:txBody>
+                  <a:tcPr anchor="ctr"/>
+                </a:tc>
+                <a:tc>
+                  <a:txBody>
+                    <a:bodyPr/>
+                    <a:lstStyle/>
+                    <a:p>
+                      <a:r>
+                        <a:rPr lang="vi-VN" dirty="0"/>
+                        <a:t>Ứng dụng có nhu cầu sử dụng ổn định và có thể dự đoán trước.</a:t>
+                      </a:r>
+                    </a:p>
+                  </a:txBody>
+                  <a:tcPr anchor="ctr"/>
+                </a:tc>
+                <a:extLst>
+                  <a:ext uri="{0D108BD9-81ED-4DB2-BD59-A6C34878D82A}">
+                    <a16:rowId xmlns:a16="http://schemas.microsoft.com/office/drawing/2014/main" val="746550591"/>
+                  </a:ext>
+                </a:extLst>
+              </a:tr>
+            </a:tbl>
+          </a:graphicData>
+        </a:graphic>
+      </p:graphicFrame>
       <p:sp>
         <p:nvSpPr>
           <p:cNvPr id="6" name="Slide Number Placeholder 5">
             <a:extLst>
               <a:ext uri="{FF2B5EF4-FFF2-40B4-BE49-F238E27FC236}">
-                <a16:creationId xmlns:a16="http://schemas.microsoft.com/office/drawing/2014/main" id="{4843C778-4613-E5D7-F977-F77FEBD70B13}"/>
+                <a16:creationId xmlns:a16="http://schemas.microsoft.com/office/drawing/2014/main" id="{458EB2E7-3ED3-F7E3-8AAA-4CE5465FC69A}"/>
               </a:ext>
             </a:extLst>
           </p:cNvPr>
@@ -9563,7 +10772,7 @@
     </p:spTree>
     <p:extLst>
       <p:ext uri="{BB962C8B-B14F-4D97-AF65-F5344CB8AC3E}">
-        <p14:creationId xmlns:p14="http://schemas.microsoft.com/office/powerpoint/2010/main" val="1445709890"/>
+        <p14:creationId xmlns:p14="http://schemas.microsoft.com/office/powerpoint/2010/main" val="3000942449"/>
       </p:ext>
     </p:extLst>
   </p:cSld>
@@ -9595,7 +10804,7 @@
           <p:cNvPr id="2" name="Title 1">
             <a:extLst>
               <a:ext uri="{FF2B5EF4-FFF2-40B4-BE49-F238E27FC236}">
-                <a16:creationId xmlns:a16="http://schemas.microsoft.com/office/drawing/2014/main" id="{870AA001-9CF1-3C0E-E6B5-667B3C997B96}"/>
+                <a16:creationId xmlns:a16="http://schemas.microsoft.com/office/drawing/2014/main" id="{B4D07281-FD5D-7AE7-86A2-21F658ABF133}"/>
               </a:ext>
             </a:extLst>
           </p:cNvPr>
@@ -9612,220 +10821,737 @@
           <a:lstStyle/>
           <a:p>
             <a:r>
-              <a:rPr lang="en-US" dirty="0"/>
-              <a:t>Command: pm2</a:t>
-            </a:r>
-          </a:p>
-        </p:txBody>
-      </p:sp>
-      <p:sp>
-        <p:nvSpPr>
-          <p:cNvPr id="3" name="Content Placeholder 2">
-            <a:extLst>
-              <a:ext uri="{FF2B5EF4-FFF2-40B4-BE49-F238E27FC236}">
-                <a16:creationId xmlns:a16="http://schemas.microsoft.com/office/drawing/2014/main" id="{6038DAC0-912C-2A37-039B-2ECC9BF7F428}"/>
-              </a:ext>
-            </a:extLst>
-          </p:cNvPr>
-          <p:cNvSpPr>
-            <a:spLocks noGrp="1"/>
-          </p:cNvSpPr>
+              <a:rPr lang="en-US" dirty="0" err="1"/>
+              <a:t>Chính</a:t>
+            </a:r>
+            <a:r>
+              <a:rPr lang="en-US" dirty="0"/>
+              <a:t> </a:t>
+            </a:r>
+            <a:r>
+              <a:rPr lang="en-US" dirty="0" err="1"/>
+              <a:t>sách</a:t>
+            </a:r>
+            <a:r>
+              <a:rPr lang="en-US" dirty="0"/>
+              <a:t> </a:t>
+            </a:r>
+            <a:r>
+              <a:rPr lang="en-US" dirty="0" err="1"/>
+              <a:t>giá</a:t>
+            </a:r>
+            <a:endParaRPr lang="en-US" dirty="0"/>
+          </a:p>
+        </p:txBody>
+      </p:sp>
+      <p:graphicFrame>
+        <p:nvGraphicFramePr>
+          <p:cNvPr id="7" name="Content Placeholder 6">
+            <a:extLst>
+              <a:ext uri="{FF2B5EF4-FFF2-40B4-BE49-F238E27FC236}">
+                <a16:creationId xmlns:a16="http://schemas.microsoft.com/office/drawing/2014/main" id="{1815B4A8-507B-709E-D49B-E63D83923266}"/>
+              </a:ext>
+            </a:extLst>
+          </p:cNvPr>
+          <p:cNvGraphicFramePr>
+            <a:graphicFrameLocks noGrp="1"/>
+          </p:cNvGraphicFramePr>
           <p:nvPr>
             <p:ph idx="1"/>
-          </p:nvPr>
-        </p:nvSpPr>
-        <p:spPr/>
-        <p:txBody>
-          <a:bodyPr>
-            <a:normAutofit fontScale="55000" lnSpcReduction="20000"/>
-          </a:bodyPr>
-          <a:lstStyle/>
-          <a:p>
-            <a:r>
-              <a:rPr lang="es-ES" dirty="0"/>
-              <a:t>sudo </a:t>
-            </a:r>
-            <a:r>
-              <a:rPr lang="es-ES" dirty="0" err="1"/>
-              <a:t>yum</a:t>
-            </a:r>
-            <a:r>
-              <a:rPr lang="es-ES" dirty="0"/>
-              <a:t> </a:t>
-            </a:r>
-            <a:r>
-              <a:rPr lang="es-ES" dirty="0" err="1"/>
-              <a:t>install</a:t>
-            </a:r>
-            <a:r>
-              <a:rPr lang="es-ES" dirty="0"/>
-              <a:t> -y </a:t>
-            </a:r>
-            <a:r>
-              <a:rPr lang="es-ES" dirty="0" err="1"/>
-              <a:t>nodejs</a:t>
-            </a:r>
-            <a:endParaRPr lang="es-ES" dirty="0"/>
-          </a:p>
-          <a:p>
-            <a:r>
-              <a:rPr lang="en-US" dirty="0"/>
-              <a:t>node –v</a:t>
-            </a:r>
-          </a:p>
-          <a:p>
-            <a:r>
-              <a:rPr lang="en-US" dirty="0" err="1"/>
-              <a:t>npm</a:t>
-            </a:r>
-            <a:r>
-              <a:rPr lang="en-US" dirty="0"/>
-              <a:t> –v</a:t>
-            </a:r>
-          </a:p>
-          <a:p>
-            <a:r>
-              <a:rPr lang="en-US" dirty="0" err="1"/>
-              <a:t>npx</a:t>
-            </a:r>
-            <a:r>
-              <a:rPr lang="en-US" dirty="0"/>
-              <a:t> </a:t>
-            </a:r>
-            <a:r>
-              <a:rPr lang="en-US" dirty="0" err="1"/>
-              <a:t>create-next-app@latest</a:t>
-            </a:r>
-            <a:endParaRPr lang="en-US" dirty="0"/>
-          </a:p>
-          <a:p>
-            <a:r>
-              <a:rPr lang="en-US" dirty="0" err="1"/>
-              <a:t>npm</a:t>
-            </a:r>
-            <a:r>
-              <a:rPr lang="en-US" dirty="0"/>
-              <a:t> run build</a:t>
-            </a:r>
-          </a:p>
-          <a:p>
-            <a:r>
-              <a:rPr lang="sv-SE" dirty="0"/>
-              <a:t>sudo npm install pm2 –g</a:t>
-            </a:r>
-          </a:p>
-          <a:p>
-            <a:r>
-              <a:rPr lang="en-US" dirty="0"/>
-              <a:t>pm2 start </a:t>
-            </a:r>
-            <a:r>
-              <a:rPr lang="en-US" dirty="0" err="1"/>
-              <a:t>npm</a:t>
-            </a:r>
-            <a:r>
-              <a:rPr lang="en-US" dirty="0"/>
-              <a:t>  --name </a:t>
-            </a:r>
-            <a:r>
-              <a:rPr lang="en-US" dirty="0" err="1"/>
-              <a:t>nextjs</a:t>
-            </a:r>
-            <a:r>
-              <a:rPr lang="en-US" dirty="0"/>
-              <a:t>-app -- start</a:t>
-            </a:r>
-            <a:endParaRPr lang="sv-SE" dirty="0"/>
-          </a:p>
-          <a:p>
-            <a:r>
-              <a:rPr lang="en-US" dirty="0"/>
-              <a:t>ss –</a:t>
-            </a:r>
-            <a:r>
-              <a:rPr lang="en-US" dirty="0" err="1"/>
-              <a:t>tnlp</a:t>
-            </a:r>
-            <a:endParaRPr lang="en-US" dirty="0"/>
-          </a:p>
-          <a:p>
-            <a:r>
-              <a:rPr lang="en-US" dirty="0"/>
-              <a:t>pm2 save</a:t>
-            </a:r>
-          </a:p>
-          <a:p>
-            <a:r>
-              <a:rPr lang="en-US" dirty="0"/>
-              <a:t>pm2 startup</a:t>
-            </a:r>
-          </a:p>
-        </p:txBody>
-      </p:sp>
-      <p:sp>
-        <p:nvSpPr>
-          <p:cNvPr id="4" name="Date Placeholder 3">
-            <a:extLst>
-              <a:ext uri="{FF2B5EF4-FFF2-40B4-BE49-F238E27FC236}">
-                <a16:creationId xmlns:a16="http://schemas.microsoft.com/office/drawing/2014/main" id="{11466F4E-0026-84BF-BC6F-6C84DDA8E69B}"/>
-              </a:ext>
-            </a:extLst>
-          </p:cNvPr>
-          <p:cNvSpPr>
-            <a:spLocks noGrp="1"/>
-          </p:cNvSpPr>
-          <p:nvPr>
-            <p:ph type="dt" sz="half" idx="10"/>
-          </p:nvPr>
-        </p:nvSpPr>
-        <p:spPr/>
-        <p:txBody>
-          <a:bodyPr/>
-          <a:lstStyle/>
-          <a:p>
-            <a:r>
-              <a:rPr lang="en-US"/>
-              <a:t>9/4/20XX</a:t>
-            </a:r>
-            <a:endParaRPr lang="en-US" dirty="0"/>
-          </a:p>
-        </p:txBody>
-      </p:sp>
-      <p:sp>
-        <p:nvSpPr>
-          <p:cNvPr id="5" name="Footer Placeholder 4">
-            <a:extLst>
-              <a:ext uri="{FF2B5EF4-FFF2-40B4-BE49-F238E27FC236}">
-                <a16:creationId xmlns:a16="http://schemas.microsoft.com/office/drawing/2014/main" id="{3298DB22-0F2F-7A50-2CFB-A0B6D2C42349}"/>
-              </a:ext>
-            </a:extLst>
-          </p:cNvPr>
-          <p:cNvSpPr>
-            <a:spLocks noGrp="1"/>
-          </p:cNvSpPr>
-          <p:nvPr>
-            <p:ph type="ftr" sz="quarter" idx="11"/>
-          </p:nvPr>
-        </p:nvSpPr>
-        <p:spPr/>
-        <p:txBody>
-          <a:bodyPr/>
-          <a:lstStyle/>
-          <a:p>
-            <a:r>
-              <a:rPr lang="en-US"/>
-              <a:t>Presentation Title</a:t>
-            </a:r>
-            <a:endParaRPr lang="en-US" dirty="0"/>
-          </a:p>
-        </p:txBody>
-      </p:sp>
+            <p:extLst>
+              <p:ext uri="{D42A27DB-BD31-4B8C-83A1-F6EECF244321}">
+                <p14:modId xmlns:p14="http://schemas.microsoft.com/office/powerpoint/2010/main" val="2286582612"/>
+              </p:ext>
+            </p:extLst>
+          </p:nvPr>
+        </p:nvGraphicFramePr>
+        <p:xfrm>
+          <a:off x="524846" y="1376024"/>
+          <a:ext cx="11200120" cy="5486400"/>
+        </p:xfrm>
+        <a:graphic>
+          <a:graphicData uri="http://schemas.openxmlformats.org/drawingml/2006/table">
+            <a:tbl>
+              <a:tblPr firstRow="1" bandRow="1">
+                <a:tableStyleId>{5C22544A-7EE6-4342-B048-85BDC9FD1C3A}</a:tableStyleId>
+              </a:tblPr>
+              <a:tblGrid>
+                <a:gridCol w="2240024">
+                  <a:extLst>
+                    <a:ext uri="{9D8B030D-6E8A-4147-A177-3AD203B41FA5}">
+                      <a16:colId xmlns:a16="http://schemas.microsoft.com/office/drawing/2014/main" val="2564353491"/>
+                    </a:ext>
+                  </a:extLst>
+                </a:gridCol>
+                <a:gridCol w="2240024">
+                  <a:extLst>
+                    <a:ext uri="{9D8B030D-6E8A-4147-A177-3AD203B41FA5}">
+                      <a16:colId xmlns:a16="http://schemas.microsoft.com/office/drawing/2014/main" val="2848976890"/>
+                    </a:ext>
+                  </a:extLst>
+                </a:gridCol>
+                <a:gridCol w="2240024">
+                  <a:extLst>
+                    <a:ext uri="{9D8B030D-6E8A-4147-A177-3AD203B41FA5}">
+                      <a16:colId xmlns:a16="http://schemas.microsoft.com/office/drawing/2014/main" val="2733259095"/>
+                    </a:ext>
+                  </a:extLst>
+                </a:gridCol>
+                <a:gridCol w="2240024">
+                  <a:extLst>
+                    <a:ext uri="{9D8B030D-6E8A-4147-A177-3AD203B41FA5}">
+                      <a16:colId xmlns:a16="http://schemas.microsoft.com/office/drawing/2014/main" val="213193443"/>
+                    </a:ext>
+                  </a:extLst>
+                </a:gridCol>
+                <a:gridCol w="2240024">
+                  <a:extLst>
+                    <a:ext uri="{9D8B030D-6E8A-4147-A177-3AD203B41FA5}">
+                      <a16:colId xmlns:a16="http://schemas.microsoft.com/office/drawing/2014/main" val="2858717532"/>
+                    </a:ext>
+                  </a:extLst>
+                </a:gridCol>
+              </a:tblGrid>
+              <a:tr h="370840">
+                <a:tc>
+                  <a:txBody>
+                    <a:bodyPr/>
+                    <a:lstStyle/>
+                    <a:p>
+                      <a:r>
+                        <a:rPr lang="en-US" dirty="0" err="1"/>
+                        <a:t>Chính</a:t>
+                      </a:r>
+                      <a:r>
+                        <a:rPr lang="en-US" dirty="0"/>
+                        <a:t> </a:t>
+                      </a:r>
+                      <a:r>
+                        <a:rPr lang="en-US" dirty="0" err="1"/>
+                        <a:t>sách</a:t>
+                      </a:r>
+                      <a:r>
+                        <a:rPr lang="en-US" dirty="0"/>
+                        <a:t> </a:t>
+                      </a:r>
+                      <a:r>
+                        <a:rPr lang="en-US" dirty="0" err="1"/>
+                        <a:t>giá</a:t>
+                      </a:r>
+                      <a:endParaRPr lang="en-US" dirty="0"/>
+                    </a:p>
+                  </a:txBody>
+                  <a:tcPr anchor="ctr"/>
+                </a:tc>
+                <a:tc>
+                  <a:txBody>
+                    <a:bodyPr/>
+                    <a:lstStyle/>
+                    <a:p>
+                      <a:r>
+                        <a:rPr lang="en-US"/>
+                        <a:t>Mô tả</a:t>
+                      </a:r>
+                    </a:p>
+                  </a:txBody>
+                  <a:tcPr anchor="ctr"/>
+                </a:tc>
+                <a:tc>
+                  <a:txBody>
+                    <a:bodyPr/>
+                    <a:lstStyle/>
+                    <a:p>
+                      <a:r>
+                        <a:rPr lang="vi-VN"/>
+                        <a:t>Ưu điểm</a:t>
+                      </a:r>
+                    </a:p>
+                  </a:txBody>
+                  <a:tcPr anchor="ctr"/>
+                </a:tc>
+                <a:tc>
+                  <a:txBody>
+                    <a:bodyPr/>
+                    <a:lstStyle/>
+                    <a:p>
+                      <a:r>
+                        <a:rPr lang="vi-VN"/>
+                        <a:t>Nhược điểm</a:t>
+                      </a:r>
+                    </a:p>
+                  </a:txBody>
+                  <a:tcPr anchor="ctr"/>
+                </a:tc>
+                <a:tc>
+                  <a:txBody>
+                    <a:bodyPr/>
+                    <a:lstStyle/>
+                    <a:p>
+                      <a:r>
+                        <a:rPr lang="en-US" dirty="0"/>
+                        <a:t>Khi </a:t>
+                      </a:r>
+                      <a:r>
+                        <a:rPr lang="en-US" dirty="0" err="1"/>
+                        <a:t>nào</a:t>
+                      </a:r>
+                      <a:r>
+                        <a:rPr lang="en-US" dirty="0"/>
+                        <a:t> </a:t>
+                      </a:r>
+                      <a:r>
+                        <a:rPr lang="en-US" dirty="0" err="1"/>
+                        <a:t>nên</a:t>
+                      </a:r>
+                      <a:r>
+                        <a:rPr lang="en-US" dirty="0"/>
+                        <a:t> </a:t>
+                      </a:r>
+                      <a:r>
+                        <a:rPr lang="en-US" dirty="0" err="1"/>
+                        <a:t>sử</a:t>
+                      </a:r>
+                      <a:r>
+                        <a:rPr lang="en-US" dirty="0"/>
+                        <a:t> </a:t>
+                      </a:r>
+                      <a:r>
+                        <a:rPr lang="en-US" dirty="0" err="1"/>
+                        <a:t>dụng</a:t>
+                      </a:r>
+                      <a:endParaRPr lang="en-US" dirty="0"/>
+                    </a:p>
+                  </a:txBody>
+                  <a:tcPr anchor="ctr"/>
+                </a:tc>
+                <a:extLst>
+                  <a:ext uri="{0D108BD9-81ED-4DB2-BD59-A6C34878D82A}">
+                    <a16:rowId xmlns:a16="http://schemas.microsoft.com/office/drawing/2014/main" val="1206314008"/>
+                  </a:ext>
+                </a:extLst>
+              </a:tr>
+              <a:tr h="370840">
+                <a:tc>
+                  <a:txBody>
+                    <a:bodyPr/>
+                    <a:lstStyle/>
+                    <a:p>
+                      <a:r>
+                        <a:rPr lang="en-US"/>
+                        <a:t>Spot</a:t>
+                      </a:r>
+                    </a:p>
+                  </a:txBody>
+                  <a:tcPr anchor="ctr"/>
+                </a:tc>
+                <a:tc>
+                  <a:txBody>
+                    <a:bodyPr/>
+                    <a:lstStyle/>
+                    <a:p>
+                      <a:r>
+                        <a:rPr lang="vi-VN" dirty="0"/>
+                        <a:t>Sử dụng công suất tính toán dư thừa của AWS với mức giá chiết khấu cao (lên đến 90% so với On-Demand). Tuy nhiên, instance có thể bị thu hồi khi AWS cần lại tài nguyên.</a:t>
+                      </a:r>
+                    </a:p>
+                  </a:txBody>
+                  <a:tcPr anchor="ctr"/>
+                </a:tc>
+                <a:tc>
+                  <a:txBody>
+                    <a:bodyPr/>
+                    <a:lstStyle/>
+                    <a:p>
+                      <a:r>
+                        <a:rPr lang="en-US" dirty="0"/>
+                        <a:t>Chi </a:t>
+                      </a:r>
+                      <a:r>
+                        <a:rPr lang="en-US" dirty="0" err="1"/>
+                        <a:t>phí</a:t>
+                      </a:r>
+                      <a:r>
+                        <a:rPr lang="en-US" dirty="0"/>
+                        <a:t> </a:t>
+                      </a:r>
+                      <a:r>
+                        <a:rPr lang="en-US" dirty="0" err="1"/>
+                        <a:t>thấp</a:t>
+                      </a:r>
+                      <a:r>
+                        <a:rPr lang="en-US" dirty="0"/>
+                        <a:t> </a:t>
+                      </a:r>
+                      <a:r>
+                        <a:rPr lang="en-US" dirty="0" err="1"/>
+                        <a:t>nhất</a:t>
+                      </a:r>
+                      <a:r>
+                        <a:rPr lang="en-US" dirty="0"/>
+                        <a:t> </a:t>
+                      </a:r>
+                      <a:r>
+                        <a:rPr lang="en-US" dirty="0" err="1"/>
+                        <a:t>trong</a:t>
+                      </a:r>
+                      <a:r>
+                        <a:rPr lang="en-US" dirty="0"/>
+                        <a:t> </a:t>
+                      </a:r>
+                      <a:r>
+                        <a:rPr lang="en-US" dirty="0" err="1"/>
+                        <a:t>số</a:t>
+                      </a:r>
+                      <a:r>
+                        <a:rPr lang="en-US" dirty="0"/>
+                        <a:t> </a:t>
+                      </a:r>
+                      <a:r>
+                        <a:rPr lang="en-US" dirty="0" err="1"/>
+                        <a:t>các</a:t>
+                      </a:r>
+                      <a:r>
+                        <a:rPr lang="en-US" dirty="0"/>
+                        <a:t> </a:t>
+                      </a:r>
+                      <a:r>
+                        <a:rPr lang="en-US" dirty="0" err="1"/>
+                        <a:t>tùy</a:t>
+                      </a:r>
+                      <a:r>
+                        <a:rPr lang="en-US" dirty="0"/>
+                        <a:t> </a:t>
+                      </a:r>
+                      <a:r>
+                        <a:rPr lang="en-US" dirty="0" err="1"/>
+                        <a:t>chọn</a:t>
+                      </a:r>
+                      <a:r>
+                        <a:rPr lang="en-US" dirty="0"/>
+                        <a:t>.</a:t>
+                      </a:r>
+                    </a:p>
+                  </a:txBody>
+                  <a:tcPr anchor="ctr"/>
+                </a:tc>
+                <a:tc>
+                  <a:txBody>
+                    <a:bodyPr/>
+                    <a:lstStyle/>
+                    <a:p>
+                      <a:r>
+                        <a:rPr lang="en-US" dirty="0" err="1"/>
+                        <a:t>Không</a:t>
+                      </a:r>
+                      <a:r>
+                        <a:rPr lang="en-US" dirty="0"/>
+                        <a:t> </a:t>
+                      </a:r>
+                      <a:r>
+                        <a:rPr lang="en-US" dirty="0" err="1"/>
+                        <a:t>phù</a:t>
+                      </a:r>
+                      <a:r>
+                        <a:rPr lang="en-US" dirty="0"/>
+                        <a:t> </a:t>
+                      </a:r>
+                      <a:r>
+                        <a:rPr lang="en-US" dirty="0" err="1"/>
+                        <a:t>hợp</a:t>
+                      </a:r>
+                      <a:r>
+                        <a:rPr lang="en-US" dirty="0"/>
+                        <a:t> </a:t>
+                      </a:r>
+                      <a:r>
+                        <a:rPr lang="en-US" dirty="0" err="1"/>
+                        <a:t>với</a:t>
+                      </a:r>
+                      <a:r>
+                        <a:rPr lang="en-US" dirty="0"/>
+                        <a:t> </a:t>
+                      </a:r>
+                      <a:r>
+                        <a:rPr lang="en-US" dirty="0" err="1"/>
+                        <a:t>các</a:t>
+                      </a:r>
+                      <a:r>
+                        <a:rPr lang="en-US" dirty="0"/>
+                        <a:t> </a:t>
+                      </a:r>
+                      <a:r>
+                        <a:rPr lang="en-US" dirty="0" err="1"/>
+                        <a:t>ứng</a:t>
+                      </a:r>
+                      <a:r>
+                        <a:rPr lang="en-US" dirty="0"/>
+                        <a:t> </a:t>
+                      </a:r>
+                      <a:r>
+                        <a:rPr lang="en-US" dirty="0" err="1"/>
+                        <a:t>dụng</a:t>
+                      </a:r>
+                      <a:r>
+                        <a:rPr lang="en-US" dirty="0"/>
+                        <a:t> </a:t>
+                      </a:r>
+                      <a:r>
+                        <a:rPr lang="en-US" dirty="0" err="1"/>
+                        <a:t>cần</a:t>
+                      </a:r>
+                      <a:r>
+                        <a:rPr lang="en-US" dirty="0"/>
+                        <a:t> </a:t>
+                      </a:r>
+                      <a:r>
+                        <a:rPr lang="en-US" dirty="0" err="1"/>
+                        <a:t>tính</a:t>
+                      </a:r>
+                      <a:r>
+                        <a:rPr lang="en-US" dirty="0"/>
+                        <a:t> </a:t>
+                      </a:r>
+                      <a:r>
+                        <a:rPr lang="en-US" dirty="0" err="1"/>
+                        <a:t>khả</a:t>
+                      </a:r>
+                      <a:r>
+                        <a:rPr lang="en-US" dirty="0"/>
+                        <a:t> </a:t>
+                      </a:r>
+                      <a:r>
+                        <a:rPr lang="en-US" dirty="0" err="1"/>
+                        <a:t>dụng</a:t>
+                      </a:r>
+                      <a:r>
+                        <a:rPr lang="en-US" dirty="0"/>
+                        <a:t> </a:t>
+                      </a:r>
+                      <a:r>
+                        <a:rPr lang="en-US" dirty="0" err="1"/>
+                        <a:t>cao</a:t>
+                      </a:r>
+                      <a:r>
+                        <a:rPr lang="en-US" dirty="0"/>
+                        <a:t> </a:t>
+                      </a:r>
+                      <a:r>
+                        <a:rPr lang="en-US" dirty="0" err="1"/>
+                        <a:t>hoặc</a:t>
+                      </a:r>
+                      <a:r>
+                        <a:rPr lang="en-US" dirty="0"/>
+                        <a:t> </a:t>
+                      </a:r>
+                      <a:r>
+                        <a:rPr lang="en-US" dirty="0" err="1"/>
+                        <a:t>không</a:t>
+                      </a:r>
+                      <a:r>
+                        <a:rPr lang="en-US" dirty="0"/>
+                        <a:t> </a:t>
+                      </a:r>
+                      <a:r>
+                        <a:rPr lang="en-US" dirty="0" err="1"/>
+                        <a:t>thể</a:t>
+                      </a:r>
+                      <a:r>
+                        <a:rPr lang="en-US" dirty="0"/>
+                        <a:t> </a:t>
+                      </a:r>
+                      <a:r>
+                        <a:rPr lang="en-US" dirty="0" err="1"/>
+                        <a:t>bị</a:t>
+                      </a:r>
+                      <a:r>
+                        <a:rPr lang="en-US" dirty="0"/>
+                        <a:t> </a:t>
+                      </a:r>
+                      <a:r>
+                        <a:rPr lang="en-US" dirty="0" err="1"/>
+                        <a:t>gián</a:t>
+                      </a:r>
+                      <a:r>
+                        <a:rPr lang="en-US" dirty="0"/>
+                        <a:t> </a:t>
+                      </a:r>
+                      <a:r>
+                        <a:rPr lang="en-US" dirty="0" err="1"/>
+                        <a:t>đoạn</a:t>
+                      </a:r>
+                      <a:r>
+                        <a:rPr lang="en-US" dirty="0"/>
+                        <a:t>.</a:t>
+                      </a:r>
+                    </a:p>
+                  </a:txBody>
+                  <a:tcPr anchor="ctr"/>
+                </a:tc>
+                <a:tc>
+                  <a:txBody>
+                    <a:bodyPr/>
+                    <a:lstStyle/>
+                    <a:p>
+                      <a:r>
+                        <a:rPr lang="vi-VN" dirty="0"/>
+                        <a:t>Ứng dụng chịu được lỗi, xử lý hàng loạt, phân tích dữ liệu lớn, hoặc các tác vụ khác có thể bị gián đoạn mà không ảnh hưởng lớn.</a:t>
+                      </a:r>
+                    </a:p>
+                  </a:txBody>
+                  <a:tcPr anchor="ctr"/>
+                </a:tc>
+                <a:extLst>
+                  <a:ext uri="{0D108BD9-81ED-4DB2-BD59-A6C34878D82A}">
+                    <a16:rowId xmlns:a16="http://schemas.microsoft.com/office/drawing/2014/main" val="1131098305"/>
+                  </a:ext>
+                </a:extLst>
+              </a:tr>
+              <a:tr h="370840">
+                <a:tc>
+                  <a:txBody>
+                    <a:bodyPr/>
+                    <a:lstStyle/>
+                    <a:p>
+                      <a:r>
+                        <a:rPr lang="en-US"/>
+                        <a:t>Dedicated Hosts</a:t>
+                      </a:r>
+                    </a:p>
+                  </a:txBody>
+                  <a:tcPr anchor="ctr"/>
+                </a:tc>
+                <a:tc>
+                  <a:txBody>
+                    <a:bodyPr/>
+                    <a:lstStyle/>
+                    <a:p>
+                      <a:r>
+                        <a:rPr lang="en-US"/>
+                        <a:t>Máy chủ vật lý dành riêng cho bạn, cung cấp khả năng kiểm soát cấp độ phần cứng và phù hợp với các yêu cầu cấp phép.</a:t>
+                      </a:r>
+                    </a:p>
+                  </a:txBody>
+                  <a:tcPr anchor="ctr"/>
+                </a:tc>
+                <a:tc>
+                  <a:txBody>
+                    <a:bodyPr/>
+                    <a:lstStyle/>
+                    <a:p>
+                      <a:r>
+                        <a:rPr lang="en-US"/>
+                        <a:t>Kiểm soát vị trí của instance trên phần cứng vật lý, phù hợp với các yêu cầu cấp phép và tuân thủ.</a:t>
+                      </a:r>
+                    </a:p>
+                  </a:txBody>
+                  <a:tcPr anchor="ctr"/>
+                </a:tc>
+                <a:tc>
+                  <a:txBody>
+                    <a:bodyPr/>
+                    <a:lstStyle/>
+                    <a:p>
+                      <a:r>
+                        <a:rPr lang="vi-VN"/>
+                        <a:t>Chi phí cao hơn so với các tùy chọn khác.</a:t>
+                      </a:r>
+                    </a:p>
+                  </a:txBody>
+                  <a:tcPr anchor="ctr"/>
+                </a:tc>
+                <a:tc>
+                  <a:txBody>
+                    <a:bodyPr/>
+                    <a:lstStyle/>
+                    <a:p>
+                      <a:r>
+                        <a:rPr lang="en-US" dirty="0" err="1"/>
+                        <a:t>Ứng</a:t>
+                      </a:r>
+                      <a:r>
+                        <a:rPr lang="en-US" dirty="0"/>
+                        <a:t> </a:t>
+                      </a:r>
+                      <a:r>
+                        <a:rPr lang="en-US" dirty="0" err="1"/>
+                        <a:t>dụng</a:t>
+                      </a:r>
+                      <a:r>
+                        <a:rPr lang="en-US" dirty="0"/>
+                        <a:t> </a:t>
+                      </a:r>
+                      <a:r>
+                        <a:rPr lang="en-US" dirty="0" err="1"/>
+                        <a:t>cần</a:t>
+                      </a:r>
+                      <a:r>
+                        <a:rPr lang="en-US" dirty="0"/>
+                        <a:t> </a:t>
+                      </a:r>
+                      <a:r>
+                        <a:rPr lang="en-US" dirty="0" err="1"/>
+                        <a:t>tuân</a:t>
+                      </a:r>
+                      <a:r>
+                        <a:rPr lang="en-US" dirty="0"/>
+                        <a:t> </a:t>
+                      </a:r>
+                      <a:r>
+                        <a:rPr lang="en-US" dirty="0" err="1"/>
+                        <a:t>thủ</a:t>
+                      </a:r>
+                      <a:r>
+                        <a:rPr lang="en-US" dirty="0"/>
+                        <a:t> </a:t>
+                      </a:r>
+                      <a:r>
+                        <a:rPr lang="en-US" dirty="0" err="1"/>
+                        <a:t>các</a:t>
+                      </a:r>
+                      <a:r>
+                        <a:rPr lang="en-US" dirty="0"/>
+                        <a:t> </a:t>
+                      </a:r>
+                      <a:r>
+                        <a:rPr lang="en-US" dirty="0" err="1"/>
+                        <a:t>quy</a:t>
+                      </a:r>
+                      <a:r>
+                        <a:rPr lang="en-US" dirty="0"/>
+                        <a:t> </a:t>
+                      </a:r>
+                      <a:r>
+                        <a:rPr lang="en-US" dirty="0" err="1"/>
+                        <a:t>định</a:t>
+                      </a:r>
+                      <a:r>
+                        <a:rPr lang="en-US" dirty="0"/>
+                        <a:t> </a:t>
+                      </a:r>
+                      <a:r>
+                        <a:rPr lang="en-US" dirty="0" err="1"/>
+                        <a:t>nghiêm</a:t>
+                      </a:r>
+                      <a:r>
+                        <a:rPr lang="en-US" dirty="0"/>
+                        <a:t> </a:t>
+                      </a:r>
+                      <a:r>
+                        <a:rPr lang="en-US" dirty="0" err="1"/>
+                        <a:t>ngặt</a:t>
+                      </a:r>
+                      <a:r>
+                        <a:rPr lang="en-US" dirty="0"/>
+                        <a:t> về </a:t>
+                      </a:r>
+                      <a:r>
+                        <a:rPr lang="en-US" dirty="0" err="1"/>
+                        <a:t>cấp</a:t>
+                      </a:r>
+                      <a:r>
+                        <a:rPr lang="en-US" dirty="0"/>
+                        <a:t> </a:t>
+                      </a:r>
+                      <a:r>
+                        <a:rPr lang="en-US" dirty="0" err="1"/>
+                        <a:t>phép</a:t>
+                      </a:r>
+                      <a:r>
+                        <a:rPr lang="en-US" dirty="0"/>
+                        <a:t> </a:t>
+                      </a:r>
+                      <a:r>
+                        <a:rPr lang="en-US" dirty="0" err="1"/>
+                        <a:t>hoặc</a:t>
+                      </a:r>
+                      <a:r>
+                        <a:rPr lang="en-US" dirty="0"/>
+                        <a:t> </a:t>
+                      </a:r>
+                      <a:r>
+                        <a:rPr lang="en-US" dirty="0" err="1"/>
+                        <a:t>yêu</a:t>
+                      </a:r>
+                      <a:r>
+                        <a:rPr lang="en-US" dirty="0"/>
+                        <a:t> </a:t>
+                      </a:r>
+                      <a:r>
+                        <a:rPr lang="en-US" dirty="0" err="1"/>
+                        <a:t>cầu</a:t>
+                      </a:r>
+                      <a:r>
+                        <a:rPr lang="en-US" dirty="0"/>
+                        <a:t> </a:t>
+                      </a:r>
+                      <a:r>
+                        <a:rPr lang="en-US" dirty="0" err="1"/>
+                        <a:t>kiểm</a:t>
+                      </a:r>
+                      <a:r>
+                        <a:rPr lang="en-US" dirty="0"/>
+                        <a:t> </a:t>
+                      </a:r>
+                      <a:r>
+                        <a:rPr lang="en-US" dirty="0" err="1"/>
+                        <a:t>soát</a:t>
+                      </a:r>
+                      <a:r>
+                        <a:rPr lang="en-US" dirty="0"/>
+                        <a:t> </a:t>
+                      </a:r>
+                      <a:r>
+                        <a:rPr lang="en-US" dirty="0" err="1"/>
+                        <a:t>phần</a:t>
+                      </a:r>
+                      <a:r>
+                        <a:rPr lang="en-US" dirty="0"/>
+                        <a:t> </a:t>
+                      </a:r>
+                      <a:r>
+                        <a:rPr lang="en-US" dirty="0" err="1"/>
+                        <a:t>cứng</a:t>
+                      </a:r>
+                      <a:r>
+                        <a:rPr lang="en-US" dirty="0"/>
+                        <a:t> </a:t>
+                      </a:r>
+                      <a:r>
+                        <a:rPr lang="en-US" dirty="0" err="1"/>
+                        <a:t>vật</a:t>
+                      </a:r>
+                      <a:r>
+                        <a:rPr lang="en-US" dirty="0"/>
+                        <a:t> </a:t>
+                      </a:r>
+                      <a:r>
+                        <a:rPr lang="en-US" dirty="0" err="1"/>
+                        <a:t>lý</a:t>
+                      </a:r>
+                      <a:r>
+                        <a:rPr lang="en-US" dirty="0"/>
+                        <a:t>.</a:t>
+                      </a:r>
+                    </a:p>
+                  </a:txBody>
+                  <a:tcPr anchor="ctr"/>
+                </a:tc>
+                <a:extLst>
+                  <a:ext uri="{0D108BD9-81ED-4DB2-BD59-A6C34878D82A}">
+                    <a16:rowId xmlns:a16="http://schemas.microsoft.com/office/drawing/2014/main" val="817264888"/>
+                  </a:ext>
+                </a:extLst>
+              </a:tr>
+            </a:tbl>
+          </a:graphicData>
+        </a:graphic>
+      </p:graphicFrame>
       <p:sp>
         <p:nvSpPr>
           <p:cNvPr id="6" name="Slide Number Placeholder 5">
             <a:extLst>
               <a:ext uri="{FF2B5EF4-FFF2-40B4-BE49-F238E27FC236}">
-                <a16:creationId xmlns:a16="http://schemas.microsoft.com/office/drawing/2014/main" id="{3A0B8ECE-51F5-A3CB-5975-EE830FF77E88}"/>
+                <a16:creationId xmlns:a16="http://schemas.microsoft.com/office/drawing/2014/main" id="{458EB2E7-3ED3-F7E3-8AAA-4CE5465FC69A}"/>
               </a:ext>
             </a:extLst>
           </p:cNvPr>
@@ -9852,7 +11578,7 @@
     </p:spTree>
     <p:extLst>
       <p:ext uri="{BB962C8B-B14F-4D97-AF65-F5344CB8AC3E}">
-        <p14:creationId xmlns:p14="http://schemas.microsoft.com/office/powerpoint/2010/main" val="15691742"/>
+        <p14:creationId xmlns:p14="http://schemas.microsoft.com/office/powerpoint/2010/main" val="3088926509"/>
       </p:ext>
     </p:extLst>
   </p:cSld>
@@ -9884,7 +11610,7 @@
           <p:cNvPr id="2" name="Title 1">
             <a:extLst>
               <a:ext uri="{FF2B5EF4-FFF2-40B4-BE49-F238E27FC236}">
-                <a16:creationId xmlns:a16="http://schemas.microsoft.com/office/drawing/2014/main" id="{4D8C33D6-E48F-3FBD-57AE-423198EC0CE3}"/>
+                <a16:creationId xmlns:a16="http://schemas.microsoft.com/office/drawing/2014/main" id="{B4D07281-FD5D-7AE7-86A2-21F658ABF133}"/>
               </a:ext>
             </a:extLst>
           </p:cNvPr>
@@ -9901,134 +11627,369 @@
           <a:lstStyle/>
           <a:p>
             <a:r>
-              <a:rPr lang="en-US" dirty="0"/>
-              <a:t>HTTPs</a:t>
-            </a:r>
-          </a:p>
-        </p:txBody>
-      </p:sp>
-      <p:sp>
-        <p:nvSpPr>
-          <p:cNvPr id="3" name="Content Placeholder 2">
-            <a:extLst>
-              <a:ext uri="{FF2B5EF4-FFF2-40B4-BE49-F238E27FC236}">
-                <a16:creationId xmlns:a16="http://schemas.microsoft.com/office/drawing/2014/main" id="{28FB661D-9462-93E0-3814-F04A7BAB78C2}"/>
-              </a:ext>
-            </a:extLst>
-          </p:cNvPr>
-          <p:cNvSpPr>
-            <a:spLocks noGrp="1"/>
-          </p:cNvSpPr>
+              <a:rPr lang="en-US" dirty="0" err="1"/>
+              <a:t>Chính</a:t>
+            </a:r>
+            <a:r>
+              <a:rPr lang="en-US" dirty="0"/>
+              <a:t> </a:t>
+            </a:r>
+            <a:r>
+              <a:rPr lang="en-US" dirty="0" err="1"/>
+              <a:t>sách</a:t>
+            </a:r>
+            <a:r>
+              <a:rPr lang="en-US" dirty="0"/>
+              <a:t> </a:t>
+            </a:r>
+            <a:r>
+              <a:rPr lang="en-US" dirty="0" err="1"/>
+              <a:t>giá</a:t>
+            </a:r>
+            <a:endParaRPr lang="en-US" dirty="0"/>
+          </a:p>
+        </p:txBody>
+      </p:sp>
+      <p:graphicFrame>
+        <p:nvGraphicFramePr>
+          <p:cNvPr id="7" name="Content Placeholder 6">
+            <a:extLst>
+              <a:ext uri="{FF2B5EF4-FFF2-40B4-BE49-F238E27FC236}">
+                <a16:creationId xmlns:a16="http://schemas.microsoft.com/office/drawing/2014/main" id="{1815B4A8-507B-709E-D49B-E63D83923266}"/>
+              </a:ext>
+            </a:extLst>
+          </p:cNvPr>
+          <p:cNvGraphicFramePr>
+            <a:graphicFrameLocks noGrp="1"/>
+          </p:cNvGraphicFramePr>
           <p:nvPr>
             <p:ph idx="1"/>
-          </p:nvPr>
-        </p:nvSpPr>
-        <p:spPr/>
-        <p:txBody>
-          <a:bodyPr/>
-          <a:lstStyle/>
-          <a:p>
-            <a:r>
-              <a:rPr lang="en-US" dirty="0" err="1"/>
-              <a:t>sudo</a:t>
-            </a:r>
-            <a:r>
-              <a:rPr lang="en-US" dirty="0"/>
-              <a:t> yum install -y </a:t>
-            </a:r>
-            <a:r>
-              <a:rPr lang="en-US" dirty="0" err="1"/>
-              <a:t>certbot</a:t>
-            </a:r>
-            <a:r>
-              <a:rPr lang="en-US" dirty="0"/>
-              <a:t> python3-certbot-nginx</a:t>
-            </a:r>
-          </a:p>
-          <a:p>
-            <a:r>
-              <a:rPr lang="en-US" dirty="0" err="1"/>
-              <a:t>sudo</a:t>
-            </a:r>
-            <a:r>
-              <a:rPr lang="en-US" dirty="0"/>
-              <a:t> </a:t>
-            </a:r>
-            <a:r>
-              <a:rPr lang="en-US" dirty="0" err="1"/>
-              <a:t>certbot</a:t>
-            </a:r>
-            <a:r>
-              <a:rPr lang="en-US" dirty="0"/>
-              <a:t> --nginx -d example.com -d www.example.com</a:t>
-            </a:r>
-          </a:p>
-        </p:txBody>
-      </p:sp>
-      <p:sp>
-        <p:nvSpPr>
-          <p:cNvPr id="4" name="Date Placeholder 3">
-            <a:extLst>
-              <a:ext uri="{FF2B5EF4-FFF2-40B4-BE49-F238E27FC236}">
-                <a16:creationId xmlns:a16="http://schemas.microsoft.com/office/drawing/2014/main" id="{1593196F-92E3-96A1-9EC5-A91AF9063EFA}"/>
-              </a:ext>
-            </a:extLst>
-          </p:cNvPr>
-          <p:cNvSpPr>
-            <a:spLocks noGrp="1"/>
-          </p:cNvSpPr>
-          <p:nvPr>
-            <p:ph type="dt" sz="half" idx="10"/>
-          </p:nvPr>
-        </p:nvSpPr>
-        <p:spPr/>
-        <p:txBody>
-          <a:bodyPr/>
-          <a:lstStyle/>
-          <a:p>
-            <a:r>
-              <a:rPr lang="en-US"/>
-              <a:t>9/4/20XX</a:t>
-            </a:r>
-            <a:endParaRPr lang="en-US" dirty="0"/>
-          </a:p>
-        </p:txBody>
-      </p:sp>
-      <p:sp>
-        <p:nvSpPr>
-          <p:cNvPr id="5" name="Footer Placeholder 4">
-            <a:extLst>
-              <a:ext uri="{FF2B5EF4-FFF2-40B4-BE49-F238E27FC236}">
-                <a16:creationId xmlns:a16="http://schemas.microsoft.com/office/drawing/2014/main" id="{3959A845-B21D-592E-EDF5-3CF92E6613C9}"/>
-              </a:ext>
-            </a:extLst>
-          </p:cNvPr>
-          <p:cNvSpPr>
-            <a:spLocks noGrp="1"/>
-          </p:cNvSpPr>
-          <p:nvPr>
-            <p:ph type="ftr" sz="quarter" idx="11"/>
-          </p:nvPr>
-        </p:nvSpPr>
-        <p:spPr/>
-        <p:txBody>
-          <a:bodyPr/>
-          <a:lstStyle/>
-          <a:p>
-            <a:r>
-              <a:rPr lang="en-US"/>
-              <a:t>Presentation Title</a:t>
-            </a:r>
-            <a:endParaRPr lang="en-US" dirty="0"/>
-          </a:p>
-        </p:txBody>
-      </p:sp>
+            <p:extLst>
+              <p:ext uri="{D42A27DB-BD31-4B8C-83A1-F6EECF244321}">
+                <p14:modId xmlns:p14="http://schemas.microsoft.com/office/powerpoint/2010/main" val="2603172508"/>
+              </p:ext>
+            </p:extLst>
+          </p:nvPr>
+        </p:nvGraphicFramePr>
+        <p:xfrm>
+          <a:off x="648929" y="1463040"/>
+          <a:ext cx="10760130" cy="5394960"/>
+        </p:xfrm>
+        <a:graphic>
+          <a:graphicData uri="http://schemas.openxmlformats.org/drawingml/2006/table">
+            <a:tbl>
+              <a:tblPr firstRow="1" bandRow="1">
+                <a:tableStyleId>{5C22544A-7EE6-4342-B048-85BDC9FD1C3A}</a:tableStyleId>
+              </a:tblPr>
+              <a:tblGrid>
+                <a:gridCol w="2152026">
+                  <a:extLst>
+                    <a:ext uri="{9D8B030D-6E8A-4147-A177-3AD203B41FA5}">
+                      <a16:colId xmlns:a16="http://schemas.microsoft.com/office/drawing/2014/main" val="2564353491"/>
+                    </a:ext>
+                  </a:extLst>
+                </a:gridCol>
+                <a:gridCol w="2152026">
+                  <a:extLst>
+                    <a:ext uri="{9D8B030D-6E8A-4147-A177-3AD203B41FA5}">
+                      <a16:colId xmlns:a16="http://schemas.microsoft.com/office/drawing/2014/main" val="2848976890"/>
+                    </a:ext>
+                  </a:extLst>
+                </a:gridCol>
+                <a:gridCol w="2152026">
+                  <a:extLst>
+                    <a:ext uri="{9D8B030D-6E8A-4147-A177-3AD203B41FA5}">
+                      <a16:colId xmlns:a16="http://schemas.microsoft.com/office/drawing/2014/main" val="2733259095"/>
+                    </a:ext>
+                  </a:extLst>
+                </a:gridCol>
+                <a:gridCol w="2152026">
+                  <a:extLst>
+                    <a:ext uri="{9D8B030D-6E8A-4147-A177-3AD203B41FA5}">
+                      <a16:colId xmlns:a16="http://schemas.microsoft.com/office/drawing/2014/main" val="213193443"/>
+                    </a:ext>
+                  </a:extLst>
+                </a:gridCol>
+                <a:gridCol w="2152026">
+                  <a:extLst>
+                    <a:ext uri="{9D8B030D-6E8A-4147-A177-3AD203B41FA5}">
+                      <a16:colId xmlns:a16="http://schemas.microsoft.com/office/drawing/2014/main" val="2858717532"/>
+                    </a:ext>
+                  </a:extLst>
+                </a:gridCol>
+              </a:tblGrid>
+              <a:tr h="594360">
+                <a:tc>
+                  <a:txBody>
+                    <a:bodyPr/>
+                    <a:lstStyle/>
+                    <a:p>
+                      <a:r>
+                        <a:rPr lang="en-US" dirty="0" err="1"/>
+                        <a:t>Chính</a:t>
+                      </a:r>
+                      <a:r>
+                        <a:rPr lang="en-US" dirty="0"/>
+                        <a:t> </a:t>
+                      </a:r>
+                      <a:r>
+                        <a:rPr lang="en-US" dirty="0" err="1"/>
+                        <a:t>sách</a:t>
+                      </a:r>
+                      <a:r>
+                        <a:rPr lang="en-US" dirty="0"/>
+                        <a:t> </a:t>
+                      </a:r>
+                      <a:r>
+                        <a:rPr lang="en-US" dirty="0" err="1"/>
+                        <a:t>giá</a:t>
+                      </a:r>
+                      <a:endParaRPr lang="en-US" dirty="0"/>
+                    </a:p>
+                  </a:txBody>
+                  <a:tcPr anchor="ctr"/>
+                </a:tc>
+                <a:tc>
+                  <a:txBody>
+                    <a:bodyPr/>
+                    <a:lstStyle/>
+                    <a:p>
+                      <a:r>
+                        <a:rPr lang="en-US"/>
+                        <a:t>Mô tả</a:t>
+                      </a:r>
+                    </a:p>
+                  </a:txBody>
+                  <a:tcPr anchor="ctr"/>
+                </a:tc>
+                <a:tc>
+                  <a:txBody>
+                    <a:bodyPr/>
+                    <a:lstStyle/>
+                    <a:p>
+                      <a:r>
+                        <a:rPr lang="vi-VN"/>
+                        <a:t>Ưu điểm</a:t>
+                      </a:r>
+                    </a:p>
+                  </a:txBody>
+                  <a:tcPr anchor="ctr"/>
+                </a:tc>
+                <a:tc>
+                  <a:txBody>
+                    <a:bodyPr/>
+                    <a:lstStyle/>
+                    <a:p>
+                      <a:r>
+                        <a:rPr lang="vi-VN"/>
+                        <a:t>Nhược điểm</a:t>
+                      </a:r>
+                    </a:p>
+                  </a:txBody>
+                  <a:tcPr anchor="ctr"/>
+                </a:tc>
+                <a:tc>
+                  <a:txBody>
+                    <a:bodyPr/>
+                    <a:lstStyle/>
+                    <a:p>
+                      <a:r>
+                        <a:rPr lang="en-US" dirty="0"/>
+                        <a:t>Khi </a:t>
+                      </a:r>
+                      <a:r>
+                        <a:rPr lang="en-US" dirty="0" err="1"/>
+                        <a:t>nào</a:t>
+                      </a:r>
+                      <a:r>
+                        <a:rPr lang="en-US" dirty="0"/>
+                        <a:t> </a:t>
+                      </a:r>
+                      <a:r>
+                        <a:rPr lang="en-US" dirty="0" err="1"/>
+                        <a:t>nên</a:t>
+                      </a:r>
+                      <a:r>
+                        <a:rPr lang="en-US" dirty="0"/>
+                        <a:t> </a:t>
+                      </a:r>
+                      <a:r>
+                        <a:rPr lang="en-US" dirty="0" err="1"/>
+                        <a:t>sử</a:t>
+                      </a:r>
+                      <a:r>
+                        <a:rPr lang="en-US" dirty="0"/>
+                        <a:t> </a:t>
+                      </a:r>
+                      <a:r>
+                        <a:rPr lang="en-US" dirty="0" err="1"/>
+                        <a:t>dụng</a:t>
+                      </a:r>
+                      <a:endParaRPr lang="en-US" dirty="0"/>
+                    </a:p>
+                  </a:txBody>
+                  <a:tcPr anchor="ctr"/>
+                </a:tc>
+                <a:extLst>
+                  <a:ext uri="{0D108BD9-81ED-4DB2-BD59-A6C34878D82A}">
+                    <a16:rowId xmlns:a16="http://schemas.microsoft.com/office/drawing/2014/main" val="1206314008"/>
+                  </a:ext>
+                </a:extLst>
+              </a:tr>
+              <a:tr h="2377440">
+                <a:tc>
+                  <a:txBody>
+                    <a:bodyPr/>
+                    <a:lstStyle/>
+                    <a:p>
+                      <a:r>
+                        <a:rPr lang="en-US"/>
+                        <a:t>Savings Plans</a:t>
+                      </a:r>
+                    </a:p>
+                  </a:txBody>
+                  <a:tcPr anchor="ctr"/>
+                </a:tc>
+                <a:tc>
+                  <a:txBody>
+                    <a:bodyPr/>
+                    <a:lstStyle/>
+                    <a:p>
+                      <a:r>
+                        <a:rPr lang="en-US"/>
+                        <a:t>Cam kết chi tiêu một khoản tiền nhất định cho việc sử dụng EC2 và Fargate trong 1 hoặc 3 năm để đổi lấy mức giá chiết khấu đáng kể.</a:t>
+                      </a:r>
+                    </a:p>
+                  </a:txBody>
+                  <a:tcPr anchor="ctr"/>
+                </a:tc>
+                <a:tc>
+                  <a:txBody>
+                    <a:bodyPr/>
+                    <a:lstStyle/>
+                    <a:p>
+                      <a:r>
+                        <a:rPr lang="vi-VN"/>
+                        <a:t>Linh hoạt hơn Reserved Instances, cho phép bạn thay đổi loại instance, hệ điều hành và vùng khả dụng.</a:t>
+                      </a:r>
+                    </a:p>
+                  </a:txBody>
+                  <a:tcPr anchor="ctr"/>
+                </a:tc>
+                <a:tc>
+                  <a:txBody>
+                    <a:bodyPr/>
+                    <a:lstStyle/>
+                    <a:p>
+                      <a:r>
+                        <a:rPr lang="vi-VN"/>
+                        <a:t>Ít linh hoạt hơn On-Demand, yêu cầu cam kết chi tiêu trước.</a:t>
+                      </a:r>
+                    </a:p>
+                  </a:txBody>
+                  <a:tcPr anchor="ctr"/>
+                </a:tc>
+                <a:tc>
+                  <a:txBody>
+                    <a:bodyPr/>
+                    <a:lstStyle/>
+                    <a:p>
+                      <a:r>
+                        <a:rPr lang="vi-VN" dirty="0"/>
+                        <a:t>Ứng dụng có nhu cầu sử dụng ổn định nhưng có thể thay đổi loại instance hoặc vùng khả dụng.</a:t>
+                      </a:r>
+                    </a:p>
+                  </a:txBody>
+                  <a:tcPr anchor="ctr"/>
+                </a:tc>
+                <a:extLst>
+                  <a:ext uri="{0D108BD9-81ED-4DB2-BD59-A6C34878D82A}">
+                    <a16:rowId xmlns:a16="http://schemas.microsoft.com/office/drawing/2014/main" val="3672462977"/>
+                  </a:ext>
+                </a:extLst>
+              </a:tr>
+              <a:tr h="2377440">
+                <a:tc>
+                  <a:txBody>
+                    <a:bodyPr/>
+                    <a:lstStyle/>
+                    <a:p>
+                      <a:r>
+                        <a:rPr lang="en-US"/>
+                        <a:t>Scheduled Reserved Instances</a:t>
+                      </a:r>
+                    </a:p>
+                  </a:txBody>
+                  <a:tcPr anchor="ctr"/>
+                </a:tc>
+                <a:tc>
+                  <a:txBody>
+                    <a:bodyPr/>
+                    <a:lstStyle/>
+                    <a:p>
+                      <a:r>
+                        <a:rPr lang="en-US"/>
+                        <a:t>Cho phép bạn mua công suất Reserved Instance để sử dụng trong khung thời gian cụ thể, hàng ngày, hàng tuần hoặc hàng tháng.</a:t>
+                      </a:r>
+                    </a:p>
+                  </a:txBody>
+                  <a:tcPr anchor="ctr"/>
+                </a:tc>
+                <a:tc>
+                  <a:txBody>
+                    <a:bodyPr/>
+                    <a:lstStyle/>
+                    <a:p>
+                      <a:r>
+                        <a:rPr lang="en-US"/>
+                        <a:t>Tiết kiệm chi phí đáng kể so với On-Demand cho các ứng dụng có nhu cầu sử dụng theo lịch trình.</a:t>
+                      </a:r>
+                    </a:p>
+                  </a:txBody>
+                  <a:tcPr anchor="ctr"/>
+                </a:tc>
+                <a:tc>
+                  <a:txBody>
+                    <a:bodyPr/>
+                    <a:lstStyle/>
+                    <a:p>
+                      <a:r>
+                        <a:rPr lang="vi-VN"/>
+                        <a:t>Ít linh hoạt hơn On-Demand và Reserved Instances tiêu chuẩn.</a:t>
+                      </a:r>
+                    </a:p>
+                  </a:txBody>
+                  <a:tcPr anchor="ctr"/>
+                </a:tc>
+                <a:tc>
+                  <a:txBody>
+                    <a:bodyPr/>
+                    <a:lstStyle/>
+                    <a:p>
+                      <a:r>
+                        <a:rPr lang="vi-VN" dirty="0"/>
+                        <a:t>Ứng dụng có nhu cầu sử dụng theo lịch trình cụ thể, chẳng hạn như hệ thống báo cáo hoặc sao lưu dữ liệu.</a:t>
+                      </a:r>
+                    </a:p>
+                  </a:txBody>
+                  <a:tcPr anchor="ctr"/>
+                </a:tc>
+                <a:extLst>
+                  <a:ext uri="{0D108BD9-81ED-4DB2-BD59-A6C34878D82A}">
+                    <a16:rowId xmlns:a16="http://schemas.microsoft.com/office/drawing/2014/main" val="4220973530"/>
+                  </a:ext>
+                </a:extLst>
+              </a:tr>
+            </a:tbl>
+          </a:graphicData>
+        </a:graphic>
+      </p:graphicFrame>
       <p:sp>
         <p:nvSpPr>
           <p:cNvPr id="6" name="Slide Number Placeholder 5">
             <a:extLst>
               <a:ext uri="{FF2B5EF4-FFF2-40B4-BE49-F238E27FC236}">
-                <a16:creationId xmlns:a16="http://schemas.microsoft.com/office/drawing/2014/main" id="{300F7509-C849-FD15-CC39-5E73EFDFED81}"/>
+                <a16:creationId xmlns:a16="http://schemas.microsoft.com/office/drawing/2014/main" id="{458EB2E7-3ED3-F7E3-8AAA-4CE5465FC69A}"/>
               </a:ext>
             </a:extLst>
           </p:cNvPr>
@@ -10055,7 +12016,7 @@
     </p:spTree>
     <p:extLst>
       <p:ext uri="{BB962C8B-B14F-4D97-AF65-F5344CB8AC3E}">
-        <p14:creationId xmlns:p14="http://schemas.microsoft.com/office/powerpoint/2010/main" val="4191352312"/>
+        <p14:creationId xmlns:p14="http://schemas.microsoft.com/office/powerpoint/2010/main" val="1605363013"/>
       </p:ext>
     </p:extLst>
   </p:cSld>
@@ -10065,7 +12026,7 @@
 </p:sld>
 </file>
 
-<file path=ppt/slides/slide2.xml><?xml version="1.0" encoding="utf-8"?>
+<file path=ppt/slides/slide13.xml><?xml version="1.0" encoding="utf-8"?>
 <p:sld xmlns:a="http://schemas.openxmlformats.org/drawingml/2006/main" xmlns:r="http://schemas.openxmlformats.org/officeDocument/2006/relationships" xmlns:p="http://schemas.openxmlformats.org/presentationml/2006/main">
   <p:cSld>
     <p:spTree>
@@ -10084,10 +12045,10 @@
       </p:grpSpPr>
       <p:sp>
         <p:nvSpPr>
-          <p:cNvPr id="8" name="Title 7">
-            <a:extLst>
-              <a:ext uri="{FF2B5EF4-FFF2-40B4-BE49-F238E27FC236}">
-                <a16:creationId xmlns:a16="http://schemas.microsoft.com/office/drawing/2014/main" id="{8CB5B743-3789-B60B-1699-81A565C74FD2}"/>
+          <p:cNvPr id="7" name="Title 6">
+            <a:extLst>
+              <a:ext uri="{FF2B5EF4-FFF2-40B4-BE49-F238E27FC236}">
+                <a16:creationId xmlns:a16="http://schemas.microsoft.com/office/drawing/2014/main" id="{8F1DF194-67C8-4A0D-403F-B702C205D5F9}"/>
               </a:ext>
             </a:extLst>
           </p:cNvPr>
@@ -10103,16 +12064,19 @@
           <a:bodyPr/>
           <a:lstStyle/>
           <a:p>
-            <a:endParaRPr lang="en-US" dirty="0"/>
-          </a:p>
-        </p:txBody>
-      </p:sp>
-      <p:sp>
-        <p:nvSpPr>
-          <p:cNvPr id="9" name="Text Placeholder 8">
-            <a:extLst>
-              <a:ext uri="{FF2B5EF4-FFF2-40B4-BE49-F238E27FC236}">
-                <a16:creationId xmlns:a16="http://schemas.microsoft.com/office/drawing/2014/main" id="{B29BDC3B-3BA8-3C14-0597-8B1C6305FFC1}"/>
+            <a:r>
+              <a:rPr lang="en-US" dirty="0"/>
+              <a:t>Hands-on</a:t>
+            </a:r>
+          </a:p>
+        </p:txBody>
+      </p:sp>
+      <p:sp>
+        <p:nvSpPr>
+          <p:cNvPr id="8" name="Text Placeholder 7">
+            <a:extLst>
+              <a:ext uri="{FF2B5EF4-FFF2-40B4-BE49-F238E27FC236}">
+                <a16:creationId xmlns:a16="http://schemas.microsoft.com/office/drawing/2014/main" id="{E5F5500E-1E80-7C15-E1C4-5F7BDFF44A16}"/>
               </a:ext>
             </a:extLst>
           </p:cNvPr>
@@ -10137,7 +12101,7 @@
           <p:cNvPr id="4" name="Date Placeholder 3">
             <a:extLst>
               <a:ext uri="{FF2B5EF4-FFF2-40B4-BE49-F238E27FC236}">
-                <a16:creationId xmlns:a16="http://schemas.microsoft.com/office/drawing/2014/main" id="{BE51E839-3E02-AC6A-D146-CF15BB1B4DBC}"/>
+                <a16:creationId xmlns:a16="http://schemas.microsoft.com/office/drawing/2014/main" id="{F3266E93-BD7B-4B44-A31D-BD0F23B081FE}"/>
               </a:ext>
             </a:extLst>
           </p:cNvPr>
@@ -10171,7 +12135,7 @@
           <p:cNvPr id="5" name="Footer Placeholder 4">
             <a:extLst>
               <a:ext uri="{FF2B5EF4-FFF2-40B4-BE49-F238E27FC236}">
-                <a16:creationId xmlns:a16="http://schemas.microsoft.com/office/drawing/2014/main" id="{921196BF-8C26-0B5C-C12D-12D54AB4E7B7}"/>
+                <a16:creationId xmlns:a16="http://schemas.microsoft.com/office/drawing/2014/main" id="{2AA2090A-3AB6-849A-56F2-FA435F91DDC9}"/>
               </a:ext>
             </a:extLst>
           </p:cNvPr>
@@ -10184,7 +12148,7 @@
         </p:nvSpPr>
         <p:spPr>
           <a:xfrm>
-            <a:off x="8077200" y="6356350"/>
+            <a:off x="0" y="6356350"/>
             <a:ext cx="4114800" cy="365125"/>
           </a:xfrm>
         </p:spPr>
@@ -10205,7 +12169,7 @@
           <p:cNvPr id="6" name="Slide Number Placeholder 5">
             <a:extLst>
               <a:ext uri="{FF2B5EF4-FFF2-40B4-BE49-F238E27FC236}">
-                <a16:creationId xmlns:a16="http://schemas.microsoft.com/office/drawing/2014/main" id="{B58F721B-C76A-3C48-B66A-E0CA4E9E3588}"/>
+                <a16:creationId xmlns:a16="http://schemas.microsoft.com/office/drawing/2014/main" id="{0176C6DA-0CA0-5DA9-FB0D-9FC037C166FD}"/>
               </a:ext>
             </a:extLst>
           </p:cNvPr>
@@ -10228,7 +12192,7 @@
           <a:p>
             <a:fld id="{A65A5C87-DF58-40C8-B092-1DE63DB4547E}" type="slidenum">
               <a:rPr lang="en-US" smtClean="0"/>
-              <a:t>2</a:t>
+              <a:t>13</a:t>
             </a:fld>
             <a:endParaRPr lang="en-US" dirty="0"/>
           </a:p>
@@ -10237,7 +12201,7 @@
     </p:spTree>
     <p:extLst>
       <p:ext uri="{BB962C8B-B14F-4D97-AF65-F5344CB8AC3E}">
-        <p14:creationId xmlns:p14="http://schemas.microsoft.com/office/powerpoint/2010/main" val="3589974671"/>
+        <p14:creationId xmlns:p14="http://schemas.microsoft.com/office/powerpoint/2010/main" val="1915718084"/>
       </p:ext>
     </p:extLst>
   </p:cSld>
@@ -10247,7 +12211,7 @@
 </p:sld>
 </file>
 
-<file path=ppt/slides/slide3.xml><?xml version="1.0" encoding="utf-8"?>
+<file path=ppt/slides/slide14.xml><?xml version="1.0" encoding="utf-8"?>
 <p:sld xmlns:a="http://schemas.openxmlformats.org/drawingml/2006/main" xmlns:r="http://schemas.openxmlformats.org/officeDocument/2006/relationships" xmlns:p="http://schemas.openxmlformats.org/presentationml/2006/main">
   <p:cSld>
     <p:spTree>
@@ -10269,7 +12233,7 @@
           <p:cNvPr id="4" name="Title 3">
             <a:extLst>
               <a:ext uri="{FF2B5EF4-FFF2-40B4-BE49-F238E27FC236}">
-                <a16:creationId xmlns:a16="http://schemas.microsoft.com/office/drawing/2014/main" id="{B7F71F36-04E4-0FD3-5328-65DB7610E2DD}"/>
+                <a16:creationId xmlns:a16="http://schemas.microsoft.com/office/drawing/2014/main" id="{C5911D75-E446-7CBE-AC6B-F8F5151C5B21}"/>
               </a:ext>
             </a:extLst>
           </p:cNvPr>
@@ -10287,7 +12251,89 @@
           <a:p>
             <a:r>
               <a:rPr lang="en-US" dirty="0"/>
-              <a:t>Create &amp; download key pair</a:t>
+              <a:t>Tạo Keypair và </a:t>
+            </a:r>
+            <a:r>
+              <a:rPr lang="en-US" dirty="0" err="1"/>
+              <a:t>cấp</a:t>
+            </a:r>
+            <a:r>
+              <a:rPr lang="en-US" dirty="0"/>
+              <a:t> </a:t>
+            </a:r>
+            <a:r>
+              <a:rPr lang="en-US" dirty="0" err="1"/>
+              <a:t>quyền</a:t>
+            </a:r>
+            <a:r>
+              <a:rPr lang="en-US" dirty="0"/>
+              <a:t> </a:t>
+            </a:r>
+          </a:p>
+        </p:txBody>
+      </p:sp>
+    </p:spTree>
+    <p:extLst>
+      <p:ext uri="{BB962C8B-B14F-4D97-AF65-F5344CB8AC3E}">
+        <p14:creationId xmlns:p14="http://schemas.microsoft.com/office/powerpoint/2010/main" val="4186734053"/>
+      </p:ext>
+    </p:extLst>
+  </p:cSld>
+  <p:clrMapOvr>
+    <a:masterClrMapping/>
+  </p:clrMapOvr>
+</p:sld>
+</file>
+
+<file path=ppt/slides/slide15.xml><?xml version="1.0" encoding="utf-8"?>
+<p:sld xmlns:a="http://schemas.openxmlformats.org/drawingml/2006/main" xmlns:r="http://schemas.openxmlformats.org/officeDocument/2006/relationships" xmlns:p="http://schemas.openxmlformats.org/presentationml/2006/main">
+  <p:cSld>
+    <p:spTree>
+      <p:nvGrpSpPr>
+        <p:cNvPr id="1" name=""/>
+        <p:cNvGrpSpPr/>
+        <p:nvPr/>
+      </p:nvGrpSpPr>
+      <p:grpSpPr>
+        <a:xfrm>
+          <a:off x="0" y="0"/>
+          <a:ext cx="0" cy="0"/>
+          <a:chOff x="0" y="0"/>
+          <a:chExt cx="0" cy="0"/>
+        </a:xfrm>
+      </p:grpSpPr>
+      <p:sp>
+        <p:nvSpPr>
+          <p:cNvPr id="4" name="Title 3">
+            <a:extLst>
+              <a:ext uri="{FF2B5EF4-FFF2-40B4-BE49-F238E27FC236}">
+                <a16:creationId xmlns:a16="http://schemas.microsoft.com/office/drawing/2014/main" id="{B7F71F36-04E4-0FD3-5328-65DB7610E2DD}"/>
+              </a:ext>
+            </a:extLst>
+          </p:cNvPr>
+          <p:cNvSpPr>
+            <a:spLocks noGrp="1"/>
+          </p:cNvSpPr>
+          <p:nvPr>
+            <p:ph type="title"/>
+          </p:nvPr>
+        </p:nvSpPr>
+        <p:spPr/>
+        <p:txBody>
+          <a:bodyPr/>
+          <a:lstStyle/>
+          <a:p>
+            <a:r>
+              <a:rPr lang="en-US" dirty="0"/>
+              <a:t>Tạo keypair và </a:t>
+            </a:r>
+            <a:r>
+              <a:rPr lang="en-US" dirty="0" err="1"/>
+              <a:t>tải</a:t>
+            </a:r>
+            <a:r>
+              <a:rPr lang="en-US" dirty="0"/>
+              <a:t> về</a:t>
             </a:r>
           </a:p>
         </p:txBody>
@@ -10334,7 +12380,7 @@
 </p:sld>
 </file>
 
-<file path=ppt/slides/slide4.xml><?xml version="1.0" encoding="utf-8"?>
+<file path=ppt/slides/slide16.xml><?xml version="1.0" encoding="utf-8"?>
 <p:sld xmlns:a="http://schemas.openxmlformats.org/drawingml/2006/main" xmlns:r="http://schemas.openxmlformats.org/officeDocument/2006/relationships" xmlns:p="http://schemas.openxmlformats.org/presentationml/2006/main">
   <p:cSld>
     <p:spTree>
@@ -10373,8 +12419,20 @@
           <a:lstStyle/>
           <a:p>
             <a:r>
-              <a:rPr lang="en-US" dirty="0"/>
-              <a:t>Create &amp; download key pair</a:t>
+              <a:rPr lang="en-US" dirty="0" err="1"/>
+              <a:t>Kiểm</a:t>
+            </a:r>
+            <a:r>
+              <a:rPr lang="en-US" dirty="0"/>
+              <a:t> </a:t>
+            </a:r>
+            <a:r>
+              <a:rPr lang="en-US" dirty="0" err="1"/>
+              <a:t>tra</a:t>
+            </a:r>
+            <a:r>
+              <a:rPr lang="en-US" dirty="0"/>
+              <a:t> keypair</a:t>
             </a:r>
           </a:p>
         </p:txBody>
@@ -10421,7 +12479,7 @@
 </p:sld>
 </file>
 
-<file path=ppt/slides/slide5.xml><?xml version="1.0" encoding="utf-8"?>
+<file path=ppt/slides/slide17.xml><?xml version="1.0" encoding="utf-8"?>
 <p:sld xmlns:a="http://schemas.openxmlformats.org/drawingml/2006/main" xmlns:r="http://schemas.openxmlformats.org/officeDocument/2006/relationships" xmlns:p="http://schemas.openxmlformats.org/presentationml/2006/main">
   <p:cSld>
     <p:spTree>
@@ -10459,7 +12517,51 @@
           <a:bodyPr/>
           <a:lstStyle/>
           <a:p>
-            <a:endParaRPr lang="en-US"/>
+            <a:r>
+              <a:rPr lang="en-US" dirty="0" err="1"/>
+              <a:t>Lỗi</a:t>
+            </a:r>
+            <a:r>
+              <a:rPr lang="en-US" dirty="0"/>
+              <a:t> khi </a:t>
+            </a:r>
+            <a:r>
+              <a:rPr lang="en-US" dirty="0" err="1"/>
+              <a:t>sử</a:t>
+            </a:r>
+            <a:r>
+              <a:rPr lang="en-US" dirty="0"/>
+              <a:t> </a:t>
+            </a:r>
+            <a:r>
+              <a:rPr lang="en-US" dirty="0" err="1"/>
+              <a:t>dụng</a:t>
+            </a:r>
+            <a:r>
+              <a:rPr lang="en-US" dirty="0"/>
+              <a:t> keypair </a:t>
+            </a:r>
+            <a:r>
+              <a:rPr lang="en-US" dirty="0" err="1"/>
+              <a:t>ngay</a:t>
+            </a:r>
+            <a:r>
+              <a:rPr lang="en-US" dirty="0"/>
+              <a:t> </a:t>
+            </a:r>
+            <a:r>
+              <a:rPr lang="en-US" dirty="0" err="1"/>
+              <a:t>sau</a:t>
+            </a:r>
+            <a:r>
+              <a:rPr lang="en-US" dirty="0"/>
+              <a:t> khi </a:t>
+            </a:r>
+            <a:r>
+              <a:rPr lang="en-US" dirty="0" err="1"/>
+              <a:t>tải</a:t>
+            </a:r>
+            <a:endParaRPr lang="en-US" dirty="0"/>
           </a:p>
         </p:txBody>
       </p:sp>
@@ -10573,7 +12675,7 @@
           <a:p>
             <a:fld id="{A65A5C87-DF58-40C8-B092-1DE63DB4547E}" type="slidenum">
               <a:rPr lang="en-US" smtClean="0"/>
-              <a:t>5</a:t>
+              <a:t>17</a:t>
             </a:fld>
             <a:endParaRPr lang="en-US" dirty="0"/>
           </a:p>
@@ -10592,7 +12694,7 @@
 </p:sld>
 </file>
 
-<file path=ppt/slides/slide6.xml><?xml version="1.0" encoding="utf-8"?>
+<file path=ppt/slides/slide18.xml><?xml version="1.0" encoding="utf-8"?>
 <p:sld xmlns:a="http://schemas.openxmlformats.org/drawingml/2006/main" xmlns:r="http://schemas.openxmlformats.org/officeDocument/2006/relationships" xmlns:p="http://schemas.openxmlformats.org/presentationml/2006/main">
   <p:cSld>
     <p:spTree>
@@ -10634,7 +12736,7 @@
           <a:p>
             <a:r>
               <a:rPr lang="en-US" dirty="0"/>
-              <a:t>Menu context -&gt; Properties-&gt; security tab -&gt; advanced -&gt; Disable inheritance</a:t>
+              <a:t>Window: Menu context -&gt; Properties-&gt; security tab -&gt; advanced -&gt; Disable inheritance</a:t>
             </a:r>
           </a:p>
         </p:txBody>
@@ -10749,7 +12851,7 @@
           <a:p>
             <a:fld id="{A65A5C87-DF58-40C8-B092-1DE63DB4547E}" type="slidenum">
               <a:rPr lang="en-US" smtClean="0"/>
-              <a:t>6</a:t>
+              <a:t>18</a:t>
             </a:fld>
             <a:endParaRPr lang="en-US" dirty="0"/>
           </a:p>
@@ -10768,7 +12870,7 @@
 </p:sld>
 </file>
 
-<file path=ppt/slides/slide7.xml><?xml version="1.0" encoding="utf-8"?>
+<file path=ppt/slides/slide19.xml><?xml version="1.0" encoding="utf-8"?>
 <p:sld xmlns:a="http://schemas.openxmlformats.org/drawingml/2006/main" xmlns:r="http://schemas.openxmlformats.org/officeDocument/2006/relationships" xmlns:p="http://schemas.openxmlformats.org/presentationml/2006/main">
   <p:cSld>
     <p:spTree>
@@ -10810,8 +12912,37 @@
           <a:p>
             <a:r>
               <a:rPr lang="en-US" dirty="0"/>
-              <a:t>Add permission -&gt; Ok -&gt; apply -&gt; OK</a:t>
-            </a:r>
+              <a:t>Window: </a:t>
+            </a:r>
+            <a:r>
+              <a:rPr lang="en-US" dirty="0" err="1"/>
+              <a:t>Thêm</a:t>
+            </a:r>
+            <a:r>
+              <a:rPr lang="en-US" dirty="0"/>
+              <a:t> </a:t>
+            </a:r>
+            <a:r>
+              <a:rPr lang="en-US" dirty="0" err="1"/>
+              <a:t>quyền</a:t>
+            </a:r>
+            <a:r>
+              <a:rPr lang="en-US" dirty="0"/>
+              <a:t> và </a:t>
+            </a:r>
+            <a:r>
+              <a:rPr lang="en-US" dirty="0" err="1"/>
+              <a:t>áp</a:t>
+            </a:r>
+            <a:r>
+              <a:rPr lang="en-US" dirty="0"/>
+              <a:t> </a:t>
+            </a:r>
+            <a:r>
+              <a:rPr lang="en-US" dirty="0" err="1"/>
+              <a:t>dụng</a:t>
+            </a:r>
+            <a:endParaRPr lang="en-US" dirty="0"/>
           </a:p>
         </p:txBody>
       </p:sp>
@@ -10896,7 +13027,7 @@
           <a:p>
             <a:fld id="{A65A5C87-DF58-40C8-B092-1DE63DB4547E}" type="slidenum">
               <a:rPr lang="en-US" smtClean="0"/>
-              <a:t>7</a:t>
+              <a:t>19</a:t>
             </a:fld>
             <a:endParaRPr lang="en-US" dirty="0"/>
           </a:p>
@@ -10944,6 +13075,3410 @@
 </p:sld>
 </file>
 
+<file path=ppt/slides/slide2.xml><?xml version="1.0" encoding="utf-8"?>
+<p:sld xmlns:a="http://schemas.openxmlformats.org/drawingml/2006/main" xmlns:r="http://schemas.openxmlformats.org/officeDocument/2006/relationships" xmlns:p="http://schemas.openxmlformats.org/presentationml/2006/main">
+  <p:cSld>
+    <p:spTree>
+      <p:nvGrpSpPr>
+        <p:cNvPr id="1" name=""/>
+        <p:cNvGrpSpPr/>
+        <p:nvPr/>
+      </p:nvGrpSpPr>
+      <p:grpSpPr>
+        <a:xfrm>
+          <a:off x="0" y="0"/>
+          <a:ext cx="0" cy="0"/>
+          <a:chOff x="0" y="0"/>
+          <a:chExt cx="0" cy="0"/>
+        </a:xfrm>
+      </p:grpSpPr>
+      <p:sp>
+        <p:nvSpPr>
+          <p:cNvPr id="8" name="Title 7">
+            <a:extLst>
+              <a:ext uri="{FF2B5EF4-FFF2-40B4-BE49-F238E27FC236}">
+                <a16:creationId xmlns:a16="http://schemas.microsoft.com/office/drawing/2014/main" id="{8CB5B743-3789-B60B-1699-81A565C74FD2}"/>
+              </a:ext>
+            </a:extLst>
+          </p:cNvPr>
+          <p:cNvSpPr>
+            <a:spLocks noGrp="1"/>
+          </p:cNvSpPr>
+          <p:nvPr>
+            <p:ph type="title"/>
+          </p:nvPr>
+        </p:nvSpPr>
+        <p:spPr/>
+        <p:txBody>
+          <a:bodyPr/>
+          <a:lstStyle/>
+          <a:p>
+            <a:r>
+              <a:rPr lang="en-US" dirty="0"/>
+              <a:t>EC2 101</a:t>
+            </a:r>
+          </a:p>
+        </p:txBody>
+      </p:sp>
+      <p:sp>
+        <p:nvSpPr>
+          <p:cNvPr id="9" name="Text Placeholder 8">
+            <a:extLst>
+              <a:ext uri="{FF2B5EF4-FFF2-40B4-BE49-F238E27FC236}">
+                <a16:creationId xmlns:a16="http://schemas.microsoft.com/office/drawing/2014/main" id="{B29BDC3B-3BA8-3C14-0597-8B1C6305FFC1}"/>
+              </a:ext>
+            </a:extLst>
+          </p:cNvPr>
+          <p:cNvSpPr>
+            <a:spLocks noGrp="1"/>
+          </p:cNvSpPr>
+          <p:nvPr>
+            <p:ph type="body" idx="1"/>
+          </p:nvPr>
+        </p:nvSpPr>
+        <p:spPr/>
+        <p:txBody>
+          <a:bodyPr/>
+          <a:lstStyle/>
+          <a:p>
+            <a:endParaRPr lang="en-US"/>
+          </a:p>
+        </p:txBody>
+      </p:sp>
+      <p:sp>
+        <p:nvSpPr>
+          <p:cNvPr id="4" name="Date Placeholder 3">
+            <a:extLst>
+              <a:ext uri="{FF2B5EF4-FFF2-40B4-BE49-F238E27FC236}">
+                <a16:creationId xmlns:a16="http://schemas.microsoft.com/office/drawing/2014/main" id="{BE51E839-3E02-AC6A-D146-CF15BB1B4DBC}"/>
+              </a:ext>
+            </a:extLst>
+          </p:cNvPr>
+          <p:cNvSpPr>
+            <a:spLocks noGrp="1"/>
+          </p:cNvSpPr>
+          <p:nvPr>
+            <p:ph type="dt" sz="half" idx="4294967295"/>
+          </p:nvPr>
+        </p:nvSpPr>
+        <p:spPr>
+          <a:xfrm>
+            <a:off x="0" y="6356350"/>
+            <a:ext cx="2743200" cy="365125"/>
+          </a:xfrm>
+        </p:spPr>
+        <p:txBody>
+          <a:bodyPr/>
+          <a:lstStyle/>
+          <a:p>
+            <a:r>
+              <a:rPr lang="en-US"/>
+              <a:t>9/4/20XX</a:t>
+            </a:r>
+            <a:endParaRPr lang="en-US" dirty="0"/>
+          </a:p>
+        </p:txBody>
+      </p:sp>
+      <p:sp>
+        <p:nvSpPr>
+          <p:cNvPr id="5" name="Footer Placeholder 4">
+            <a:extLst>
+              <a:ext uri="{FF2B5EF4-FFF2-40B4-BE49-F238E27FC236}">
+                <a16:creationId xmlns:a16="http://schemas.microsoft.com/office/drawing/2014/main" id="{921196BF-8C26-0B5C-C12D-12D54AB4E7B7}"/>
+              </a:ext>
+            </a:extLst>
+          </p:cNvPr>
+          <p:cNvSpPr>
+            <a:spLocks noGrp="1"/>
+          </p:cNvSpPr>
+          <p:nvPr>
+            <p:ph type="ftr" sz="quarter" idx="4294967295"/>
+          </p:nvPr>
+        </p:nvSpPr>
+        <p:spPr>
+          <a:xfrm>
+            <a:off x="8077200" y="6356350"/>
+            <a:ext cx="4114800" cy="365125"/>
+          </a:xfrm>
+        </p:spPr>
+        <p:txBody>
+          <a:bodyPr/>
+          <a:lstStyle/>
+          <a:p>
+            <a:r>
+              <a:rPr lang="en-US"/>
+              <a:t>Presentation Title</a:t>
+            </a:r>
+            <a:endParaRPr lang="en-US" dirty="0"/>
+          </a:p>
+        </p:txBody>
+      </p:sp>
+      <p:sp>
+        <p:nvSpPr>
+          <p:cNvPr id="6" name="Slide Number Placeholder 5">
+            <a:extLst>
+              <a:ext uri="{FF2B5EF4-FFF2-40B4-BE49-F238E27FC236}">
+                <a16:creationId xmlns:a16="http://schemas.microsoft.com/office/drawing/2014/main" id="{B58F721B-C76A-3C48-B66A-E0CA4E9E3588}"/>
+              </a:ext>
+            </a:extLst>
+          </p:cNvPr>
+          <p:cNvSpPr>
+            <a:spLocks noGrp="1"/>
+          </p:cNvSpPr>
+          <p:nvPr>
+            <p:ph type="sldNum" sz="quarter" idx="4294967295"/>
+          </p:nvPr>
+        </p:nvSpPr>
+        <p:spPr>
+          <a:xfrm>
+            <a:off x="9448800" y="6356350"/>
+            <a:ext cx="2743200" cy="365125"/>
+          </a:xfrm>
+        </p:spPr>
+        <p:txBody>
+          <a:bodyPr/>
+          <a:lstStyle/>
+          <a:p>
+            <a:fld id="{A65A5C87-DF58-40C8-B092-1DE63DB4547E}" type="slidenum">
+              <a:rPr lang="en-US" smtClean="0"/>
+              <a:t>2</a:t>
+            </a:fld>
+            <a:endParaRPr lang="en-US" dirty="0"/>
+          </a:p>
+        </p:txBody>
+      </p:sp>
+    </p:spTree>
+    <p:extLst>
+      <p:ext uri="{BB962C8B-B14F-4D97-AF65-F5344CB8AC3E}">
+        <p14:creationId xmlns:p14="http://schemas.microsoft.com/office/powerpoint/2010/main" val="3589974671"/>
+      </p:ext>
+    </p:extLst>
+  </p:cSld>
+  <p:clrMapOvr>
+    <a:masterClrMapping/>
+  </p:clrMapOvr>
+</p:sld>
+</file>
+
+<file path=ppt/slides/slide20.xml><?xml version="1.0" encoding="utf-8"?>
+<p:sld xmlns:a="http://schemas.openxmlformats.org/drawingml/2006/main" xmlns:r="http://schemas.openxmlformats.org/officeDocument/2006/relationships" xmlns:p="http://schemas.openxmlformats.org/presentationml/2006/main">
+  <p:cSld>
+    <p:spTree>
+      <p:nvGrpSpPr>
+        <p:cNvPr id="1" name=""/>
+        <p:cNvGrpSpPr/>
+        <p:nvPr/>
+      </p:nvGrpSpPr>
+      <p:grpSpPr>
+        <a:xfrm>
+          <a:off x="0" y="0"/>
+          <a:ext cx="0" cy="0"/>
+          <a:chOff x="0" y="0"/>
+          <a:chExt cx="0" cy="0"/>
+        </a:xfrm>
+      </p:grpSpPr>
+      <p:sp>
+        <p:nvSpPr>
+          <p:cNvPr id="2" name="Title 1">
+            <a:extLst>
+              <a:ext uri="{FF2B5EF4-FFF2-40B4-BE49-F238E27FC236}">
+                <a16:creationId xmlns:a16="http://schemas.microsoft.com/office/drawing/2014/main" id="{775D5ACC-9867-3686-8C49-1E08E146FBA5}"/>
+              </a:ext>
+            </a:extLst>
+          </p:cNvPr>
+          <p:cNvSpPr>
+            <a:spLocks noGrp="1"/>
+          </p:cNvSpPr>
+          <p:nvPr>
+            <p:ph type="title"/>
+          </p:nvPr>
+        </p:nvSpPr>
+        <p:spPr/>
+        <p:txBody>
+          <a:bodyPr/>
+          <a:lstStyle/>
+          <a:p>
+            <a:r>
+              <a:rPr lang="en-US" dirty="0"/>
+              <a:t>Demo EC2</a:t>
+            </a:r>
+          </a:p>
+        </p:txBody>
+      </p:sp>
+      <p:sp>
+        <p:nvSpPr>
+          <p:cNvPr id="3" name="Content Placeholder 2">
+            <a:extLst>
+              <a:ext uri="{FF2B5EF4-FFF2-40B4-BE49-F238E27FC236}">
+                <a16:creationId xmlns:a16="http://schemas.microsoft.com/office/drawing/2014/main" id="{558D7553-8C8A-6213-883B-CCC38D70CF40}"/>
+              </a:ext>
+            </a:extLst>
+          </p:cNvPr>
+          <p:cNvSpPr>
+            <a:spLocks noGrp="1"/>
+          </p:cNvSpPr>
+          <p:nvPr>
+            <p:ph idx="1"/>
+          </p:nvPr>
+        </p:nvSpPr>
+        <p:spPr/>
+        <p:txBody>
+          <a:bodyPr/>
+          <a:lstStyle/>
+          <a:p>
+            <a:r>
+              <a:rPr lang="en-US" dirty="0"/>
+              <a:t>Tạo ec2 instance và deploy một </a:t>
+            </a:r>
+            <a:r>
+              <a:rPr lang="en-US" dirty="0" err="1"/>
+              <a:t>dự</a:t>
+            </a:r>
+            <a:r>
+              <a:rPr lang="en-US" dirty="0"/>
+              <a:t> </a:t>
+            </a:r>
+            <a:r>
+              <a:rPr lang="en-US" dirty="0" err="1"/>
+              <a:t>án</a:t>
+            </a:r>
+            <a:r>
+              <a:rPr lang="en-US" dirty="0"/>
+              <a:t> </a:t>
+            </a:r>
+            <a:r>
+              <a:rPr lang="en-US" dirty="0" err="1"/>
+              <a:t>NextJS</a:t>
+            </a:r>
+            <a:endParaRPr lang="en-US" dirty="0"/>
+          </a:p>
+        </p:txBody>
+      </p:sp>
+      <p:sp>
+        <p:nvSpPr>
+          <p:cNvPr id="4" name="Date Placeholder 3">
+            <a:extLst>
+              <a:ext uri="{FF2B5EF4-FFF2-40B4-BE49-F238E27FC236}">
+                <a16:creationId xmlns:a16="http://schemas.microsoft.com/office/drawing/2014/main" id="{5802F524-C9A9-A73D-C30B-0970E993D7AA}"/>
+              </a:ext>
+            </a:extLst>
+          </p:cNvPr>
+          <p:cNvSpPr>
+            <a:spLocks noGrp="1"/>
+          </p:cNvSpPr>
+          <p:nvPr>
+            <p:ph type="dt" sz="half" idx="10"/>
+          </p:nvPr>
+        </p:nvSpPr>
+        <p:spPr/>
+        <p:txBody>
+          <a:bodyPr/>
+          <a:lstStyle/>
+          <a:p>
+            <a:r>
+              <a:rPr lang="en-US"/>
+              <a:t>9/4/20XX</a:t>
+            </a:r>
+            <a:endParaRPr lang="en-US" dirty="0"/>
+          </a:p>
+        </p:txBody>
+      </p:sp>
+      <p:sp>
+        <p:nvSpPr>
+          <p:cNvPr id="5" name="Footer Placeholder 4">
+            <a:extLst>
+              <a:ext uri="{FF2B5EF4-FFF2-40B4-BE49-F238E27FC236}">
+                <a16:creationId xmlns:a16="http://schemas.microsoft.com/office/drawing/2014/main" id="{EEECA297-AEDC-0FF8-0957-BD87535EBB1E}"/>
+              </a:ext>
+            </a:extLst>
+          </p:cNvPr>
+          <p:cNvSpPr>
+            <a:spLocks noGrp="1"/>
+          </p:cNvSpPr>
+          <p:nvPr>
+            <p:ph type="ftr" sz="quarter" idx="11"/>
+          </p:nvPr>
+        </p:nvSpPr>
+        <p:spPr/>
+        <p:txBody>
+          <a:bodyPr/>
+          <a:lstStyle/>
+          <a:p>
+            <a:r>
+              <a:rPr lang="en-US"/>
+              <a:t>Presentation Title</a:t>
+            </a:r>
+            <a:endParaRPr lang="en-US" dirty="0"/>
+          </a:p>
+        </p:txBody>
+      </p:sp>
+      <p:sp>
+        <p:nvSpPr>
+          <p:cNvPr id="6" name="Slide Number Placeholder 5">
+            <a:extLst>
+              <a:ext uri="{FF2B5EF4-FFF2-40B4-BE49-F238E27FC236}">
+                <a16:creationId xmlns:a16="http://schemas.microsoft.com/office/drawing/2014/main" id="{926DB269-CAD5-257E-CE61-C9618998FA85}"/>
+              </a:ext>
+            </a:extLst>
+          </p:cNvPr>
+          <p:cNvSpPr>
+            <a:spLocks noGrp="1"/>
+          </p:cNvSpPr>
+          <p:nvPr>
+            <p:ph type="sldNum" sz="quarter" idx="12"/>
+          </p:nvPr>
+        </p:nvSpPr>
+        <p:spPr/>
+        <p:txBody>
+          <a:bodyPr/>
+          <a:lstStyle/>
+          <a:p>
+            <a:fld id="{A65A5C87-DF58-40C8-B092-1DE63DB4547E}" type="slidenum">
+              <a:rPr lang="en-US" smtClean="0"/>
+              <a:t>20</a:t>
+            </a:fld>
+            <a:endParaRPr lang="en-US" dirty="0"/>
+          </a:p>
+        </p:txBody>
+      </p:sp>
+    </p:spTree>
+    <p:extLst>
+      <p:ext uri="{BB962C8B-B14F-4D97-AF65-F5344CB8AC3E}">
+        <p14:creationId xmlns:p14="http://schemas.microsoft.com/office/powerpoint/2010/main" val="1055593291"/>
+      </p:ext>
+    </p:extLst>
+  </p:cSld>
+  <p:clrMapOvr>
+    <a:masterClrMapping/>
+  </p:clrMapOvr>
+</p:sld>
+</file>
+
+<file path=ppt/slides/slide21.xml><?xml version="1.0" encoding="utf-8"?>
+<p:sld xmlns:a="http://schemas.openxmlformats.org/drawingml/2006/main" xmlns:r="http://schemas.openxmlformats.org/officeDocument/2006/relationships" xmlns:p="http://schemas.openxmlformats.org/presentationml/2006/main">
+  <p:cSld>
+    <p:spTree>
+      <p:nvGrpSpPr>
+        <p:cNvPr id="1" name=""/>
+        <p:cNvGrpSpPr/>
+        <p:nvPr/>
+      </p:nvGrpSpPr>
+      <p:grpSpPr>
+        <a:xfrm>
+          <a:off x="0" y="0"/>
+          <a:ext cx="0" cy="0"/>
+          <a:chOff x="0" y="0"/>
+          <a:chExt cx="0" cy="0"/>
+        </a:xfrm>
+      </p:grpSpPr>
+      <p:sp>
+        <p:nvSpPr>
+          <p:cNvPr id="2" name="Title 1">
+            <a:extLst>
+              <a:ext uri="{FF2B5EF4-FFF2-40B4-BE49-F238E27FC236}">
+                <a16:creationId xmlns:a16="http://schemas.microsoft.com/office/drawing/2014/main" id="{F62CE84F-8A12-CFCA-42DE-6C39A8EE7B5F}"/>
+              </a:ext>
+            </a:extLst>
+          </p:cNvPr>
+          <p:cNvSpPr>
+            <a:spLocks noGrp="1"/>
+          </p:cNvSpPr>
+          <p:nvPr>
+            <p:ph type="title"/>
+          </p:nvPr>
+        </p:nvSpPr>
+        <p:spPr/>
+        <p:txBody>
+          <a:bodyPr/>
+          <a:lstStyle/>
+          <a:p>
+            <a:endParaRPr lang="en-US"/>
+          </a:p>
+        </p:txBody>
+      </p:sp>
+      <p:sp>
+        <p:nvSpPr>
+          <p:cNvPr id="3" name="Content Placeholder 2">
+            <a:extLst>
+              <a:ext uri="{FF2B5EF4-FFF2-40B4-BE49-F238E27FC236}">
+                <a16:creationId xmlns:a16="http://schemas.microsoft.com/office/drawing/2014/main" id="{DD57B666-EE2C-319B-92C5-65D0CC0FE71E}"/>
+              </a:ext>
+            </a:extLst>
+          </p:cNvPr>
+          <p:cNvSpPr>
+            <a:spLocks noGrp="1"/>
+          </p:cNvSpPr>
+          <p:nvPr>
+            <p:ph idx="1"/>
+          </p:nvPr>
+        </p:nvSpPr>
+        <p:spPr/>
+        <p:txBody>
+          <a:bodyPr>
+            <a:normAutofit fontScale="92500" lnSpcReduction="20000"/>
+          </a:bodyPr>
+          <a:lstStyle/>
+          <a:p>
+            <a:r>
+              <a:rPr lang="en-US" dirty="0"/>
+              <a:t>It's good to run as little as possible as a </a:t>
+            </a:r>
+            <a:r>
+              <a:rPr lang="en-US" dirty="0" err="1"/>
+              <a:t>priviliged</a:t>
+            </a:r>
+            <a:r>
+              <a:rPr lang="en-US" dirty="0"/>
+              <a:t> user, as you want to restrict the potential damage in case someone exploits your program. You don't want to run your Node code as root unless you absolutely have to.</a:t>
+            </a:r>
+          </a:p>
+          <a:p>
+            <a:endParaRPr lang="en-US" dirty="0"/>
+          </a:p>
+          <a:p>
+            <a:r>
+              <a:rPr lang="en-US" dirty="0"/>
+              <a:t>Therefore, it's better to run your Node program on an unprivileged port (say, port 8000), and instead have a lightweight web server such as Nginx listen on port 80 and simply forward traffic to your Node program.</a:t>
+            </a:r>
+          </a:p>
+          <a:p>
+            <a:endParaRPr lang="en-US" dirty="0"/>
+          </a:p>
+        </p:txBody>
+      </p:sp>
+      <p:sp>
+        <p:nvSpPr>
+          <p:cNvPr id="4" name="Date Placeholder 3">
+            <a:extLst>
+              <a:ext uri="{FF2B5EF4-FFF2-40B4-BE49-F238E27FC236}">
+                <a16:creationId xmlns:a16="http://schemas.microsoft.com/office/drawing/2014/main" id="{7A2526BD-EBD5-39AF-8A40-2488B52E99F9}"/>
+              </a:ext>
+            </a:extLst>
+          </p:cNvPr>
+          <p:cNvSpPr>
+            <a:spLocks noGrp="1"/>
+          </p:cNvSpPr>
+          <p:nvPr>
+            <p:ph type="dt" sz="half" idx="10"/>
+          </p:nvPr>
+        </p:nvSpPr>
+        <p:spPr/>
+        <p:txBody>
+          <a:bodyPr/>
+          <a:lstStyle/>
+          <a:p>
+            <a:r>
+              <a:rPr lang="en-US"/>
+              <a:t>9/4/20XX</a:t>
+            </a:r>
+            <a:endParaRPr lang="en-US" dirty="0"/>
+          </a:p>
+        </p:txBody>
+      </p:sp>
+      <p:sp>
+        <p:nvSpPr>
+          <p:cNvPr id="5" name="Footer Placeholder 4">
+            <a:extLst>
+              <a:ext uri="{FF2B5EF4-FFF2-40B4-BE49-F238E27FC236}">
+                <a16:creationId xmlns:a16="http://schemas.microsoft.com/office/drawing/2014/main" id="{FB947663-CCDA-C7B5-372A-6CD3008F5099}"/>
+              </a:ext>
+            </a:extLst>
+          </p:cNvPr>
+          <p:cNvSpPr>
+            <a:spLocks noGrp="1"/>
+          </p:cNvSpPr>
+          <p:nvPr>
+            <p:ph type="ftr" sz="quarter" idx="11"/>
+          </p:nvPr>
+        </p:nvSpPr>
+        <p:spPr/>
+        <p:txBody>
+          <a:bodyPr/>
+          <a:lstStyle/>
+          <a:p>
+            <a:r>
+              <a:rPr lang="en-US"/>
+              <a:t>Presentation Title</a:t>
+            </a:r>
+            <a:endParaRPr lang="en-US" dirty="0"/>
+          </a:p>
+        </p:txBody>
+      </p:sp>
+      <p:sp>
+        <p:nvSpPr>
+          <p:cNvPr id="6" name="Slide Number Placeholder 5">
+            <a:extLst>
+              <a:ext uri="{FF2B5EF4-FFF2-40B4-BE49-F238E27FC236}">
+                <a16:creationId xmlns:a16="http://schemas.microsoft.com/office/drawing/2014/main" id="{A2071C22-319F-5EE7-7661-DE5A81C1F5CA}"/>
+              </a:ext>
+            </a:extLst>
+          </p:cNvPr>
+          <p:cNvSpPr>
+            <a:spLocks noGrp="1"/>
+          </p:cNvSpPr>
+          <p:nvPr>
+            <p:ph type="sldNum" sz="quarter" idx="12"/>
+          </p:nvPr>
+        </p:nvSpPr>
+        <p:spPr/>
+        <p:txBody>
+          <a:bodyPr/>
+          <a:lstStyle/>
+          <a:p>
+            <a:fld id="{A65A5C87-DF58-40C8-B092-1DE63DB4547E}" type="slidenum">
+              <a:rPr lang="en-US" smtClean="0"/>
+              <a:t>21</a:t>
+            </a:fld>
+            <a:endParaRPr lang="en-US" dirty="0"/>
+          </a:p>
+        </p:txBody>
+      </p:sp>
+    </p:spTree>
+    <p:extLst>
+      <p:ext uri="{BB962C8B-B14F-4D97-AF65-F5344CB8AC3E}">
+        <p14:creationId xmlns:p14="http://schemas.microsoft.com/office/powerpoint/2010/main" val="3634515448"/>
+      </p:ext>
+    </p:extLst>
+  </p:cSld>
+  <p:clrMapOvr>
+    <a:masterClrMapping/>
+  </p:clrMapOvr>
+</p:sld>
+</file>
+
+<file path=ppt/slides/slide22.xml><?xml version="1.0" encoding="utf-8"?>
+<p:sld xmlns:a="http://schemas.openxmlformats.org/drawingml/2006/main" xmlns:r="http://schemas.openxmlformats.org/officeDocument/2006/relationships" xmlns:p="http://schemas.openxmlformats.org/presentationml/2006/main">
+  <p:cSld>
+    <p:spTree>
+      <p:nvGrpSpPr>
+        <p:cNvPr id="1" name=""/>
+        <p:cNvGrpSpPr/>
+        <p:nvPr/>
+      </p:nvGrpSpPr>
+      <p:grpSpPr>
+        <a:xfrm>
+          <a:off x="0" y="0"/>
+          <a:ext cx="0" cy="0"/>
+          <a:chOff x="0" y="0"/>
+          <a:chExt cx="0" cy="0"/>
+        </a:xfrm>
+      </p:grpSpPr>
+      <p:sp>
+        <p:nvSpPr>
+          <p:cNvPr id="2" name="Title 1">
+            <a:extLst>
+              <a:ext uri="{FF2B5EF4-FFF2-40B4-BE49-F238E27FC236}">
+                <a16:creationId xmlns:a16="http://schemas.microsoft.com/office/drawing/2014/main" id="{CBBD82ED-9220-188C-EC64-5E2A05061E39}"/>
+              </a:ext>
+            </a:extLst>
+          </p:cNvPr>
+          <p:cNvSpPr>
+            <a:spLocks noGrp="1"/>
+          </p:cNvSpPr>
+          <p:nvPr>
+            <p:ph type="title"/>
+          </p:nvPr>
+        </p:nvSpPr>
+        <p:spPr/>
+        <p:txBody>
+          <a:bodyPr/>
+          <a:lstStyle/>
+          <a:p>
+            <a:r>
+              <a:rPr lang="en-US" dirty="0"/>
+              <a:t>Command: install nginx</a:t>
+            </a:r>
+          </a:p>
+        </p:txBody>
+      </p:sp>
+      <p:sp>
+        <p:nvSpPr>
+          <p:cNvPr id="3" name="Content Placeholder 2">
+            <a:extLst>
+              <a:ext uri="{FF2B5EF4-FFF2-40B4-BE49-F238E27FC236}">
+                <a16:creationId xmlns:a16="http://schemas.microsoft.com/office/drawing/2014/main" id="{BA2D54E1-BEBE-1B4D-487F-24E4D00D17C4}"/>
+              </a:ext>
+            </a:extLst>
+          </p:cNvPr>
+          <p:cNvSpPr>
+            <a:spLocks noGrp="1"/>
+          </p:cNvSpPr>
+          <p:nvPr>
+            <p:ph idx="1"/>
+          </p:nvPr>
+        </p:nvSpPr>
+        <p:spPr/>
+        <p:txBody>
+          <a:bodyPr>
+            <a:normAutofit fontScale="92500" lnSpcReduction="10000"/>
+          </a:bodyPr>
+          <a:lstStyle/>
+          <a:p>
+            <a:r>
+              <a:rPr lang="es-ES" dirty="0"/>
+              <a:t>sudo </a:t>
+            </a:r>
+            <a:r>
+              <a:rPr lang="es-ES" dirty="0" err="1"/>
+              <a:t>yum</a:t>
+            </a:r>
+            <a:r>
+              <a:rPr lang="es-ES" dirty="0"/>
+              <a:t> </a:t>
+            </a:r>
+            <a:r>
+              <a:rPr lang="es-ES" dirty="0" err="1"/>
+              <a:t>install</a:t>
+            </a:r>
+            <a:r>
+              <a:rPr lang="es-ES" dirty="0"/>
+              <a:t> </a:t>
+            </a:r>
+            <a:r>
+              <a:rPr lang="es-ES" dirty="0" err="1"/>
+              <a:t>nginx</a:t>
+            </a:r>
+            <a:r>
+              <a:rPr lang="es-ES" dirty="0"/>
+              <a:t> –y</a:t>
+            </a:r>
+          </a:p>
+          <a:p>
+            <a:r>
+              <a:rPr lang="en-US" dirty="0"/>
+              <a:t> nginx –v</a:t>
+            </a:r>
+          </a:p>
+          <a:p>
+            <a:r>
+              <a:rPr lang="en-US" dirty="0"/>
+              <a:t>service nginx status</a:t>
+            </a:r>
+          </a:p>
+          <a:p>
+            <a:r>
+              <a:rPr lang="en-US" dirty="0" err="1"/>
+              <a:t>sudo</a:t>
+            </a:r>
+            <a:r>
+              <a:rPr lang="en-US" dirty="0"/>
+              <a:t> </a:t>
+            </a:r>
+            <a:r>
+              <a:rPr lang="en-US" dirty="0" err="1"/>
+              <a:t>systemctl</a:t>
+            </a:r>
+            <a:r>
+              <a:rPr lang="en-US" dirty="0"/>
+              <a:t> start nginx</a:t>
+            </a:r>
+          </a:p>
+          <a:p>
+            <a:r>
+              <a:rPr lang="en-US" dirty="0" err="1"/>
+              <a:t>sudo</a:t>
+            </a:r>
+            <a:r>
+              <a:rPr lang="en-US" dirty="0"/>
+              <a:t> nano /</a:t>
+            </a:r>
+            <a:r>
+              <a:rPr lang="en-US" dirty="0" err="1"/>
+              <a:t>etc</a:t>
+            </a:r>
+            <a:r>
+              <a:rPr lang="en-US" dirty="0"/>
+              <a:t>/nginx/</a:t>
+            </a:r>
+            <a:r>
+              <a:rPr lang="en-US" dirty="0" err="1"/>
+              <a:t>conf.d</a:t>
+            </a:r>
+            <a:r>
+              <a:rPr lang="en-US" dirty="0"/>
+              <a:t>/</a:t>
+            </a:r>
+            <a:r>
+              <a:rPr lang="en-US" dirty="0" err="1"/>
+              <a:t>nextjs-app.conf</a:t>
+            </a:r>
+            <a:endParaRPr lang="en-US" dirty="0"/>
+          </a:p>
+          <a:p>
+            <a:r>
+              <a:rPr lang="en-US" dirty="0" err="1"/>
+              <a:t>sudo</a:t>
+            </a:r>
+            <a:r>
+              <a:rPr lang="en-US" dirty="0"/>
+              <a:t> nginx –t</a:t>
+            </a:r>
+          </a:p>
+          <a:p>
+            <a:r>
+              <a:rPr lang="en-US" dirty="0" err="1"/>
+              <a:t>sudo</a:t>
+            </a:r>
+            <a:r>
+              <a:rPr lang="en-US" dirty="0"/>
+              <a:t> </a:t>
+            </a:r>
+            <a:r>
+              <a:rPr lang="en-US" dirty="0" err="1"/>
+              <a:t>systemctl</a:t>
+            </a:r>
+            <a:r>
+              <a:rPr lang="en-US" dirty="0"/>
+              <a:t> restart nginx</a:t>
+            </a:r>
+          </a:p>
+        </p:txBody>
+      </p:sp>
+      <p:sp>
+        <p:nvSpPr>
+          <p:cNvPr id="4" name="Date Placeholder 3">
+            <a:extLst>
+              <a:ext uri="{FF2B5EF4-FFF2-40B4-BE49-F238E27FC236}">
+                <a16:creationId xmlns:a16="http://schemas.microsoft.com/office/drawing/2014/main" id="{E9AF442D-F12F-8249-B888-A2D53D681E5B}"/>
+              </a:ext>
+            </a:extLst>
+          </p:cNvPr>
+          <p:cNvSpPr>
+            <a:spLocks noGrp="1"/>
+          </p:cNvSpPr>
+          <p:nvPr>
+            <p:ph type="dt" sz="half" idx="10"/>
+          </p:nvPr>
+        </p:nvSpPr>
+        <p:spPr/>
+        <p:txBody>
+          <a:bodyPr/>
+          <a:lstStyle/>
+          <a:p>
+            <a:r>
+              <a:rPr lang="en-US"/>
+              <a:t>9/4/20XX</a:t>
+            </a:r>
+            <a:endParaRPr lang="en-US" dirty="0"/>
+          </a:p>
+        </p:txBody>
+      </p:sp>
+      <p:sp>
+        <p:nvSpPr>
+          <p:cNvPr id="5" name="Footer Placeholder 4">
+            <a:extLst>
+              <a:ext uri="{FF2B5EF4-FFF2-40B4-BE49-F238E27FC236}">
+                <a16:creationId xmlns:a16="http://schemas.microsoft.com/office/drawing/2014/main" id="{4A180EED-EEFE-BEB9-1104-8F84A26316D0}"/>
+              </a:ext>
+            </a:extLst>
+          </p:cNvPr>
+          <p:cNvSpPr>
+            <a:spLocks noGrp="1"/>
+          </p:cNvSpPr>
+          <p:nvPr>
+            <p:ph type="ftr" sz="quarter" idx="11"/>
+          </p:nvPr>
+        </p:nvSpPr>
+        <p:spPr/>
+        <p:txBody>
+          <a:bodyPr/>
+          <a:lstStyle/>
+          <a:p>
+            <a:r>
+              <a:rPr lang="en-US"/>
+              <a:t>Presentation Title</a:t>
+            </a:r>
+            <a:endParaRPr lang="en-US" dirty="0"/>
+          </a:p>
+        </p:txBody>
+      </p:sp>
+      <p:sp>
+        <p:nvSpPr>
+          <p:cNvPr id="6" name="Slide Number Placeholder 5">
+            <a:extLst>
+              <a:ext uri="{FF2B5EF4-FFF2-40B4-BE49-F238E27FC236}">
+                <a16:creationId xmlns:a16="http://schemas.microsoft.com/office/drawing/2014/main" id="{4CCB44DF-0A91-7501-0B1D-08E8842AA8CD}"/>
+              </a:ext>
+            </a:extLst>
+          </p:cNvPr>
+          <p:cNvSpPr>
+            <a:spLocks noGrp="1"/>
+          </p:cNvSpPr>
+          <p:nvPr>
+            <p:ph type="sldNum" sz="quarter" idx="12"/>
+          </p:nvPr>
+        </p:nvSpPr>
+        <p:spPr/>
+        <p:txBody>
+          <a:bodyPr/>
+          <a:lstStyle/>
+          <a:p>
+            <a:fld id="{A65A5C87-DF58-40C8-B092-1DE63DB4547E}" type="slidenum">
+              <a:rPr lang="en-US" smtClean="0"/>
+              <a:t>22</a:t>
+            </a:fld>
+            <a:endParaRPr lang="en-US" dirty="0"/>
+          </a:p>
+        </p:txBody>
+      </p:sp>
+    </p:spTree>
+    <p:extLst>
+      <p:ext uri="{BB962C8B-B14F-4D97-AF65-F5344CB8AC3E}">
+        <p14:creationId xmlns:p14="http://schemas.microsoft.com/office/powerpoint/2010/main" val="3295742310"/>
+      </p:ext>
+    </p:extLst>
+  </p:cSld>
+  <p:clrMapOvr>
+    <a:masterClrMapping/>
+  </p:clrMapOvr>
+</p:sld>
+</file>
+
+<file path=ppt/slides/slide23.xml><?xml version="1.0" encoding="utf-8"?>
+<p:sld xmlns:a="http://schemas.openxmlformats.org/drawingml/2006/main" xmlns:r="http://schemas.openxmlformats.org/officeDocument/2006/relationships" xmlns:p="http://schemas.openxmlformats.org/presentationml/2006/main">
+  <p:cSld>
+    <p:spTree>
+      <p:nvGrpSpPr>
+        <p:cNvPr id="1" name=""/>
+        <p:cNvGrpSpPr/>
+        <p:nvPr/>
+      </p:nvGrpSpPr>
+      <p:grpSpPr>
+        <a:xfrm>
+          <a:off x="0" y="0"/>
+          <a:ext cx="0" cy="0"/>
+          <a:chOff x="0" y="0"/>
+          <a:chExt cx="0" cy="0"/>
+        </a:xfrm>
+      </p:grpSpPr>
+      <p:sp>
+        <p:nvSpPr>
+          <p:cNvPr id="2" name="Title 1">
+            <a:extLst>
+              <a:ext uri="{FF2B5EF4-FFF2-40B4-BE49-F238E27FC236}">
+                <a16:creationId xmlns:a16="http://schemas.microsoft.com/office/drawing/2014/main" id="{D2041CAD-30AB-B8C4-C3B1-00E307D021E2}"/>
+              </a:ext>
+            </a:extLst>
+          </p:cNvPr>
+          <p:cNvSpPr>
+            <a:spLocks noGrp="1"/>
+          </p:cNvSpPr>
+          <p:nvPr>
+            <p:ph type="title"/>
+          </p:nvPr>
+        </p:nvSpPr>
+        <p:spPr/>
+        <p:txBody>
+          <a:bodyPr>
+            <a:normAutofit fontScale="90000"/>
+          </a:bodyPr>
+          <a:lstStyle/>
+          <a:p>
+            <a:r>
+              <a:rPr lang="en-US" dirty="0"/>
+              <a:t>Nginx: </a:t>
+            </a:r>
+            <a:r>
+              <a:rPr lang="en-US" dirty="0" err="1"/>
+              <a:t>sudo</a:t>
+            </a:r>
+            <a:r>
+              <a:rPr lang="en-US" dirty="0"/>
+              <a:t> nano /</a:t>
+            </a:r>
+            <a:r>
+              <a:rPr lang="en-US" dirty="0" err="1"/>
+              <a:t>etc</a:t>
+            </a:r>
+            <a:r>
+              <a:rPr lang="en-US" dirty="0"/>
+              <a:t>/nginx/</a:t>
+            </a:r>
+            <a:r>
+              <a:rPr lang="en-US" dirty="0" err="1"/>
+              <a:t>conf.d</a:t>
+            </a:r>
+            <a:r>
+              <a:rPr lang="en-US" dirty="0"/>
+              <a:t>/</a:t>
+            </a:r>
+            <a:r>
+              <a:rPr lang="en-US" dirty="0" err="1"/>
+              <a:t>nextjs-app.conf</a:t>
+            </a:r>
+            <a:r>
+              <a:rPr lang="en-US" dirty="0"/>
+              <a:t> </a:t>
+            </a:r>
+          </a:p>
+        </p:txBody>
+      </p:sp>
+      <p:sp>
+        <p:nvSpPr>
+          <p:cNvPr id="3" name="Content Placeholder 2">
+            <a:extLst>
+              <a:ext uri="{FF2B5EF4-FFF2-40B4-BE49-F238E27FC236}">
+                <a16:creationId xmlns:a16="http://schemas.microsoft.com/office/drawing/2014/main" id="{DD8B8ED5-D0C1-4F0D-0FD4-66EFFE7B80CF}"/>
+              </a:ext>
+            </a:extLst>
+          </p:cNvPr>
+          <p:cNvSpPr>
+            <a:spLocks noGrp="1"/>
+          </p:cNvSpPr>
+          <p:nvPr>
+            <p:ph idx="1"/>
+          </p:nvPr>
+        </p:nvSpPr>
+        <p:spPr/>
+        <p:txBody>
+          <a:bodyPr>
+            <a:normAutofit fontScale="47500" lnSpcReduction="20000"/>
+          </a:bodyPr>
+          <a:lstStyle/>
+          <a:p>
+            <a:pPr marL="0" indent="0">
+              <a:buNone/>
+            </a:pPr>
+            <a:r>
+              <a:rPr lang="en-US" dirty="0"/>
+              <a:t>server {</a:t>
+            </a:r>
+          </a:p>
+          <a:p>
+            <a:pPr marL="0" indent="0">
+              <a:buNone/>
+            </a:pPr>
+            <a:r>
+              <a:rPr lang="en-US" dirty="0"/>
+              <a:t>   listen 80;</a:t>
+            </a:r>
+          </a:p>
+          <a:p>
+            <a:pPr marL="0" indent="0">
+              <a:buNone/>
+            </a:pPr>
+            <a:r>
+              <a:rPr lang="en-US" dirty="0"/>
+              <a:t>   </a:t>
+            </a:r>
+            <a:r>
+              <a:rPr lang="en-US" dirty="0" err="1"/>
+              <a:t>server_name</a:t>
+            </a:r>
+            <a:r>
+              <a:rPr lang="en-US" dirty="0"/>
+              <a:t> ec2-184-73-30-44.compute-1.amazonaws.com;</a:t>
+            </a:r>
+          </a:p>
+          <a:p>
+            <a:pPr marL="0" indent="0">
+              <a:buNone/>
+            </a:pPr>
+            <a:r>
+              <a:rPr lang="en-US" dirty="0"/>
+              <a:t>   location / {</a:t>
+            </a:r>
+          </a:p>
+          <a:p>
+            <a:pPr marL="0" indent="0">
+              <a:buNone/>
+            </a:pPr>
+            <a:r>
+              <a:rPr lang="en-US" dirty="0"/>
+              <a:t>     </a:t>
+            </a:r>
+            <a:r>
+              <a:rPr lang="en-US" dirty="0" err="1"/>
+              <a:t>proxy_pass</a:t>
+            </a:r>
+            <a:r>
+              <a:rPr lang="en-US" dirty="0"/>
+              <a:t> http://localhost:3000;</a:t>
+            </a:r>
+          </a:p>
+          <a:p>
+            <a:pPr marL="0" indent="0">
+              <a:buNone/>
+            </a:pPr>
+            <a:r>
+              <a:rPr lang="en-US" dirty="0"/>
+              <a:t>     </a:t>
+            </a:r>
+            <a:r>
+              <a:rPr lang="en-US" dirty="0" err="1"/>
+              <a:t>proxy_http_version</a:t>
+            </a:r>
+            <a:r>
+              <a:rPr lang="en-US" dirty="0"/>
+              <a:t> 1.1;</a:t>
+            </a:r>
+          </a:p>
+          <a:p>
+            <a:pPr marL="0" indent="0">
+              <a:buNone/>
+            </a:pPr>
+            <a:r>
+              <a:rPr lang="en-US" dirty="0"/>
+              <a:t>     </a:t>
+            </a:r>
+            <a:r>
+              <a:rPr lang="en-US" dirty="0" err="1"/>
+              <a:t>proxy_set_header</a:t>
+            </a:r>
+            <a:r>
+              <a:rPr lang="en-US" dirty="0"/>
+              <a:t> Upgrade $</a:t>
+            </a:r>
+            <a:r>
+              <a:rPr lang="en-US" dirty="0" err="1"/>
+              <a:t>http_upgrade</a:t>
+            </a:r>
+            <a:r>
+              <a:rPr lang="en-US" dirty="0"/>
+              <a:t>;</a:t>
+            </a:r>
+          </a:p>
+          <a:p>
+            <a:pPr marL="0" indent="0">
+              <a:buNone/>
+            </a:pPr>
+            <a:r>
+              <a:rPr lang="en-US" dirty="0"/>
+              <a:t>     </a:t>
+            </a:r>
+            <a:r>
+              <a:rPr lang="en-US" dirty="0" err="1"/>
+              <a:t>proxy_set_header</a:t>
+            </a:r>
+            <a:r>
+              <a:rPr lang="en-US" dirty="0"/>
+              <a:t> Connection 'upgrade';</a:t>
+            </a:r>
+          </a:p>
+          <a:p>
+            <a:pPr marL="0" indent="0">
+              <a:buNone/>
+            </a:pPr>
+            <a:r>
+              <a:rPr lang="en-US" dirty="0"/>
+              <a:t>     </a:t>
+            </a:r>
+            <a:r>
+              <a:rPr lang="en-US" dirty="0" err="1"/>
+              <a:t>proxy_set_header</a:t>
+            </a:r>
+            <a:r>
+              <a:rPr lang="en-US" dirty="0"/>
+              <a:t> Host $host;</a:t>
+            </a:r>
+          </a:p>
+          <a:p>
+            <a:pPr marL="0" indent="0">
+              <a:buNone/>
+            </a:pPr>
+            <a:r>
+              <a:rPr lang="en-US" dirty="0"/>
+              <a:t>     </a:t>
+            </a:r>
+            <a:r>
+              <a:rPr lang="en-US" dirty="0" err="1"/>
+              <a:t>proxy_cache_bypass</a:t>
+            </a:r>
+            <a:r>
+              <a:rPr lang="en-US" dirty="0"/>
+              <a:t> $</a:t>
+            </a:r>
+            <a:r>
+              <a:rPr lang="en-US" dirty="0" err="1"/>
+              <a:t>http_upgrade</a:t>
+            </a:r>
+            <a:r>
+              <a:rPr lang="en-US" dirty="0"/>
+              <a:t>;</a:t>
+            </a:r>
+          </a:p>
+          <a:p>
+            <a:pPr marL="0" indent="0">
+              <a:buNone/>
+            </a:pPr>
+            <a:r>
+              <a:rPr lang="en-US" dirty="0"/>
+              <a:t>   }</a:t>
+            </a:r>
+          </a:p>
+          <a:p>
+            <a:pPr marL="0" indent="0">
+              <a:buNone/>
+            </a:pPr>
+            <a:r>
+              <a:rPr lang="en-US" dirty="0"/>
+              <a:t>}</a:t>
+            </a:r>
+          </a:p>
+        </p:txBody>
+      </p:sp>
+      <p:sp>
+        <p:nvSpPr>
+          <p:cNvPr id="4" name="Date Placeholder 3">
+            <a:extLst>
+              <a:ext uri="{FF2B5EF4-FFF2-40B4-BE49-F238E27FC236}">
+                <a16:creationId xmlns:a16="http://schemas.microsoft.com/office/drawing/2014/main" id="{506FB42D-AB00-0B23-96FC-EB3087C9076A}"/>
+              </a:ext>
+            </a:extLst>
+          </p:cNvPr>
+          <p:cNvSpPr>
+            <a:spLocks noGrp="1"/>
+          </p:cNvSpPr>
+          <p:nvPr>
+            <p:ph type="dt" sz="half" idx="10"/>
+          </p:nvPr>
+        </p:nvSpPr>
+        <p:spPr/>
+        <p:txBody>
+          <a:bodyPr/>
+          <a:lstStyle/>
+          <a:p>
+            <a:r>
+              <a:rPr lang="en-US"/>
+              <a:t>9/4/20XX</a:t>
+            </a:r>
+            <a:endParaRPr lang="en-US" dirty="0"/>
+          </a:p>
+        </p:txBody>
+      </p:sp>
+      <p:sp>
+        <p:nvSpPr>
+          <p:cNvPr id="5" name="Footer Placeholder 4">
+            <a:extLst>
+              <a:ext uri="{FF2B5EF4-FFF2-40B4-BE49-F238E27FC236}">
+                <a16:creationId xmlns:a16="http://schemas.microsoft.com/office/drawing/2014/main" id="{0D1D7321-A15C-C4FE-CAF0-505025D90D2D}"/>
+              </a:ext>
+            </a:extLst>
+          </p:cNvPr>
+          <p:cNvSpPr>
+            <a:spLocks noGrp="1"/>
+          </p:cNvSpPr>
+          <p:nvPr>
+            <p:ph type="ftr" sz="quarter" idx="11"/>
+          </p:nvPr>
+        </p:nvSpPr>
+        <p:spPr/>
+        <p:txBody>
+          <a:bodyPr/>
+          <a:lstStyle/>
+          <a:p>
+            <a:r>
+              <a:rPr lang="en-US"/>
+              <a:t>Presentation Title</a:t>
+            </a:r>
+            <a:endParaRPr lang="en-US" dirty="0"/>
+          </a:p>
+        </p:txBody>
+      </p:sp>
+      <p:sp>
+        <p:nvSpPr>
+          <p:cNvPr id="6" name="Slide Number Placeholder 5">
+            <a:extLst>
+              <a:ext uri="{FF2B5EF4-FFF2-40B4-BE49-F238E27FC236}">
+                <a16:creationId xmlns:a16="http://schemas.microsoft.com/office/drawing/2014/main" id="{4843C778-4613-E5D7-F977-F77FEBD70B13}"/>
+              </a:ext>
+            </a:extLst>
+          </p:cNvPr>
+          <p:cNvSpPr>
+            <a:spLocks noGrp="1"/>
+          </p:cNvSpPr>
+          <p:nvPr>
+            <p:ph type="sldNum" sz="quarter" idx="12"/>
+          </p:nvPr>
+        </p:nvSpPr>
+        <p:spPr/>
+        <p:txBody>
+          <a:bodyPr/>
+          <a:lstStyle/>
+          <a:p>
+            <a:fld id="{A65A5C87-DF58-40C8-B092-1DE63DB4547E}" type="slidenum">
+              <a:rPr lang="en-US" smtClean="0"/>
+              <a:t>23</a:t>
+            </a:fld>
+            <a:endParaRPr lang="en-US" dirty="0"/>
+          </a:p>
+        </p:txBody>
+      </p:sp>
+    </p:spTree>
+    <p:extLst>
+      <p:ext uri="{BB962C8B-B14F-4D97-AF65-F5344CB8AC3E}">
+        <p14:creationId xmlns:p14="http://schemas.microsoft.com/office/powerpoint/2010/main" val="1445709890"/>
+      </p:ext>
+    </p:extLst>
+  </p:cSld>
+  <p:clrMapOvr>
+    <a:masterClrMapping/>
+  </p:clrMapOvr>
+</p:sld>
+</file>
+
+<file path=ppt/slides/slide24.xml><?xml version="1.0" encoding="utf-8"?>
+<p:sld xmlns:a="http://schemas.openxmlformats.org/drawingml/2006/main" xmlns:r="http://schemas.openxmlformats.org/officeDocument/2006/relationships" xmlns:p="http://schemas.openxmlformats.org/presentationml/2006/main">
+  <p:cSld>
+    <p:spTree>
+      <p:nvGrpSpPr>
+        <p:cNvPr id="1" name=""/>
+        <p:cNvGrpSpPr/>
+        <p:nvPr/>
+      </p:nvGrpSpPr>
+      <p:grpSpPr>
+        <a:xfrm>
+          <a:off x="0" y="0"/>
+          <a:ext cx="0" cy="0"/>
+          <a:chOff x="0" y="0"/>
+          <a:chExt cx="0" cy="0"/>
+        </a:xfrm>
+      </p:grpSpPr>
+      <p:sp>
+        <p:nvSpPr>
+          <p:cNvPr id="2" name="Title 1">
+            <a:extLst>
+              <a:ext uri="{FF2B5EF4-FFF2-40B4-BE49-F238E27FC236}">
+                <a16:creationId xmlns:a16="http://schemas.microsoft.com/office/drawing/2014/main" id="{870AA001-9CF1-3C0E-E6B5-667B3C997B96}"/>
+              </a:ext>
+            </a:extLst>
+          </p:cNvPr>
+          <p:cNvSpPr>
+            <a:spLocks noGrp="1"/>
+          </p:cNvSpPr>
+          <p:nvPr>
+            <p:ph type="title"/>
+          </p:nvPr>
+        </p:nvSpPr>
+        <p:spPr/>
+        <p:txBody>
+          <a:bodyPr/>
+          <a:lstStyle/>
+          <a:p>
+            <a:r>
+              <a:rPr lang="en-US" dirty="0"/>
+              <a:t>Command: pm2</a:t>
+            </a:r>
+          </a:p>
+        </p:txBody>
+      </p:sp>
+      <p:sp>
+        <p:nvSpPr>
+          <p:cNvPr id="3" name="Content Placeholder 2">
+            <a:extLst>
+              <a:ext uri="{FF2B5EF4-FFF2-40B4-BE49-F238E27FC236}">
+                <a16:creationId xmlns:a16="http://schemas.microsoft.com/office/drawing/2014/main" id="{6038DAC0-912C-2A37-039B-2ECC9BF7F428}"/>
+              </a:ext>
+            </a:extLst>
+          </p:cNvPr>
+          <p:cNvSpPr>
+            <a:spLocks noGrp="1"/>
+          </p:cNvSpPr>
+          <p:nvPr>
+            <p:ph idx="1"/>
+          </p:nvPr>
+        </p:nvSpPr>
+        <p:spPr/>
+        <p:txBody>
+          <a:bodyPr>
+            <a:normAutofit fontScale="55000" lnSpcReduction="20000"/>
+          </a:bodyPr>
+          <a:lstStyle/>
+          <a:p>
+            <a:r>
+              <a:rPr lang="es-ES" dirty="0"/>
+              <a:t>sudo </a:t>
+            </a:r>
+            <a:r>
+              <a:rPr lang="es-ES" dirty="0" err="1"/>
+              <a:t>yum</a:t>
+            </a:r>
+            <a:r>
+              <a:rPr lang="es-ES" dirty="0"/>
+              <a:t> </a:t>
+            </a:r>
+            <a:r>
+              <a:rPr lang="es-ES" dirty="0" err="1"/>
+              <a:t>install</a:t>
+            </a:r>
+            <a:r>
+              <a:rPr lang="es-ES" dirty="0"/>
+              <a:t> -y </a:t>
+            </a:r>
+            <a:r>
+              <a:rPr lang="es-ES" dirty="0" err="1"/>
+              <a:t>nodejs</a:t>
+            </a:r>
+            <a:endParaRPr lang="es-ES" dirty="0"/>
+          </a:p>
+          <a:p>
+            <a:r>
+              <a:rPr lang="en-US" dirty="0"/>
+              <a:t>node –v</a:t>
+            </a:r>
+          </a:p>
+          <a:p>
+            <a:r>
+              <a:rPr lang="en-US" dirty="0" err="1"/>
+              <a:t>npm</a:t>
+            </a:r>
+            <a:r>
+              <a:rPr lang="en-US" dirty="0"/>
+              <a:t> –v</a:t>
+            </a:r>
+          </a:p>
+          <a:p>
+            <a:r>
+              <a:rPr lang="en-US" dirty="0" err="1"/>
+              <a:t>npx</a:t>
+            </a:r>
+            <a:r>
+              <a:rPr lang="en-US" dirty="0"/>
+              <a:t> </a:t>
+            </a:r>
+            <a:r>
+              <a:rPr lang="en-US" dirty="0" err="1"/>
+              <a:t>create-next-app@latest</a:t>
+            </a:r>
+            <a:endParaRPr lang="en-US" dirty="0"/>
+          </a:p>
+          <a:p>
+            <a:r>
+              <a:rPr lang="en-US" dirty="0" err="1"/>
+              <a:t>npm</a:t>
+            </a:r>
+            <a:r>
+              <a:rPr lang="en-US" dirty="0"/>
+              <a:t> run build</a:t>
+            </a:r>
+          </a:p>
+          <a:p>
+            <a:r>
+              <a:rPr lang="sv-SE" dirty="0"/>
+              <a:t>sudo npm install pm2 –g</a:t>
+            </a:r>
+          </a:p>
+          <a:p>
+            <a:r>
+              <a:rPr lang="en-US" dirty="0"/>
+              <a:t>pm2 start </a:t>
+            </a:r>
+            <a:r>
+              <a:rPr lang="en-US" dirty="0" err="1"/>
+              <a:t>npm</a:t>
+            </a:r>
+            <a:r>
+              <a:rPr lang="en-US" dirty="0"/>
+              <a:t>  --name </a:t>
+            </a:r>
+            <a:r>
+              <a:rPr lang="en-US" dirty="0" err="1"/>
+              <a:t>nextjs</a:t>
+            </a:r>
+            <a:r>
+              <a:rPr lang="en-US" dirty="0"/>
+              <a:t>-app -- start</a:t>
+            </a:r>
+            <a:endParaRPr lang="sv-SE" dirty="0"/>
+          </a:p>
+          <a:p>
+            <a:r>
+              <a:rPr lang="en-US" dirty="0"/>
+              <a:t>ss –</a:t>
+            </a:r>
+            <a:r>
+              <a:rPr lang="en-US" dirty="0" err="1"/>
+              <a:t>tnlp</a:t>
+            </a:r>
+            <a:r>
+              <a:rPr lang="en-US" dirty="0"/>
+              <a:t> (--</a:t>
+            </a:r>
+            <a:r>
+              <a:rPr lang="en-US" dirty="0" err="1"/>
+              <a:t>tcp</a:t>
+            </a:r>
+            <a:r>
+              <a:rPr lang="en-US" dirty="0"/>
+              <a:t> --</a:t>
+            </a:r>
+            <a:r>
+              <a:rPr lang="en-US" dirty="0" err="1"/>
+              <a:t>udp</a:t>
+            </a:r>
+            <a:r>
+              <a:rPr lang="en-US" dirty="0"/>
+              <a:t> --listening --program –numeric)</a:t>
+            </a:r>
+          </a:p>
+          <a:p>
+            <a:r>
+              <a:rPr lang="en-US" dirty="0"/>
+              <a:t>pm2 save</a:t>
+            </a:r>
+          </a:p>
+          <a:p>
+            <a:r>
+              <a:rPr lang="en-US" dirty="0"/>
+              <a:t>pm2 startup</a:t>
+            </a:r>
+          </a:p>
+        </p:txBody>
+      </p:sp>
+      <p:sp>
+        <p:nvSpPr>
+          <p:cNvPr id="4" name="Date Placeholder 3">
+            <a:extLst>
+              <a:ext uri="{FF2B5EF4-FFF2-40B4-BE49-F238E27FC236}">
+                <a16:creationId xmlns:a16="http://schemas.microsoft.com/office/drawing/2014/main" id="{11466F4E-0026-84BF-BC6F-6C84DDA8E69B}"/>
+              </a:ext>
+            </a:extLst>
+          </p:cNvPr>
+          <p:cNvSpPr>
+            <a:spLocks noGrp="1"/>
+          </p:cNvSpPr>
+          <p:nvPr>
+            <p:ph type="dt" sz="half" idx="10"/>
+          </p:nvPr>
+        </p:nvSpPr>
+        <p:spPr/>
+        <p:txBody>
+          <a:bodyPr/>
+          <a:lstStyle/>
+          <a:p>
+            <a:r>
+              <a:rPr lang="en-US"/>
+              <a:t>9/4/20XX</a:t>
+            </a:r>
+            <a:endParaRPr lang="en-US" dirty="0"/>
+          </a:p>
+        </p:txBody>
+      </p:sp>
+      <p:sp>
+        <p:nvSpPr>
+          <p:cNvPr id="5" name="Footer Placeholder 4">
+            <a:extLst>
+              <a:ext uri="{FF2B5EF4-FFF2-40B4-BE49-F238E27FC236}">
+                <a16:creationId xmlns:a16="http://schemas.microsoft.com/office/drawing/2014/main" id="{3298DB22-0F2F-7A50-2CFB-A0B6D2C42349}"/>
+              </a:ext>
+            </a:extLst>
+          </p:cNvPr>
+          <p:cNvSpPr>
+            <a:spLocks noGrp="1"/>
+          </p:cNvSpPr>
+          <p:nvPr>
+            <p:ph type="ftr" sz="quarter" idx="11"/>
+          </p:nvPr>
+        </p:nvSpPr>
+        <p:spPr/>
+        <p:txBody>
+          <a:bodyPr/>
+          <a:lstStyle/>
+          <a:p>
+            <a:r>
+              <a:rPr lang="en-US"/>
+              <a:t>Presentation Title</a:t>
+            </a:r>
+            <a:endParaRPr lang="en-US" dirty="0"/>
+          </a:p>
+        </p:txBody>
+      </p:sp>
+      <p:sp>
+        <p:nvSpPr>
+          <p:cNvPr id="6" name="Slide Number Placeholder 5">
+            <a:extLst>
+              <a:ext uri="{FF2B5EF4-FFF2-40B4-BE49-F238E27FC236}">
+                <a16:creationId xmlns:a16="http://schemas.microsoft.com/office/drawing/2014/main" id="{3A0B8ECE-51F5-A3CB-5975-EE830FF77E88}"/>
+              </a:ext>
+            </a:extLst>
+          </p:cNvPr>
+          <p:cNvSpPr>
+            <a:spLocks noGrp="1"/>
+          </p:cNvSpPr>
+          <p:nvPr>
+            <p:ph type="sldNum" sz="quarter" idx="12"/>
+          </p:nvPr>
+        </p:nvSpPr>
+        <p:spPr/>
+        <p:txBody>
+          <a:bodyPr/>
+          <a:lstStyle/>
+          <a:p>
+            <a:fld id="{A65A5C87-DF58-40C8-B092-1DE63DB4547E}" type="slidenum">
+              <a:rPr lang="en-US" smtClean="0"/>
+              <a:t>24</a:t>
+            </a:fld>
+            <a:endParaRPr lang="en-US" dirty="0"/>
+          </a:p>
+        </p:txBody>
+      </p:sp>
+    </p:spTree>
+    <p:extLst>
+      <p:ext uri="{BB962C8B-B14F-4D97-AF65-F5344CB8AC3E}">
+        <p14:creationId xmlns:p14="http://schemas.microsoft.com/office/powerpoint/2010/main" val="15691742"/>
+      </p:ext>
+    </p:extLst>
+  </p:cSld>
+  <p:clrMapOvr>
+    <a:masterClrMapping/>
+  </p:clrMapOvr>
+</p:sld>
+</file>
+
+<file path=ppt/slides/slide25.xml><?xml version="1.0" encoding="utf-8"?>
+<p:sld xmlns:a="http://schemas.openxmlformats.org/drawingml/2006/main" xmlns:r="http://schemas.openxmlformats.org/officeDocument/2006/relationships" xmlns:p="http://schemas.openxmlformats.org/presentationml/2006/main">
+  <p:cSld>
+    <p:spTree>
+      <p:nvGrpSpPr>
+        <p:cNvPr id="1" name=""/>
+        <p:cNvGrpSpPr/>
+        <p:nvPr/>
+      </p:nvGrpSpPr>
+      <p:grpSpPr>
+        <a:xfrm>
+          <a:off x="0" y="0"/>
+          <a:ext cx="0" cy="0"/>
+          <a:chOff x="0" y="0"/>
+          <a:chExt cx="0" cy="0"/>
+        </a:xfrm>
+      </p:grpSpPr>
+      <p:sp>
+        <p:nvSpPr>
+          <p:cNvPr id="2" name="Title 1">
+            <a:extLst>
+              <a:ext uri="{FF2B5EF4-FFF2-40B4-BE49-F238E27FC236}">
+                <a16:creationId xmlns:a16="http://schemas.microsoft.com/office/drawing/2014/main" id="{4D8C33D6-E48F-3FBD-57AE-423198EC0CE3}"/>
+              </a:ext>
+            </a:extLst>
+          </p:cNvPr>
+          <p:cNvSpPr>
+            <a:spLocks noGrp="1"/>
+          </p:cNvSpPr>
+          <p:nvPr>
+            <p:ph type="title"/>
+          </p:nvPr>
+        </p:nvSpPr>
+        <p:spPr/>
+        <p:txBody>
+          <a:bodyPr/>
+          <a:lstStyle/>
+          <a:p>
+            <a:r>
+              <a:rPr lang="en-US" dirty="0"/>
+              <a:t>HTTPs</a:t>
+            </a:r>
+          </a:p>
+        </p:txBody>
+      </p:sp>
+      <p:sp>
+        <p:nvSpPr>
+          <p:cNvPr id="3" name="Content Placeholder 2">
+            <a:extLst>
+              <a:ext uri="{FF2B5EF4-FFF2-40B4-BE49-F238E27FC236}">
+                <a16:creationId xmlns:a16="http://schemas.microsoft.com/office/drawing/2014/main" id="{28FB661D-9462-93E0-3814-F04A7BAB78C2}"/>
+              </a:ext>
+            </a:extLst>
+          </p:cNvPr>
+          <p:cNvSpPr>
+            <a:spLocks noGrp="1"/>
+          </p:cNvSpPr>
+          <p:nvPr>
+            <p:ph idx="1"/>
+          </p:nvPr>
+        </p:nvSpPr>
+        <p:spPr/>
+        <p:txBody>
+          <a:bodyPr/>
+          <a:lstStyle/>
+          <a:p>
+            <a:r>
+              <a:rPr lang="en-US" dirty="0" err="1"/>
+              <a:t>sudo</a:t>
+            </a:r>
+            <a:r>
+              <a:rPr lang="en-US" dirty="0"/>
+              <a:t> yum install -y </a:t>
+            </a:r>
+            <a:r>
+              <a:rPr lang="en-US" dirty="0" err="1"/>
+              <a:t>certbot</a:t>
+            </a:r>
+            <a:r>
+              <a:rPr lang="en-US" dirty="0"/>
+              <a:t> python3-certbot-nginx</a:t>
+            </a:r>
+          </a:p>
+          <a:p>
+            <a:r>
+              <a:rPr lang="en-US" dirty="0" err="1"/>
+              <a:t>sudo</a:t>
+            </a:r>
+            <a:r>
+              <a:rPr lang="en-US" dirty="0"/>
+              <a:t> </a:t>
+            </a:r>
+            <a:r>
+              <a:rPr lang="en-US" dirty="0" err="1"/>
+              <a:t>certbot</a:t>
+            </a:r>
+            <a:r>
+              <a:rPr lang="en-US" dirty="0"/>
+              <a:t> --nginx -d example.com -d www.example.com</a:t>
+            </a:r>
+          </a:p>
+        </p:txBody>
+      </p:sp>
+      <p:sp>
+        <p:nvSpPr>
+          <p:cNvPr id="4" name="Date Placeholder 3">
+            <a:extLst>
+              <a:ext uri="{FF2B5EF4-FFF2-40B4-BE49-F238E27FC236}">
+                <a16:creationId xmlns:a16="http://schemas.microsoft.com/office/drawing/2014/main" id="{1593196F-92E3-96A1-9EC5-A91AF9063EFA}"/>
+              </a:ext>
+            </a:extLst>
+          </p:cNvPr>
+          <p:cNvSpPr>
+            <a:spLocks noGrp="1"/>
+          </p:cNvSpPr>
+          <p:nvPr>
+            <p:ph type="dt" sz="half" idx="10"/>
+          </p:nvPr>
+        </p:nvSpPr>
+        <p:spPr/>
+        <p:txBody>
+          <a:bodyPr/>
+          <a:lstStyle/>
+          <a:p>
+            <a:r>
+              <a:rPr lang="en-US"/>
+              <a:t>9/4/20XX</a:t>
+            </a:r>
+            <a:endParaRPr lang="en-US" dirty="0"/>
+          </a:p>
+        </p:txBody>
+      </p:sp>
+      <p:sp>
+        <p:nvSpPr>
+          <p:cNvPr id="5" name="Footer Placeholder 4">
+            <a:extLst>
+              <a:ext uri="{FF2B5EF4-FFF2-40B4-BE49-F238E27FC236}">
+                <a16:creationId xmlns:a16="http://schemas.microsoft.com/office/drawing/2014/main" id="{3959A845-B21D-592E-EDF5-3CF92E6613C9}"/>
+              </a:ext>
+            </a:extLst>
+          </p:cNvPr>
+          <p:cNvSpPr>
+            <a:spLocks noGrp="1"/>
+          </p:cNvSpPr>
+          <p:nvPr>
+            <p:ph type="ftr" sz="quarter" idx="11"/>
+          </p:nvPr>
+        </p:nvSpPr>
+        <p:spPr/>
+        <p:txBody>
+          <a:bodyPr/>
+          <a:lstStyle/>
+          <a:p>
+            <a:r>
+              <a:rPr lang="en-US"/>
+              <a:t>Presentation Title</a:t>
+            </a:r>
+            <a:endParaRPr lang="en-US" dirty="0"/>
+          </a:p>
+        </p:txBody>
+      </p:sp>
+      <p:sp>
+        <p:nvSpPr>
+          <p:cNvPr id="6" name="Slide Number Placeholder 5">
+            <a:extLst>
+              <a:ext uri="{FF2B5EF4-FFF2-40B4-BE49-F238E27FC236}">
+                <a16:creationId xmlns:a16="http://schemas.microsoft.com/office/drawing/2014/main" id="{300F7509-C849-FD15-CC39-5E73EFDFED81}"/>
+              </a:ext>
+            </a:extLst>
+          </p:cNvPr>
+          <p:cNvSpPr>
+            <a:spLocks noGrp="1"/>
+          </p:cNvSpPr>
+          <p:nvPr>
+            <p:ph type="sldNum" sz="quarter" idx="12"/>
+          </p:nvPr>
+        </p:nvSpPr>
+        <p:spPr/>
+        <p:txBody>
+          <a:bodyPr/>
+          <a:lstStyle/>
+          <a:p>
+            <a:fld id="{A65A5C87-DF58-40C8-B092-1DE63DB4547E}" type="slidenum">
+              <a:rPr lang="en-US" smtClean="0"/>
+              <a:t>25</a:t>
+            </a:fld>
+            <a:endParaRPr lang="en-US" dirty="0"/>
+          </a:p>
+        </p:txBody>
+      </p:sp>
+    </p:spTree>
+    <p:extLst>
+      <p:ext uri="{BB962C8B-B14F-4D97-AF65-F5344CB8AC3E}">
+        <p14:creationId xmlns:p14="http://schemas.microsoft.com/office/powerpoint/2010/main" val="4191352312"/>
+      </p:ext>
+    </p:extLst>
+  </p:cSld>
+  <p:clrMapOvr>
+    <a:masterClrMapping/>
+  </p:clrMapOvr>
+</p:sld>
+</file>
+
+<file path=ppt/slides/slide3.xml><?xml version="1.0" encoding="utf-8"?>
+<p:sld xmlns:a="http://schemas.openxmlformats.org/drawingml/2006/main" xmlns:r="http://schemas.openxmlformats.org/officeDocument/2006/relationships" xmlns:p="http://schemas.openxmlformats.org/presentationml/2006/main">
+  <p:cSld>
+    <p:spTree>
+      <p:nvGrpSpPr>
+        <p:cNvPr id="1" name=""/>
+        <p:cNvGrpSpPr/>
+        <p:nvPr/>
+      </p:nvGrpSpPr>
+      <p:grpSpPr>
+        <a:xfrm>
+          <a:off x="0" y="0"/>
+          <a:ext cx="0" cy="0"/>
+          <a:chOff x="0" y="0"/>
+          <a:chExt cx="0" cy="0"/>
+        </a:xfrm>
+      </p:grpSpPr>
+      <p:sp>
+        <p:nvSpPr>
+          <p:cNvPr id="4" name="Title 3">
+            <a:extLst>
+              <a:ext uri="{FF2B5EF4-FFF2-40B4-BE49-F238E27FC236}">
+                <a16:creationId xmlns:a16="http://schemas.microsoft.com/office/drawing/2014/main" id="{FBFF4726-A171-420A-7C21-A4068AB3754B}"/>
+              </a:ext>
+            </a:extLst>
+          </p:cNvPr>
+          <p:cNvSpPr>
+            <a:spLocks noGrp="1"/>
+          </p:cNvSpPr>
+          <p:nvPr>
+            <p:ph type="title"/>
+          </p:nvPr>
+        </p:nvSpPr>
+        <p:spPr/>
+        <p:txBody>
+          <a:bodyPr/>
+          <a:lstStyle/>
+          <a:p>
+            <a:r>
+              <a:rPr lang="en-US"/>
+              <a:t>EC2 là gì?</a:t>
+            </a:r>
+            <a:endParaRPr lang="en-US" dirty="0"/>
+          </a:p>
+        </p:txBody>
+      </p:sp>
+      <p:sp>
+        <p:nvSpPr>
+          <p:cNvPr id="5" name="Content Placeholder 4">
+            <a:extLst>
+              <a:ext uri="{FF2B5EF4-FFF2-40B4-BE49-F238E27FC236}">
+                <a16:creationId xmlns:a16="http://schemas.microsoft.com/office/drawing/2014/main" id="{3F7649CB-4A5C-F1BC-37AF-17ED39E5B854}"/>
+              </a:ext>
+            </a:extLst>
+          </p:cNvPr>
+          <p:cNvSpPr>
+            <a:spLocks noGrp="1"/>
+          </p:cNvSpPr>
+          <p:nvPr>
+            <p:ph idx="1"/>
+          </p:nvPr>
+        </p:nvSpPr>
+        <p:spPr>
+          <a:xfrm>
+            <a:off x="3224587" y="3008670"/>
+            <a:ext cx="8470884" cy="3134033"/>
+          </a:xfrm>
+        </p:spPr>
+        <p:txBody>
+          <a:bodyPr/>
+          <a:lstStyle/>
+          <a:p>
+            <a:r>
+              <a:rPr lang="en-US" dirty="0"/>
+              <a:t>M</a:t>
+            </a:r>
+            <a:r>
+              <a:rPr lang="vi-VN" dirty="0"/>
+              <a:t>ột </a:t>
+            </a:r>
+            <a:r>
+              <a:rPr lang="en-US" dirty="0" err="1"/>
+              <a:t>dịch</a:t>
+            </a:r>
+            <a:r>
+              <a:rPr lang="en-US" dirty="0"/>
+              <a:t> </a:t>
+            </a:r>
+            <a:r>
+              <a:rPr lang="en-US" dirty="0" err="1"/>
+              <a:t>vụ</a:t>
+            </a:r>
+            <a:r>
+              <a:rPr lang="en-US" dirty="0"/>
+              <a:t> </a:t>
+            </a:r>
+            <a:r>
+              <a:rPr lang="vi-VN" dirty="0"/>
+              <a:t>điện toán đám mây được cung cấp bởi Amazon Web Services (AWS) giúp cung cấp tài nguyên máy tính ảo hoá theo yêu cầu</a:t>
+            </a:r>
+            <a:r>
+              <a:rPr lang="en-US" dirty="0"/>
+              <a:t> (IaaS)</a:t>
+            </a:r>
+            <a:r>
+              <a:rPr lang="vi-VN" dirty="0"/>
+              <a:t>.</a:t>
+            </a:r>
+            <a:endParaRPr lang="en-US" dirty="0"/>
+          </a:p>
+        </p:txBody>
+      </p:sp>
+      <p:pic>
+        <p:nvPicPr>
+          <p:cNvPr id="1026" name="Picture 2" descr="Amazon EC2: Everything you need to know - DEV Community">
+            <a:extLst>
+              <a:ext uri="{FF2B5EF4-FFF2-40B4-BE49-F238E27FC236}">
+                <a16:creationId xmlns:a16="http://schemas.microsoft.com/office/drawing/2014/main" id="{3864C35F-1C14-D864-68C3-904AFC5CBBB3}"/>
+              </a:ext>
+            </a:extLst>
+          </p:cNvPr>
+          <p:cNvPicPr>
+            <a:picLocks noChangeAspect="1" noChangeArrowheads="1"/>
+          </p:cNvPicPr>
+          <p:nvPr/>
+        </p:nvPicPr>
+        <p:blipFill>
+          <a:blip r:embed="rId3">
+            <a:extLst>
+              <a:ext uri="{28A0092B-C50C-407E-A947-70E740481C1C}">
+                <a14:useLocalDpi xmlns:a14="http://schemas.microsoft.com/office/drawing/2010/main" val="0"/>
+              </a:ext>
+            </a:extLst>
+          </a:blip>
+          <a:srcRect/>
+          <a:stretch>
+            <a:fillRect/>
+          </a:stretch>
+        </p:blipFill>
+        <p:spPr bwMode="auto">
+          <a:xfrm>
+            <a:off x="-1293597" y="2448528"/>
+            <a:ext cx="6077646" cy="3418676"/>
+          </a:xfrm>
+          <a:prstGeom prst="rect">
+            <a:avLst/>
+          </a:prstGeom>
+          <a:noFill/>
+          <a:extLst>
+            <a:ext uri="{909E8E84-426E-40DD-AFC4-6F175D3DCCD1}">
+              <a14:hiddenFill xmlns:a14="http://schemas.microsoft.com/office/drawing/2010/main">
+                <a:solidFill>
+                  <a:srgbClr val="FFFFFF"/>
+                </a:solidFill>
+              </a14:hiddenFill>
+            </a:ext>
+          </a:extLst>
+        </p:spPr>
+      </p:pic>
+    </p:spTree>
+    <p:extLst>
+      <p:ext uri="{BB962C8B-B14F-4D97-AF65-F5344CB8AC3E}">
+        <p14:creationId xmlns:p14="http://schemas.microsoft.com/office/powerpoint/2010/main" val="4237363210"/>
+      </p:ext>
+    </p:extLst>
+  </p:cSld>
+  <p:clrMapOvr>
+    <a:masterClrMapping/>
+  </p:clrMapOvr>
+</p:sld>
+</file>
+
+<file path=ppt/slides/slide4.xml><?xml version="1.0" encoding="utf-8"?>
+<p:sld xmlns:a="http://schemas.openxmlformats.org/drawingml/2006/main" xmlns:r="http://schemas.openxmlformats.org/officeDocument/2006/relationships" xmlns:p="http://schemas.openxmlformats.org/presentationml/2006/main">
+  <p:cSld>
+    <p:spTree>
+      <p:nvGrpSpPr>
+        <p:cNvPr id="1" name=""/>
+        <p:cNvGrpSpPr/>
+        <p:nvPr/>
+      </p:nvGrpSpPr>
+      <p:grpSpPr>
+        <a:xfrm>
+          <a:off x="0" y="0"/>
+          <a:ext cx="0" cy="0"/>
+          <a:chOff x="0" y="0"/>
+          <a:chExt cx="0" cy="0"/>
+        </a:xfrm>
+      </p:grpSpPr>
+      <p:sp>
+        <p:nvSpPr>
+          <p:cNvPr id="2" name="Title 1">
+            <a:extLst>
+              <a:ext uri="{FF2B5EF4-FFF2-40B4-BE49-F238E27FC236}">
+                <a16:creationId xmlns:a16="http://schemas.microsoft.com/office/drawing/2014/main" id="{82869097-6A5D-C4E5-3ED0-C75FF4C9715E}"/>
+              </a:ext>
+            </a:extLst>
+          </p:cNvPr>
+          <p:cNvSpPr>
+            <a:spLocks noGrp="1"/>
+          </p:cNvSpPr>
+          <p:nvPr>
+            <p:ph type="title"/>
+          </p:nvPr>
+        </p:nvSpPr>
+        <p:spPr/>
+        <p:txBody>
+          <a:bodyPr/>
+          <a:lstStyle/>
+          <a:p>
+            <a:r>
+              <a:rPr lang="en-US" dirty="0" err="1"/>
+              <a:t>Tại</a:t>
+            </a:r>
+            <a:r>
+              <a:rPr lang="en-US" dirty="0"/>
+              <a:t> </a:t>
+            </a:r>
+            <a:r>
+              <a:rPr lang="en-US" dirty="0" err="1"/>
+              <a:t>sao</a:t>
+            </a:r>
+            <a:endParaRPr lang="en-US" dirty="0"/>
+          </a:p>
+        </p:txBody>
+      </p:sp>
+      <p:sp>
+        <p:nvSpPr>
+          <p:cNvPr id="3" name="Content Placeholder 2">
+            <a:extLst>
+              <a:ext uri="{FF2B5EF4-FFF2-40B4-BE49-F238E27FC236}">
+                <a16:creationId xmlns:a16="http://schemas.microsoft.com/office/drawing/2014/main" id="{019FC3CE-B647-96D8-9CB5-E577B7BF5999}"/>
+              </a:ext>
+            </a:extLst>
+          </p:cNvPr>
+          <p:cNvSpPr>
+            <a:spLocks noGrp="1"/>
+          </p:cNvSpPr>
+          <p:nvPr>
+            <p:ph idx="1"/>
+          </p:nvPr>
+        </p:nvSpPr>
+        <p:spPr/>
+        <p:txBody>
+          <a:bodyPr/>
+          <a:lstStyle/>
+          <a:p>
+            <a:r>
+              <a:rPr lang="en-US" dirty="0"/>
+              <a:t>Cung </a:t>
+            </a:r>
+            <a:r>
+              <a:rPr lang="en-US" dirty="0" err="1"/>
+              <a:t>cấp</a:t>
+            </a:r>
+            <a:r>
+              <a:rPr lang="en-US" dirty="0"/>
+              <a:t> </a:t>
+            </a:r>
+            <a:r>
+              <a:rPr lang="en-US" dirty="0" err="1"/>
+              <a:t>các</a:t>
+            </a:r>
+            <a:r>
+              <a:rPr lang="en-US" dirty="0"/>
+              <a:t> </a:t>
+            </a:r>
+            <a:r>
+              <a:rPr lang="en-US" dirty="0" err="1"/>
+              <a:t>ứng</a:t>
+            </a:r>
+            <a:r>
+              <a:rPr lang="en-US" dirty="0"/>
+              <a:t> </a:t>
+            </a:r>
+            <a:r>
+              <a:rPr lang="en-US" dirty="0" err="1"/>
+              <a:t>dụng</a:t>
+            </a:r>
+            <a:r>
+              <a:rPr lang="en-US" dirty="0"/>
+              <a:t> </a:t>
+            </a:r>
+            <a:r>
+              <a:rPr lang="en-US" dirty="0" err="1"/>
+              <a:t>máy</a:t>
+            </a:r>
+            <a:r>
+              <a:rPr lang="en-US" dirty="0"/>
+              <a:t> </a:t>
+            </a:r>
+            <a:r>
+              <a:rPr lang="en-US" dirty="0" err="1"/>
+              <a:t>tính</a:t>
+            </a:r>
+            <a:r>
+              <a:rPr lang="en-US" dirty="0"/>
+              <a:t> </a:t>
+            </a:r>
+            <a:r>
+              <a:rPr lang="en-US" dirty="0" err="1"/>
+              <a:t>ảo</a:t>
+            </a:r>
+            <a:r>
+              <a:rPr lang="en-US" dirty="0"/>
+              <a:t> </a:t>
+            </a:r>
+            <a:r>
+              <a:rPr lang="en-US" dirty="0" err="1"/>
+              <a:t>hoá</a:t>
+            </a:r>
+            <a:r>
+              <a:rPr lang="en-US" dirty="0"/>
+              <a:t> có </a:t>
+            </a:r>
+            <a:r>
+              <a:rPr lang="en-US" dirty="0" err="1"/>
+              <a:t>thể</a:t>
+            </a:r>
+            <a:r>
+              <a:rPr lang="en-US" dirty="0"/>
+              <a:t> </a:t>
+            </a:r>
+            <a:r>
+              <a:rPr lang="en-US" dirty="0" err="1"/>
+              <a:t>mở</a:t>
+            </a:r>
+            <a:r>
+              <a:rPr lang="en-US" dirty="0"/>
+              <a:t> </a:t>
+            </a:r>
+            <a:r>
+              <a:rPr lang="en-US" dirty="0" err="1"/>
+              <a:t>rộng</a:t>
+            </a:r>
+            <a:r>
+              <a:rPr lang="en-US" dirty="0"/>
+              <a:t> về </a:t>
+            </a:r>
+            <a:r>
+              <a:rPr lang="en-US" dirty="0" err="1"/>
+              <a:t>khả</a:t>
+            </a:r>
+            <a:r>
+              <a:rPr lang="en-US" dirty="0"/>
+              <a:t> </a:t>
+            </a:r>
+            <a:r>
+              <a:rPr lang="en-US" dirty="0" err="1"/>
+              <a:t>năng</a:t>
+            </a:r>
+            <a:r>
+              <a:rPr lang="en-US" dirty="0"/>
+              <a:t> </a:t>
+            </a:r>
+            <a:r>
+              <a:rPr lang="en-US" dirty="0" err="1"/>
+              <a:t>xử</a:t>
+            </a:r>
+            <a:r>
+              <a:rPr lang="en-US" dirty="0"/>
+              <a:t> </a:t>
+            </a:r>
+            <a:r>
+              <a:rPr lang="en-US" dirty="0" err="1"/>
+              <a:t>lý</a:t>
+            </a:r>
+            <a:r>
+              <a:rPr lang="en-US" dirty="0"/>
+              <a:t> </a:t>
+            </a:r>
+            <a:r>
+              <a:rPr lang="en-US" dirty="0" err="1"/>
+              <a:t>cùng</a:t>
+            </a:r>
+            <a:r>
+              <a:rPr lang="en-US" dirty="0"/>
+              <a:t> </a:t>
+            </a:r>
+            <a:r>
+              <a:rPr lang="en-US" dirty="0" err="1"/>
+              <a:t>các</a:t>
+            </a:r>
+            <a:r>
+              <a:rPr lang="en-US" dirty="0"/>
+              <a:t> </a:t>
+            </a:r>
+            <a:r>
+              <a:rPr lang="en-US" dirty="0" err="1"/>
+              <a:t>thành</a:t>
+            </a:r>
+            <a:r>
+              <a:rPr lang="en-US" dirty="0"/>
+              <a:t> </a:t>
+            </a:r>
+            <a:r>
+              <a:rPr lang="en-US" dirty="0" err="1"/>
+              <a:t>phần</a:t>
+            </a:r>
+            <a:r>
+              <a:rPr lang="en-US" dirty="0"/>
+              <a:t> </a:t>
+            </a:r>
+            <a:r>
+              <a:rPr lang="en-US" dirty="0" err="1"/>
+              <a:t>phần</a:t>
+            </a:r>
+            <a:r>
+              <a:rPr lang="en-US" dirty="0"/>
+              <a:t> </a:t>
+            </a:r>
+            <a:r>
+              <a:rPr lang="en-US" dirty="0" err="1"/>
+              <a:t>cứng</a:t>
+            </a:r>
+            <a:r>
+              <a:rPr lang="en-US" dirty="0"/>
+              <a:t> </a:t>
+            </a:r>
+            <a:r>
+              <a:rPr lang="en-US" dirty="0" err="1"/>
+              <a:t>ảo</a:t>
+            </a:r>
+            <a:endParaRPr lang="en-US" dirty="0"/>
+          </a:p>
+          <a:p>
+            <a:r>
+              <a:rPr lang="en-US" dirty="0"/>
+              <a:t>Cung </a:t>
+            </a:r>
+            <a:r>
+              <a:rPr lang="en-US" dirty="0" err="1"/>
+              <a:t>cấp</a:t>
+            </a:r>
+            <a:r>
+              <a:rPr lang="en-US" dirty="0"/>
+              <a:t> một </a:t>
+            </a:r>
+            <a:r>
+              <a:rPr lang="en-US" dirty="0" err="1"/>
+              <a:t>hoặc</a:t>
+            </a:r>
+            <a:r>
+              <a:rPr lang="en-US" dirty="0"/>
+              <a:t> </a:t>
+            </a:r>
+            <a:r>
+              <a:rPr lang="en-US" dirty="0" err="1"/>
+              <a:t>máy</a:t>
+            </a:r>
+            <a:r>
+              <a:rPr lang="en-US" dirty="0"/>
+              <a:t> </a:t>
+            </a:r>
+            <a:r>
+              <a:rPr lang="en-US" dirty="0" err="1"/>
+              <a:t>chủ</a:t>
+            </a:r>
+            <a:r>
+              <a:rPr lang="en-US" dirty="0"/>
+              <a:t> </a:t>
+            </a:r>
+            <a:r>
+              <a:rPr lang="en-US" dirty="0" err="1"/>
+              <a:t>ảo</a:t>
+            </a:r>
+            <a:r>
+              <a:rPr lang="en-US" dirty="0"/>
+              <a:t> có </a:t>
+            </a:r>
+            <a:r>
+              <a:rPr lang="en-US" dirty="0" err="1"/>
+              <a:t>thể</a:t>
+            </a:r>
+            <a:r>
+              <a:rPr lang="en-US" dirty="0"/>
+              <a:t> </a:t>
+            </a:r>
+            <a:r>
+              <a:rPr lang="en-US" dirty="0" err="1"/>
+              <a:t>kết</a:t>
+            </a:r>
+            <a:r>
+              <a:rPr lang="en-US" dirty="0"/>
+              <a:t> </a:t>
+            </a:r>
+            <a:r>
+              <a:rPr lang="en-US" dirty="0" err="1"/>
+              <a:t>hợp</a:t>
+            </a:r>
+            <a:r>
+              <a:rPr lang="en-US" dirty="0"/>
+              <a:t> </a:t>
+            </a:r>
+            <a:r>
+              <a:rPr lang="en-US" dirty="0" err="1"/>
+              <a:t>với</a:t>
+            </a:r>
+            <a:r>
+              <a:rPr lang="en-US" dirty="0"/>
+              <a:t> </a:t>
+            </a:r>
+            <a:r>
+              <a:rPr lang="en-US" dirty="0" err="1"/>
+              <a:t>nhau</a:t>
+            </a:r>
+            <a:r>
+              <a:rPr lang="en-US" dirty="0"/>
+              <a:t> </a:t>
+            </a:r>
+            <a:r>
+              <a:rPr lang="en-US" dirty="0" err="1"/>
+              <a:t>để</a:t>
+            </a:r>
+            <a:r>
+              <a:rPr lang="en-US" dirty="0"/>
+              <a:t> </a:t>
+            </a:r>
+            <a:r>
+              <a:rPr lang="en-US" dirty="0" err="1"/>
+              <a:t>dễ</a:t>
+            </a:r>
+            <a:r>
+              <a:rPr lang="en-US" dirty="0"/>
+              <a:t> </a:t>
+            </a:r>
+            <a:r>
+              <a:rPr lang="en-US" dirty="0" err="1"/>
+              <a:t>dàng</a:t>
+            </a:r>
+            <a:r>
+              <a:rPr lang="en-US" dirty="0"/>
+              <a:t> </a:t>
+            </a:r>
+            <a:r>
+              <a:rPr lang="en-US" dirty="0" err="1"/>
+              <a:t>triển</a:t>
+            </a:r>
+            <a:r>
+              <a:rPr lang="en-US" dirty="0"/>
+              <a:t> </a:t>
+            </a:r>
+            <a:r>
+              <a:rPr lang="en-US" dirty="0" err="1"/>
+              <a:t>khai</a:t>
+            </a:r>
+            <a:r>
+              <a:rPr lang="en-US" dirty="0"/>
+              <a:t> </a:t>
+            </a:r>
+            <a:r>
+              <a:rPr lang="en-US" dirty="0" err="1"/>
+              <a:t>ứng</a:t>
+            </a:r>
+            <a:r>
+              <a:rPr lang="en-US" dirty="0"/>
+              <a:t> </a:t>
+            </a:r>
+            <a:r>
+              <a:rPr lang="en-US" dirty="0" err="1"/>
+              <a:t>dụng</a:t>
+            </a:r>
+            <a:r>
+              <a:rPr lang="en-US" dirty="0"/>
+              <a:t> </a:t>
+            </a:r>
+            <a:r>
+              <a:rPr lang="en-US" dirty="0" err="1"/>
+              <a:t>nhanh</a:t>
+            </a:r>
+            <a:r>
+              <a:rPr lang="en-US" dirty="0"/>
+              <a:t> </a:t>
+            </a:r>
+            <a:r>
+              <a:rPr lang="en-US" dirty="0" err="1"/>
+              <a:t>nhất</a:t>
+            </a:r>
+            <a:r>
+              <a:rPr lang="en-US" dirty="0"/>
+              <a:t> và </a:t>
+            </a:r>
+            <a:r>
+              <a:rPr lang="en-US" dirty="0" err="1"/>
+              <a:t>đảm</a:t>
+            </a:r>
+            <a:r>
+              <a:rPr lang="en-US" dirty="0"/>
+              <a:t> </a:t>
+            </a:r>
+            <a:r>
+              <a:rPr lang="en-US" dirty="0" err="1"/>
+              <a:t>bảo</a:t>
+            </a:r>
+            <a:r>
+              <a:rPr lang="en-US" dirty="0"/>
+              <a:t> </a:t>
+            </a:r>
+            <a:r>
+              <a:rPr lang="en-US" dirty="0" err="1"/>
+              <a:t>tính</a:t>
+            </a:r>
+            <a:r>
+              <a:rPr lang="en-US" dirty="0"/>
+              <a:t> </a:t>
+            </a:r>
+            <a:r>
+              <a:rPr lang="en-US" dirty="0" err="1"/>
+              <a:t>sẵn</a:t>
+            </a:r>
+            <a:r>
+              <a:rPr lang="en-US" dirty="0"/>
+              <a:t> </a:t>
+            </a:r>
+            <a:r>
+              <a:rPr lang="en-US" dirty="0" err="1"/>
+              <a:t>sàng</a:t>
+            </a:r>
+            <a:r>
+              <a:rPr lang="en-US" dirty="0"/>
+              <a:t> </a:t>
+            </a:r>
+            <a:r>
+              <a:rPr lang="en-US" dirty="0" err="1"/>
+              <a:t>cao</a:t>
+            </a:r>
+            <a:endParaRPr lang="en-US" dirty="0"/>
+          </a:p>
+        </p:txBody>
+      </p:sp>
+      <p:sp>
+        <p:nvSpPr>
+          <p:cNvPr id="4" name="Date Placeholder 3">
+            <a:extLst>
+              <a:ext uri="{FF2B5EF4-FFF2-40B4-BE49-F238E27FC236}">
+                <a16:creationId xmlns:a16="http://schemas.microsoft.com/office/drawing/2014/main" id="{8F3BE1B9-64EF-A781-325B-F6D4214650AE}"/>
+              </a:ext>
+            </a:extLst>
+          </p:cNvPr>
+          <p:cNvSpPr>
+            <a:spLocks noGrp="1"/>
+          </p:cNvSpPr>
+          <p:nvPr>
+            <p:ph type="dt" sz="half" idx="10"/>
+          </p:nvPr>
+        </p:nvSpPr>
+        <p:spPr/>
+        <p:txBody>
+          <a:bodyPr/>
+          <a:lstStyle/>
+          <a:p>
+            <a:r>
+              <a:rPr lang="en-US"/>
+              <a:t>9/4/20XX</a:t>
+            </a:r>
+            <a:endParaRPr lang="en-US" dirty="0"/>
+          </a:p>
+        </p:txBody>
+      </p:sp>
+      <p:sp>
+        <p:nvSpPr>
+          <p:cNvPr id="5" name="Footer Placeholder 4">
+            <a:extLst>
+              <a:ext uri="{FF2B5EF4-FFF2-40B4-BE49-F238E27FC236}">
+                <a16:creationId xmlns:a16="http://schemas.microsoft.com/office/drawing/2014/main" id="{A629C164-2ACE-A70C-1F58-AEE24FFAFFCD}"/>
+              </a:ext>
+            </a:extLst>
+          </p:cNvPr>
+          <p:cNvSpPr>
+            <a:spLocks noGrp="1"/>
+          </p:cNvSpPr>
+          <p:nvPr>
+            <p:ph type="ftr" sz="quarter" idx="11"/>
+          </p:nvPr>
+        </p:nvSpPr>
+        <p:spPr/>
+        <p:txBody>
+          <a:bodyPr/>
+          <a:lstStyle/>
+          <a:p>
+            <a:r>
+              <a:rPr lang="en-US"/>
+              <a:t>Presentation Title</a:t>
+            </a:r>
+            <a:endParaRPr lang="en-US" dirty="0"/>
+          </a:p>
+        </p:txBody>
+      </p:sp>
+      <p:sp>
+        <p:nvSpPr>
+          <p:cNvPr id="6" name="Slide Number Placeholder 5">
+            <a:extLst>
+              <a:ext uri="{FF2B5EF4-FFF2-40B4-BE49-F238E27FC236}">
+                <a16:creationId xmlns:a16="http://schemas.microsoft.com/office/drawing/2014/main" id="{3BEF4C86-8CF1-797B-0300-3404C214C960}"/>
+              </a:ext>
+            </a:extLst>
+          </p:cNvPr>
+          <p:cNvSpPr>
+            <a:spLocks noGrp="1"/>
+          </p:cNvSpPr>
+          <p:nvPr>
+            <p:ph type="sldNum" sz="quarter" idx="12"/>
+          </p:nvPr>
+        </p:nvSpPr>
+        <p:spPr/>
+        <p:txBody>
+          <a:bodyPr/>
+          <a:lstStyle/>
+          <a:p>
+            <a:fld id="{A65A5C87-DF58-40C8-B092-1DE63DB4547E}" type="slidenum">
+              <a:rPr lang="en-US" smtClean="0"/>
+              <a:t>4</a:t>
+            </a:fld>
+            <a:endParaRPr lang="en-US" dirty="0"/>
+          </a:p>
+        </p:txBody>
+      </p:sp>
+    </p:spTree>
+    <p:extLst>
+      <p:ext uri="{BB962C8B-B14F-4D97-AF65-F5344CB8AC3E}">
+        <p14:creationId xmlns:p14="http://schemas.microsoft.com/office/powerpoint/2010/main" val="3097252471"/>
+      </p:ext>
+    </p:extLst>
+  </p:cSld>
+  <p:clrMapOvr>
+    <a:masterClrMapping/>
+  </p:clrMapOvr>
+</p:sld>
+</file>
+
+<file path=ppt/slides/slide5.xml><?xml version="1.0" encoding="utf-8"?>
+<p:sld xmlns:a="http://schemas.openxmlformats.org/drawingml/2006/main" xmlns:r="http://schemas.openxmlformats.org/officeDocument/2006/relationships" xmlns:p="http://schemas.openxmlformats.org/presentationml/2006/main">
+  <p:cSld>
+    <p:spTree>
+      <p:nvGrpSpPr>
+        <p:cNvPr id="1" name=""/>
+        <p:cNvGrpSpPr/>
+        <p:nvPr/>
+      </p:nvGrpSpPr>
+      <p:grpSpPr>
+        <a:xfrm>
+          <a:off x="0" y="0"/>
+          <a:ext cx="0" cy="0"/>
+          <a:chOff x="0" y="0"/>
+          <a:chExt cx="0" cy="0"/>
+        </a:xfrm>
+      </p:grpSpPr>
+      <p:sp>
+        <p:nvSpPr>
+          <p:cNvPr id="2" name="Title 1">
+            <a:extLst>
+              <a:ext uri="{FF2B5EF4-FFF2-40B4-BE49-F238E27FC236}">
+                <a16:creationId xmlns:a16="http://schemas.microsoft.com/office/drawing/2014/main" id="{FD2473C8-09AB-EA3C-F76F-D78BB8268359}"/>
+              </a:ext>
+            </a:extLst>
+          </p:cNvPr>
+          <p:cNvSpPr>
+            <a:spLocks noGrp="1"/>
+          </p:cNvSpPr>
+          <p:nvPr>
+            <p:ph type="title"/>
+          </p:nvPr>
+        </p:nvSpPr>
+        <p:spPr/>
+        <p:txBody>
+          <a:bodyPr/>
+          <a:lstStyle/>
+          <a:p>
+            <a:r>
+              <a:rPr lang="en-US" dirty="0" err="1"/>
+              <a:t>Từ</a:t>
+            </a:r>
+            <a:r>
+              <a:rPr lang="en-US" dirty="0"/>
+              <a:t> </a:t>
+            </a:r>
+            <a:r>
+              <a:rPr lang="en-US" dirty="0" err="1"/>
+              <a:t>khóa</a:t>
+            </a:r>
+            <a:endParaRPr lang="en-US" dirty="0"/>
+          </a:p>
+        </p:txBody>
+      </p:sp>
+      <p:sp>
+        <p:nvSpPr>
+          <p:cNvPr id="3" name="Content Placeholder 2">
+            <a:extLst>
+              <a:ext uri="{FF2B5EF4-FFF2-40B4-BE49-F238E27FC236}">
+                <a16:creationId xmlns:a16="http://schemas.microsoft.com/office/drawing/2014/main" id="{0C6C812E-CCBF-9F9F-9156-EA64BC8BD6FC}"/>
+              </a:ext>
+            </a:extLst>
+          </p:cNvPr>
+          <p:cNvSpPr>
+            <a:spLocks noGrp="1"/>
+          </p:cNvSpPr>
+          <p:nvPr>
+            <p:ph idx="1"/>
+          </p:nvPr>
+        </p:nvSpPr>
+        <p:spPr/>
+        <p:txBody>
+          <a:bodyPr/>
+          <a:lstStyle/>
+          <a:p>
+            <a:r>
+              <a:rPr lang="en-US" dirty="0"/>
+              <a:t>Instances: </a:t>
+            </a:r>
+            <a:r>
+              <a:rPr lang="en-US" dirty="0" err="1"/>
+              <a:t>máy</a:t>
+            </a:r>
+            <a:r>
+              <a:rPr lang="en-US" dirty="0"/>
+              <a:t> </a:t>
+            </a:r>
+            <a:r>
+              <a:rPr lang="en-US" dirty="0" err="1"/>
+              <a:t>chủ</a:t>
+            </a:r>
+            <a:r>
+              <a:rPr lang="en-US" dirty="0"/>
+              <a:t> </a:t>
+            </a:r>
+            <a:r>
+              <a:rPr lang="en-US" dirty="0" err="1"/>
+              <a:t>ảo</a:t>
+            </a:r>
+            <a:endParaRPr lang="en-US" dirty="0"/>
+          </a:p>
+          <a:p>
+            <a:r>
+              <a:rPr lang="en-US" dirty="0"/>
+              <a:t>Amazon Machine Images (AMIs):một </a:t>
+            </a:r>
+            <a:r>
+              <a:rPr lang="en-US" dirty="0" err="1"/>
+              <a:t>dạng</a:t>
+            </a:r>
+            <a:r>
+              <a:rPr lang="en-US" dirty="0"/>
+              <a:t> template/</a:t>
+            </a:r>
+            <a:r>
+              <a:rPr lang="en-US" dirty="0" err="1"/>
+              <a:t>hình</a:t>
+            </a:r>
+            <a:r>
+              <a:rPr lang="en-US" dirty="0"/>
+              <a:t> </a:t>
+            </a:r>
+            <a:r>
+              <a:rPr lang="en-US" dirty="0" err="1"/>
+              <a:t>ảnh</a:t>
+            </a:r>
+            <a:r>
+              <a:rPr lang="en-US" dirty="0"/>
+              <a:t> </a:t>
+            </a:r>
+            <a:r>
+              <a:rPr lang="en-US" dirty="0" err="1"/>
+              <a:t>hoàn</a:t>
+            </a:r>
+            <a:r>
+              <a:rPr lang="en-US" dirty="0"/>
+              <a:t> </a:t>
+            </a:r>
+            <a:r>
+              <a:rPr lang="en-US" dirty="0" err="1"/>
+              <a:t>chỉnh</a:t>
+            </a:r>
+            <a:r>
+              <a:rPr lang="en-US" dirty="0"/>
+              <a:t> </a:t>
+            </a:r>
+            <a:r>
+              <a:rPr lang="en-US" dirty="0" err="1"/>
+              <a:t>của</a:t>
+            </a:r>
+            <a:r>
+              <a:rPr lang="en-US" dirty="0"/>
+              <a:t> một </a:t>
+            </a:r>
+            <a:r>
+              <a:rPr lang="en-US" dirty="0" err="1"/>
+              <a:t>máy</a:t>
+            </a:r>
+            <a:r>
+              <a:rPr lang="en-US" dirty="0"/>
+              <a:t> </a:t>
+            </a:r>
+            <a:r>
+              <a:rPr lang="en-US" dirty="0" err="1"/>
+              <a:t>ảo</a:t>
+            </a:r>
+            <a:r>
+              <a:rPr lang="en-US" dirty="0"/>
+              <a:t> (</a:t>
+            </a:r>
+            <a:r>
+              <a:rPr lang="en-US" dirty="0" err="1"/>
+              <a:t>hệ</a:t>
+            </a:r>
+            <a:r>
+              <a:rPr lang="en-US" dirty="0"/>
+              <a:t> </a:t>
+            </a:r>
+            <a:r>
+              <a:rPr lang="en-US" dirty="0" err="1"/>
+              <a:t>điều</a:t>
+            </a:r>
+            <a:r>
+              <a:rPr lang="en-US" dirty="0"/>
+              <a:t> </a:t>
+            </a:r>
+            <a:r>
+              <a:rPr lang="en-US" dirty="0" err="1"/>
+              <a:t>hành</a:t>
+            </a:r>
+            <a:r>
+              <a:rPr lang="en-US" dirty="0"/>
+              <a:t>, </a:t>
+            </a:r>
+            <a:r>
+              <a:rPr lang="en-US" dirty="0" err="1"/>
+              <a:t>ứng</a:t>
+            </a:r>
+            <a:r>
+              <a:rPr lang="en-US" dirty="0"/>
+              <a:t> </a:t>
+            </a:r>
+            <a:r>
+              <a:rPr lang="en-US" dirty="0" err="1"/>
+              <a:t>dụng</a:t>
+            </a:r>
+            <a:r>
+              <a:rPr lang="en-US" dirty="0"/>
+              <a:t>, </a:t>
+            </a:r>
+            <a:r>
+              <a:rPr lang="en-US" dirty="0" err="1"/>
+              <a:t>cấu</a:t>
+            </a:r>
+            <a:r>
+              <a:rPr lang="en-US" dirty="0"/>
+              <a:t> </a:t>
+            </a:r>
+            <a:r>
+              <a:rPr lang="en-US" dirty="0" err="1"/>
+              <a:t>hình</a:t>
+            </a:r>
+            <a:r>
+              <a:rPr lang="en-US" dirty="0"/>
+              <a:t>)</a:t>
+            </a:r>
+          </a:p>
+          <a:p>
+            <a:r>
+              <a:rPr lang="en-US" dirty="0"/>
+              <a:t>Key pair: </a:t>
+            </a:r>
+            <a:r>
+              <a:rPr lang="en-US" dirty="0" err="1"/>
+              <a:t>cặp</a:t>
+            </a:r>
+            <a:r>
+              <a:rPr lang="en-US" dirty="0"/>
+              <a:t> Public Key và Private Key </a:t>
+            </a:r>
+            <a:r>
+              <a:rPr lang="en-US" dirty="0" err="1"/>
+              <a:t>để</a:t>
+            </a:r>
+            <a:r>
+              <a:rPr lang="en-US" dirty="0"/>
+              <a:t> </a:t>
+            </a:r>
+            <a:r>
+              <a:rPr lang="en-US" dirty="0" err="1"/>
+              <a:t>kết</a:t>
+            </a:r>
+            <a:r>
+              <a:rPr lang="en-US" dirty="0"/>
+              <a:t> </a:t>
+            </a:r>
+            <a:r>
+              <a:rPr lang="en-US" dirty="0" err="1"/>
+              <a:t>nối</a:t>
+            </a:r>
+            <a:r>
+              <a:rPr lang="en-US" dirty="0"/>
+              <a:t> </a:t>
+            </a:r>
+            <a:r>
+              <a:rPr lang="en-US" dirty="0" err="1"/>
+              <a:t>giữa</a:t>
+            </a:r>
+            <a:r>
+              <a:rPr lang="en-US" dirty="0"/>
+              <a:t> </a:t>
+            </a:r>
+            <a:r>
+              <a:rPr lang="en-US" dirty="0" err="1"/>
+              <a:t>máy</a:t>
+            </a:r>
+            <a:r>
+              <a:rPr lang="en-US" dirty="0"/>
+              <a:t> </a:t>
+            </a:r>
+            <a:r>
+              <a:rPr lang="en-US" dirty="0" err="1"/>
+              <a:t>chủ</a:t>
+            </a:r>
+            <a:r>
+              <a:rPr lang="en-US" dirty="0"/>
+              <a:t> và </a:t>
+            </a:r>
+            <a:r>
+              <a:rPr lang="en-US" dirty="0" err="1"/>
+              <a:t>máy</a:t>
+            </a:r>
+            <a:r>
+              <a:rPr lang="en-US" dirty="0"/>
+              <a:t> </a:t>
+            </a:r>
+            <a:r>
+              <a:rPr lang="en-US" dirty="0" err="1"/>
+              <a:t>kết</a:t>
+            </a:r>
+            <a:r>
+              <a:rPr lang="en-US" dirty="0"/>
+              <a:t> </a:t>
+            </a:r>
+            <a:r>
+              <a:rPr lang="en-US" dirty="0" err="1"/>
+              <a:t>nối</a:t>
+            </a:r>
+            <a:r>
+              <a:rPr lang="en-US" dirty="0"/>
+              <a:t>.</a:t>
+            </a:r>
+          </a:p>
+        </p:txBody>
+      </p:sp>
+      <p:sp>
+        <p:nvSpPr>
+          <p:cNvPr id="4" name="Date Placeholder 3">
+            <a:extLst>
+              <a:ext uri="{FF2B5EF4-FFF2-40B4-BE49-F238E27FC236}">
+                <a16:creationId xmlns:a16="http://schemas.microsoft.com/office/drawing/2014/main" id="{7039AF22-3A40-26DD-6A35-A137BF536225}"/>
+              </a:ext>
+            </a:extLst>
+          </p:cNvPr>
+          <p:cNvSpPr>
+            <a:spLocks noGrp="1"/>
+          </p:cNvSpPr>
+          <p:nvPr>
+            <p:ph type="dt" sz="half" idx="10"/>
+          </p:nvPr>
+        </p:nvSpPr>
+        <p:spPr/>
+        <p:txBody>
+          <a:bodyPr/>
+          <a:lstStyle/>
+          <a:p>
+            <a:r>
+              <a:rPr lang="en-US"/>
+              <a:t>9/4/20XX</a:t>
+            </a:r>
+            <a:endParaRPr lang="en-US" dirty="0"/>
+          </a:p>
+        </p:txBody>
+      </p:sp>
+      <p:sp>
+        <p:nvSpPr>
+          <p:cNvPr id="5" name="Footer Placeholder 4">
+            <a:extLst>
+              <a:ext uri="{FF2B5EF4-FFF2-40B4-BE49-F238E27FC236}">
+                <a16:creationId xmlns:a16="http://schemas.microsoft.com/office/drawing/2014/main" id="{6E5E830B-45C7-58C6-7426-450A7AFA024B}"/>
+              </a:ext>
+            </a:extLst>
+          </p:cNvPr>
+          <p:cNvSpPr>
+            <a:spLocks noGrp="1"/>
+          </p:cNvSpPr>
+          <p:nvPr>
+            <p:ph type="ftr" sz="quarter" idx="11"/>
+          </p:nvPr>
+        </p:nvSpPr>
+        <p:spPr/>
+        <p:txBody>
+          <a:bodyPr/>
+          <a:lstStyle/>
+          <a:p>
+            <a:r>
+              <a:rPr lang="en-US"/>
+              <a:t>Presentation Title</a:t>
+            </a:r>
+            <a:endParaRPr lang="en-US" dirty="0"/>
+          </a:p>
+        </p:txBody>
+      </p:sp>
+      <p:sp>
+        <p:nvSpPr>
+          <p:cNvPr id="6" name="Slide Number Placeholder 5">
+            <a:extLst>
+              <a:ext uri="{FF2B5EF4-FFF2-40B4-BE49-F238E27FC236}">
+                <a16:creationId xmlns:a16="http://schemas.microsoft.com/office/drawing/2014/main" id="{BD25C058-5286-41C1-3635-F6EC8E5D64CD}"/>
+              </a:ext>
+            </a:extLst>
+          </p:cNvPr>
+          <p:cNvSpPr>
+            <a:spLocks noGrp="1"/>
+          </p:cNvSpPr>
+          <p:nvPr>
+            <p:ph type="sldNum" sz="quarter" idx="12"/>
+          </p:nvPr>
+        </p:nvSpPr>
+        <p:spPr/>
+        <p:txBody>
+          <a:bodyPr/>
+          <a:lstStyle/>
+          <a:p>
+            <a:fld id="{A65A5C87-DF58-40C8-B092-1DE63DB4547E}" type="slidenum">
+              <a:rPr lang="en-US" smtClean="0"/>
+              <a:t>5</a:t>
+            </a:fld>
+            <a:endParaRPr lang="en-US" dirty="0"/>
+          </a:p>
+        </p:txBody>
+      </p:sp>
+    </p:spTree>
+    <p:extLst>
+      <p:ext uri="{BB962C8B-B14F-4D97-AF65-F5344CB8AC3E}">
+        <p14:creationId xmlns:p14="http://schemas.microsoft.com/office/powerpoint/2010/main" val="2727798211"/>
+      </p:ext>
+    </p:extLst>
+  </p:cSld>
+  <p:clrMapOvr>
+    <a:masterClrMapping/>
+  </p:clrMapOvr>
+</p:sld>
+</file>
+
+<file path=ppt/slides/slide6.xml><?xml version="1.0" encoding="utf-8"?>
+<p:sld xmlns:a="http://schemas.openxmlformats.org/drawingml/2006/main" xmlns:r="http://schemas.openxmlformats.org/officeDocument/2006/relationships" xmlns:p="http://schemas.openxmlformats.org/presentationml/2006/main">
+  <p:cSld>
+    <p:spTree>
+      <p:nvGrpSpPr>
+        <p:cNvPr id="1" name=""/>
+        <p:cNvGrpSpPr/>
+        <p:nvPr/>
+      </p:nvGrpSpPr>
+      <p:grpSpPr>
+        <a:xfrm>
+          <a:off x="0" y="0"/>
+          <a:ext cx="0" cy="0"/>
+          <a:chOff x="0" y="0"/>
+          <a:chExt cx="0" cy="0"/>
+        </a:xfrm>
+      </p:grpSpPr>
+      <p:sp>
+        <p:nvSpPr>
+          <p:cNvPr id="2" name="Title 1">
+            <a:extLst>
+              <a:ext uri="{FF2B5EF4-FFF2-40B4-BE49-F238E27FC236}">
+                <a16:creationId xmlns:a16="http://schemas.microsoft.com/office/drawing/2014/main" id="{FD2473C8-09AB-EA3C-F76F-D78BB8268359}"/>
+              </a:ext>
+            </a:extLst>
+          </p:cNvPr>
+          <p:cNvSpPr>
+            <a:spLocks noGrp="1"/>
+          </p:cNvSpPr>
+          <p:nvPr>
+            <p:ph type="title"/>
+          </p:nvPr>
+        </p:nvSpPr>
+        <p:spPr/>
+        <p:txBody>
+          <a:bodyPr/>
+          <a:lstStyle/>
+          <a:p>
+            <a:r>
+              <a:rPr lang="en-US" dirty="0" err="1"/>
+              <a:t>Từ</a:t>
+            </a:r>
+            <a:r>
+              <a:rPr lang="en-US" dirty="0"/>
+              <a:t> </a:t>
+            </a:r>
+            <a:r>
+              <a:rPr lang="en-US" dirty="0" err="1"/>
+              <a:t>khóa</a:t>
+            </a:r>
+            <a:endParaRPr lang="en-US" dirty="0"/>
+          </a:p>
+        </p:txBody>
+      </p:sp>
+      <p:sp>
+        <p:nvSpPr>
+          <p:cNvPr id="3" name="Content Placeholder 2">
+            <a:extLst>
+              <a:ext uri="{FF2B5EF4-FFF2-40B4-BE49-F238E27FC236}">
+                <a16:creationId xmlns:a16="http://schemas.microsoft.com/office/drawing/2014/main" id="{0C6C812E-CCBF-9F9F-9156-EA64BC8BD6FC}"/>
+              </a:ext>
+            </a:extLst>
+          </p:cNvPr>
+          <p:cNvSpPr>
+            <a:spLocks noGrp="1"/>
+          </p:cNvSpPr>
+          <p:nvPr>
+            <p:ph idx="1"/>
+          </p:nvPr>
+        </p:nvSpPr>
+        <p:spPr/>
+        <p:txBody>
+          <a:bodyPr/>
+          <a:lstStyle/>
+          <a:p>
+            <a:r>
+              <a:rPr lang="en-US" dirty="0"/>
+              <a:t>Instance store volumes:</a:t>
+            </a:r>
+            <a:r>
+              <a:rPr lang="vi-VN" dirty="0"/>
+              <a:t>một dịch vụ lưu trữ tạm thời</a:t>
+            </a:r>
+            <a:r>
+              <a:rPr lang="en-US" dirty="0"/>
+              <a:t>; </a:t>
+            </a:r>
+            <a:r>
+              <a:rPr lang="vi-VN" dirty="0"/>
+              <a:t>được cung cấp dưới dạng ổ đĩa cứng trên các máy chủ vật lý của AWS và có tốc độ đọc/ghi rất nhanh</a:t>
+            </a:r>
+            <a:r>
+              <a:rPr lang="en-US" dirty="0"/>
+              <a:t>; </a:t>
+            </a:r>
+            <a:r>
+              <a:rPr lang="en-US" dirty="0" err="1"/>
+              <a:t>chỉ</a:t>
+            </a:r>
+            <a:r>
+              <a:rPr lang="en-US" dirty="0"/>
+              <a:t> </a:t>
+            </a:r>
+            <a:r>
+              <a:rPr lang="en-US" dirty="0" err="1"/>
+              <a:t>tồn</a:t>
+            </a:r>
+            <a:r>
+              <a:rPr lang="en-US" dirty="0"/>
+              <a:t> </a:t>
+            </a:r>
+            <a:r>
+              <a:rPr lang="en-US" dirty="0" err="1"/>
+              <a:t>tại</a:t>
+            </a:r>
+            <a:r>
+              <a:rPr lang="en-US" dirty="0"/>
+              <a:t> trên EC2 instance </a:t>
+            </a:r>
+            <a:r>
+              <a:rPr lang="en-US" dirty="0" err="1"/>
+              <a:t>trong</a:t>
+            </a:r>
+            <a:r>
+              <a:rPr lang="en-US" dirty="0"/>
+              <a:t> </a:t>
+            </a:r>
+            <a:r>
+              <a:rPr lang="en-US" dirty="0" err="1"/>
+              <a:t>thời</a:t>
+            </a:r>
+            <a:r>
+              <a:rPr lang="en-US" dirty="0"/>
+              <a:t> </a:t>
+            </a:r>
+            <a:r>
+              <a:rPr lang="en-US" dirty="0" err="1"/>
+              <a:t>gian</a:t>
+            </a:r>
+            <a:r>
+              <a:rPr lang="en-US" dirty="0"/>
+              <a:t> </a:t>
+            </a:r>
+            <a:r>
+              <a:rPr lang="en-US" dirty="0" err="1"/>
+              <a:t>tồn</a:t>
+            </a:r>
+            <a:r>
+              <a:rPr lang="en-US" dirty="0"/>
+              <a:t> </a:t>
+            </a:r>
+            <a:r>
+              <a:rPr lang="en-US" dirty="0" err="1"/>
+              <a:t>tại</a:t>
+            </a:r>
+            <a:r>
+              <a:rPr lang="en-US" dirty="0"/>
+              <a:t> </a:t>
+            </a:r>
+            <a:r>
+              <a:rPr lang="en-US" dirty="0" err="1"/>
+              <a:t>của</a:t>
+            </a:r>
+            <a:r>
+              <a:rPr lang="en-US" dirty="0"/>
+              <a:t> instance.</a:t>
+            </a:r>
+          </a:p>
+          <a:p>
+            <a:r>
+              <a:rPr lang="en-US" dirty="0"/>
+              <a:t>Amazon EBS volumes: </a:t>
+            </a:r>
+            <a:r>
+              <a:rPr lang="vi-VN" dirty="0"/>
+              <a:t>dịch vụ lưu trữ dưới dạng block của AWS</a:t>
+            </a:r>
+            <a:r>
+              <a:rPr lang="en-US" dirty="0"/>
+              <a:t>; </a:t>
+            </a:r>
+            <a:r>
+              <a:rPr lang="vi-VN" dirty="0"/>
+              <a:t>cho phép các phiên bản của bạn lưu trữ dữ liệu, ngay cả sau khi chúng chấm dứt</a:t>
+            </a:r>
+            <a:r>
+              <a:rPr lang="en-US" dirty="0"/>
+              <a:t>; </a:t>
+            </a:r>
+          </a:p>
+        </p:txBody>
+      </p:sp>
+      <p:sp>
+        <p:nvSpPr>
+          <p:cNvPr id="4" name="Date Placeholder 3">
+            <a:extLst>
+              <a:ext uri="{FF2B5EF4-FFF2-40B4-BE49-F238E27FC236}">
+                <a16:creationId xmlns:a16="http://schemas.microsoft.com/office/drawing/2014/main" id="{7039AF22-3A40-26DD-6A35-A137BF536225}"/>
+              </a:ext>
+            </a:extLst>
+          </p:cNvPr>
+          <p:cNvSpPr>
+            <a:spLocks noGrp="1"/>
+          </p:cNvSpPr>
+          <p:nvPr>
+            <p:ph type="dt" sz="half" idx="10"/>
+          </p:nvPr>
+        </p:nvSpPr>
+        <p:spPr/>
+        <p:txBody>
+          <a:bodyPr/>
+          <a:lstStyle/>
+          <a:p>
+            <a:r>
+              <a:rPr lang="en-US"/>
+              <a:t>9/4/20XX</a:t>
+            </a:r>
+            <a:endParaRPr lang="en-US" dirty="0"/>
+          </a:p>
+        </p:txBody>
+      </p:sp>
+      <p:sp>
+        <p:nvSpPr>
+          <p:cNvPr id="5" name="Footer Placeholder 4">
+            <a:extLst>
+              <a:ext uri="{FF2B5EF4-FFF2-40B4-BE49-F238E27FC236}">
+                <a16:creationId xmlns:a16="http://schemas.microsoft.com/office/drawing/2014/main" id="{6E5E830B-45C7-58C6-7426-450A7AFA024B}"/>
+              </a:ext>
+            </a:extLst>
+          </p:cNvPr>
+          <p:cNvSpPr>
+            <a:spLocks noGrp="1"/>
+          </p:cNvSpPr>
+          <p:nvPr>
+            <p:ph type="ftr" sz="quarter" idx="11"/>
+          </p:nvPr>
+        </p:nvSpPr>
+        <p:spPr/>
+        <p:txBody>
+          <a:bodyPr/>
+          <a:lstStyle/>
+          <a:p>
+            <a:r>
+              <a:rPr lang="en-US"/>
+              <a:t>Presentation Title</a:t>
+            </a:r>
+            <a:endParaRPr lang="en-US" dirty="0"/>
+          </a:p>
+        </p:txBody>
+      </p:sp>
+      <p:sp>
+        <p:nvSpPr>
+          <p:cNvPr id="6" name="Slide Number Placeholder 5">
+            <a:extLst>
+              <a:ext uri="{FF2B5EF4-FFF2-40B4-BE49-F238E27FC236}">
+                <a16:creationId xmlns:a16="http://schemas.microsoft.com/office/drawing/2014/main" id="{BD25C058-5286-41C1-3635-F6EC8E5D64CD}"/>
+              </a:ext>
+            </a:extLst>
+          </p:cNvPr>
+          <p:cNvSpPr>
+            <a:spLocks noGrp="1"/>
+          </p:cNvSpPr>
+          <p:nvPr>
+            <p:ph type="sldNum" sz="quarter" idx="12"/>
+          </p:nvPr>
+        </p:nvSpPr>
+        <p:spPr/>
+        <p:txBody>
+          <a:bodyPr/>
+          <a:lstStyle/>
+          <a:p>
+            <a:fld id="{A65A5C87-DF58-40C8-B092-1DE63DB4547E}" type="slidenum">
+              <a:rPr lang="en-US" smtClean="0"/>
+              <a:t>6</a:t>
+            </a:fld>
+            <a:endParaRPr lang="en-US" dirty="0"/>
+          </a:p>
+        </p:txBody>
+      </p:sp>
+    </p:spTree>
+    <p:extLst>
+      <p:ext uri="{BB962C8B-B14F-4D97-AF65-F5344CB8AC3E}">
+        <p14:creationId xmlns:p14="http://schemas.microsoft.com/office/powerpoint/2010/main" val="3359502752"/>
+      </p:ext>
+    </p:extLst>
+  </p:cSld>
+  <p:clrMapOvr>
+    <a:masterClrMapping/>
+  </p:clrMapOvr>
+</p:sld>
+</file>
+
+<file path=ppt/slides/slide7.xml><?xml version="1.0" encoding="utf-8"?>
+<p:sld xmlns:a="http://schemas.openxmlformats.org/drawingml/2006/main" xmlns:r="http://schemas.openxmlformats.org/officeDocument/2006/relationships" xmlns:p="http://schemas.openxmlformats.org/presentationml/2006/main">
+  <p:cSld>
+    <p:spTree>
+      <p:nvGrpSpPr>
+        <p:cNvPr id="1" name=""/>
+        <p:cNvGrpSpPr/>
+        <p:nvPr/>
+      </p:nvGrpSpPr>
+      <p:grpSpPr>
+        <a:xfrm>
+          <a:off x="0" y="0"/>
+          <a:ext cx="0" cy="0"/>
+          <a:chOff x="0" y="0"/>
+          <a:chExt cx="0" cy="0"/>
+        </a:xfrm>
+      </p:grpSpPr>
+      <p:sp>
+        <p:nvSpPr>
+          <p:cNvPr id="2" name="Title 1">
+            <a:extLst>
+              <a:ext uri="{FF2B5EF4-FFF2-40B4-BE49-F238E27FC236}">
+                <a16:creationId xmlns:a16="http://schemas.microsoft.com/office/drawing/2014/main" id="{4B7B6D8C-9436-5815-A303-43A872646B19}"/>
+              </a:ext>
+            </a:extLst>
+          </p:cNvPr>
+          <p:cNvSpPr>
+            <a:spLocks noGrp="1"/>
+          </p:cNvSpPr>
+          <p:nvPr>
+            <p:ph type="title"/>
+          </p:nvPr>
+        </p:nvSpPr>
+        <p:spPr/>
+        <p:txBody>
+          <a:bodyPr/>
+          <a:lstStyle/>
+          <a:p>
+            <a:r>
+              <a:rPr lang="en-US" dirty="0" err="1"/>
+              <a:t>Vòng</a:t>
+            </a:r>
+            <a:r>
+              <a:rPr lang="en-US" dirty="0"/>
+              <a:t> </a:t>
+            </a:r>
+            <a:r>
+              <a:rPr lang="en-US" dirty="0" err="1"/>
+              <a:t>đời</a:t>
+            </a:r>
+            <a:r>
+              <a:rPr lang="en-US" dirty="0"/>
+              <a:t> </a:t>
+            </a:r>
+            <a:r>
+              <a:rPr lang="en-US" dirty="0" err="1"/>
+              <a:t>của</a:t>
+            </a:r>
+            <a:r>
+              <a:rPr lang="en-US" dirty="0"/>
+              <a:t> một instance EC2</a:t>
+            </a:r>
+          </a:p>
+        </p:txBody>
+      </p:sp>
+      <p:sp>
+        <p:nvSpPr>
+          <p:cNvPr id="4" name="Date Placeholder 3">
+            <a:extLst>
+              <a:ext uri="{FF2B5EF4-FFF2-40B4-BE49-F238E27FC236}">
+                <a16:creationId xmlns:a16="http://schemas.microsoft.com/office/drawing/2014/main" id="{3299ABD6-1706-5B91-1716-6CB11F2C2775}"/>
+              </a:ext>
+            </a:extLst>
+          </p:cNvPr>
+          <p:cNvSpPr>
+            <a:spLocks noGrp="1"/>
+          </p:cNvSpPr>
+          <p:nvPr>
+            <p:ph type="dt" sz="half" idx="10"/>
+          </p:nvPr>
+        </p:nvSpPr>
+        <p:spPr/>
+        <p:txBody>
+          <a:bodyPr/>
+          <a:lstStyle/>
+          <a:p>
+            <a:r>
+              <a:rPr lang="en-US"/>
+              <a:t>9/4/20XX</a:t>
+            </a:r>
+            <a:endParaRPr lang="en-US" dirty="0"/>
+          </a:p>
+        </p:txBody>
+      </p:sp>
+      <p:sp>
+        <p:nvSpPr>
+          <p:cNvPr id="5" name="Footer Placeholder 4">
+            <a:extLst>
+              <a:ext uri="{FF2B5EF4-FFF2-40B4-BE49-F238E27FC236}">
+                <a16:creationId xmlns:a16="http://schemas.microsoft.com/office/drawing/2014/main" id="{9D16939E-2914-270C-345E-F2102ABF2B8C}"/>
+              </a:ext>
+            </a:extLst>
+          </p:cNvPr>
+          <p:cNvSpPr>
+            <a:spLocks noGrp="1"/>
+          </p:cNvSpPr>
+          <p:nvPr>
+            <p:ph type="ftr" sz="quarter" idx="11"/>
+          </p:nvPr>
+        </p:nvSpPr>
+        <p:spPr/>
+        <p:txBody>
+          <a:bodyPr/>
+          <a:lstStyle/>
+          <a:p>
+            <a:r>
+              <a:rPr lang="en-US"/>
+              <a:t>Presentation Title</a:t>
+            </a:r>
+            <a:endParaRPr lang="en-US" dirty="0"/>
+          </a:p>
+        </p:txBody>
+      </p:sp>
+      <p:sp>
+        <p:nvSpPr>
+          <p:cNvPr id="6" name="Slide Number Placeholder 5">
+            <a:extLst>
+              <a:ext uri="{FF2B5EF4-FFF2-40B4-BE49-F238E27FC236}">
+                <a16:creationId xmlns:a16="http://schemas.microsoft.com/office/drawing/2014/main" id="{2426060B-CF52-CDD1-2E49-5A337B685E3B}"/>
+              </a:ext>
+            </a:extLst>
+          </p:cNvPr>
+          <p:cNvSpPr>
+            <a:spLocks noGrp="1"/>
+          </p:cNvSpPr>
+          <p:nvPr>
+            <p:ph type="sldNum" sz="quarter" idx="12"/>
+          </p:nvPr>
+        </p:nvSpPr>
+        <p:spPr/>
+        <p:txBody>
+          <a:bodyPr/>
+          <a:lstStyle/>
+          <a:p>
+            <a:fld id="{A65A5C87-DF58-40C8-B092-1DE63DB4547E}" type="slidenum">
+              <a:rPr lang="en-US" smtClean="0"/>
+              <a:t>7</a:t>
+            </a:fld>
+            <a:endParaRPr lang="en-US" dirty="0"/>
+          </a:p>
+        </p:txBody>
+      </p:sp>
+      <p:pic>
+        <p:nvPicPr>
+          <p:cNvPr id="2050" name="Picture 2" descr="Instance lifecycle - Amazon Elastic Compute Cloud">
+            <a:extLst>
+              <a:ext uri="{FF2B5EF4-FFF2-40B4-BE49-F238E27FC236}">
+                <a16:creationId xmlns:a16="http://schemas.microsoft.com/office/drawing/2014/main" id="{35C896CC-0721-5C90-B729-8970CCD09B5D}"/>
+              </a:ext>
+            </a:extLst>
+          </p:cNvPr>
+          <p:cNvPicPr>
+            <a:picLocks noGrp="1" noChangeAspect="1" noChangeArrowheads="1"/>
+          </p:cNvPicPr>
+          <p:nvPr>
+            <p:ph idx="1"/>
+          </p:nvPr>
+        </p:nvPicPr>
+        <p:blipFill>
+          <a:blip r:embed="rId3">
+            <a:extLst>
+              <a:ext uri="{28A0092B-C50C-407E-A947-70E740481C1C}">
+                <a14:useLocalDpi xmlns:a14="http://schemas.microsoft.com/office/drawing/2010/main" val="0"/>
+              </a:ext>
+            </a:extLst>
+          </a:blip>
+          <a:srcRect/>
+          <a:stretch>
+            <a:fillRect/>
+          </a:stretch>
+        </p:blipFill>
+        <p:spPr bwMode="auto">
+          <a:xfrm>
+            <a:off x="2668067" y="2040161"/>
+            <a:ext cx="7063828" cy="4569966"/>
+          </a:xfrm>
+          <a:prstGeom prst="rect">
+            <a:avLst/>
+          </a:prstGeom>
+          <a:noFill/>
+          <a:extLst>
+            <a:ext uri="{909E8E84-426E-40DD-AFC4-6F175D3DCCD1}">
+              <a14:hiddenFill xmlns:a14="http://schemas.microsoft.com/office/drawing/2010/main">
+                <a:solidFill>
+                  <a:srgbClr val="FFFFFF"/>
+                </a:solidFill>
+              </a14:hiddenFill>
+            </a:ext>
+          </a:extLst>
+        </p:spPr>
+      </p:pic>
+    </p:spTree>
+    <p:extLst>
+      <p:ext uri="{BB962C8B-B14F-4D97-AF65-F5344CB8AC3E}">
+        <p14:creationId xmlns:p14="http://schemas.microsoft.com/office/powerpoint/2010/main" val="4140049818"/>
+      </p:ext>
+    </p:extLst>
+  </p:cSld>
+  <p:clrMapOvr>
+    <a:masterClrMapping/>
+  </p:clrMapOvr>
+</p:sld>
+</file>
+
 <file path=ppt/slides/slide8.xml><?xml version="1.0" encoding="utf-8"?>
 <p:sld xmlns:a="http://schemas.openxmlformats.org/drawingml/2006/main" xmlns:r="http://schemas.openxmlformats.org/officeDocument/2006/relationships" xmlns:p="http://schemas.openxmlformats.org/presentationml/2006/main">
   <p:cSld>
@@ -10966,7 +16501,7 @@
           <p:cNvPr id="2" name="Title 1">
             <a:extLst>
               <a:ext uri="{FF2B5EF4-FFF2-40B4-BE49-F238E27FC236}">
-                <a16:creationId xmlns:a16="http://schemas.microsoft.com/office/drawing/2014/main" id="{F62CE84F-8A12-CFCA-42DE-6C39A8EE7B5F}"/>
+                <a16:creationId xmlns:a16="http://schemas.microsoft.com/office/drawing/2014/main" id="{C8D30A02-6297-9063-36E9-05910CCDC7AB}"/>
               </a:ext>
             </a:extLst>
           </p:cNvPr>
@@ -10982,63 +16517,385 @@
           <a:bodyPr/>
           <a:lstStyle/>
           <a:p>
-            <a:endParaRPr lang="en-US"/>
-          </a:p>
-        </p:txBody>
-      </p:sp>
-      <p:sp>
-        <p:nvSpPr>
-          <p:cNvPr id="3" name="Content Placeholder 2">
-            <a:extLst>
-              <a:ext uri="{FF2B5EF4-FFF2-40B4-BE49-F238E27FC236}">
-                <a16:creationId xmlns:a16="http://schemas.microsoft.com/office/drawing/2014/main" id="{DD57B666-EE2C-319B-92C5-65D0CC0FE71E}"/>
-              </a:ext>
-            </a:extLst>
-          </p:cNvPr>
-          <p:cNvSpPr>
-            <a:spLocks noGrp="1"/>
-          </p:cNvSpPr>
+            <a:r>
+              <a:rPr lang="en-US" dirty="0" err="1"/>
+              <a:t>Phân</a:t>
+            </a:r>
+            <a:r>
+              <a:rPr lang="en-US" dirty="0"/>
+              <a:t> </a:t>
+            </a:r>
+            <a:r>
+              <a:rPr lang="en-US" dirty="0" err="1"/>
+              <a:t>loại</a:t>
+            </a:r>
+            <a:r>
+              <a:rPr lang="en-US" dirty="0"/>
+              <a:t> EC2 instance</a:t>
+            </a:r>
+          </a:p>
+        </p:txBody>
+      </p:sp>
+      <p:graphicFrame>
+        <p:nvGraphicFramePr>
+          <p:cNvPr id="8" name="Content Placeholder 7">
+            <a:extLst>
+              <a:ext uri="{FF2B5EF4-FFF2-40B4-BE49-F238E27FC236}">
+                <a16:creationId xmlns:a16="http://schemas.microsoft.com/office/drawing/2014/main" id="{6FBA1D3F-048E-6FB4-B33F-3401A7051DA4}"/>
+              </a:ext>
+            </a:extLst>
+          </p:cNvPr>
+          <p:cNvGraphicFramePr>
+            <a:graphicFrameLocks noGrp="1"/>
+          </p:cNvGraphicFramePr>
           <p:nvPr>
             <p:ph idx="1"/>
-          </p:nvPr>
-        </p:nvSpPr>
-        <p:spPr/>
-        <p:txBody>
-          <a:bodyPr>
-            <a:normAutofit fontScale="92500" lnSpcReduction="20000"/>
-          </a:bodyPr>
-          <a:lstStyle/>
-          <a:p>
-            <a:r>
-              <a:rPr lang="en-US" dirty="0"/>
-              <a:t>It's good to run as little as possible as a </a:t>
-            </a:r>
-            <a:r>
-              <a:rPr lang="en-US" dirty="0" err="1"/>
-              <a:t>priviliged</a:t>
-            </a:r>
-            <a:r>
-              <a:rPr lang="en-US" dirty="0"/>
-              <a:t> user, as you want to restrict the potential damage in case someone exploits your program. You don't want to run your Node code as root unless you absolutely have to.</a:t>
-            </a:r>
-          </a:p>
-          <a:p>
-            <a:endParaRPr lang="en-US" dirty="0"/>
-          </a:p>
-          <a:p>
-            <a:r>
-              <a:rPr lang="en-US" dirty="0"/>
-              <a:t>Therefore, it's better to run your Node program on an unprivileged port (say, port 8000), and instead have a lightweight web server such as Nginx listen on port 80 and simply forward traffic to your Node program.</a:t>
-            </a:r>
-          </a:p>
-        </p:txBody>
-      </p:sp>
+            <p:extLst>
+              <p:ext uri="{D42A27DB-BD31-4B8C-83A1-F6EECF244321}">
+                <p14:modId xmlns:p14="http://schemas.microsoft.com/office/powerpoint/2010/main" val="2477125598"/>
+              </p:ext>
+            </p:extLst>
+          </p:nvPr>
+        </p:nvGraphicFramePr>
+        <p:xfrm>
+          <a:off x="1116013" y="2478088"/>
+          <a:ext cx="10167936" cy="3114040"/>
+        </p:xfrm>
+        <a:graphic>
+          <a:graphicData uri="http://schemas.openxmlformats.org/drawingml/2006/table">
+            <a:tbl>
+              <a:tblPr firstRow="1" bandRow="1">
+                <a:tableStyleId>{5C22544A-7EE6-4342-B048-85BDC9FD1C3A}</a:tableStyleId>
+              </a:tblPr>
+              <a:tblGrid>
+                <a:gridCol w="2054890">
+                  <a:extLst>
+                    <a:ext uri="{9D8B030D-6E8A-4147-A177-3AD203B41FA5}">
+                      <a16:colId xmlns:a16="http://schemas.microsoft.com/office/drawing/2014/main" val="808484374"/>
+                    </a:ext>
+                  </a:extLst>
+                </a:gridCol>
+                <a:gridCol w="2743200">
+                  <a:extLst>
+                    <a:ext uri="{9D8B030D-6E8A-4147-A177-3AD203B41FA5}">
+                      <a16:colId xmlns:a16="http://schemas.microsoft.com/office/drawing/2014/main" val="1003083686"/>
+                    </a:ext>
+                  </a:extLst>
+                </a:gridCol>
+                <a:gridCol w="5369846">
+                  <a:extLst>
+                    <a:ext uri="{9D8B030D-6E8A-4147-A177-3AD203B41FA5}">
+                      <a16:colId xmlns:a16="http://schemas.microsoft.com/office/drawing/2014/main" val="109919682"/>
+                    </a:ext>
+                  </a:extLst>
+                </a:gridCol>
+              </a:tblGrid>
+              <a:tr h="370840">
+                <a:tc>
+                  <a:txBody>
+                    <a:bodyPr/>
+                    <a:lstStyle/>
+                    <a:p>
+                      <a:r>
+                        <a:rPr lang="en-US" dirty="0" err="1"/>
+                        <a:t>Loại</a:t>
+                      </a:r>
+                      <a:r>
+                        <a:rPr lang="en-US" dirty="0"/>
+                        <a:t> Instance</a:t>
+                      </a:r>
+                    </a:p>
+                  </a:txBody>
+                  <a:tcPr anchor="ctr"/>
+                </a:tc>
+                <a:tc>
+                  <a:txBody>
+                    <a:bodyPr/>
+                    <a:lstStyle/>
+                    <a:p>
+                      <a:r>
+                        <a:rPr lang="en-US"/>
+                        <a:t>Đặc điểm</a:t>
+                      </a:r>
+                    </a:p>
+                  </a:txBody>
+                  <a:tcPr anchor="ctr"/>
+                </a:tc>
+                <a:tc>
+                  <a:txBody>
+                    <a:bodyPr/>
+                    <a:lstStyle/>
+                    <a:p>
+                      <a:r>
+                        <a:rPr lang="vi-VN" dirty="0"/>
+                        <a:t>Trường hợp sử dụng</a:t>
+                      </a:r>
+                    </a:p>
+                  </a:txBody>
+                  <a:tcPr anchor="ctr"/>
+                </a:tc>
+                <a:extLst>
+                  <a:ext uri="{0D108BD9-81ED-4DB2-BD59-A6C34878D82A}">
+                    <a16:rowId xmlns:a16="http://schemas.microsoft.com/office/drawing/2014/main" val="3556692394"/>
+                  </a:ext>
+                </a:extLst>
+              </a:tr>
+              <a:tr h="370840">
+                <a:tc>
+                  <a:txBody>
+                    <a:bodyPr/>
+                    <a:lstStyle/>
+                    <a:p>
+                      <a:r>
+                        <a:rPr lang="en-US" dirty="0"/>
+                        <a:t>General Purpose (</a:t>
+                      </a:r>
+                      <a:r>
+                        <a:rPr lang="en-US" dirty="0" err="1"/>
+                        <a:t>Đa</a:t>
+                      </a:r>
+                      <a:r>
+                        <a:rPr lang="en-US" dirty="0"/>
+                        <a:t> </a:t>
+                      </a:r>
+                      <a:r>
+                        <a:rPr lang="en-US" dirty="0" err="1"/>
+                        <a:t>năng</a:t>
+                      </a:r>
+                      <a:r>
+                        <a:rPr lang="en-US" dirty="0"/>
+                        <a:t>)</a:t>
+                      </a:r>
+                    </a:p>
+                  </a:txBody>
+                  <a:tcPr anchor="ctr"/>
+                </a:tc>
+                <a:tc>
+                  <a:txBody>
+                    <a:bodyPr/>
+                    <a:lstStyle/>
+                    <a:p>
+                      <a:r>
+                        <a:rPr lang="en-US" dirty="0" err="1"/>
+                        <a:t>Cân</a:t>
+                      </a:r>
+                      <a:r>
+                        <a:rPr lang="en-US" dirty="0"/>
+                        <a:t> </a:t>
+                      </a:r>
+                      <a:r>
+                        <a:rPr lang="en-US" dirty="0" err="1"/>
+                        <a:t>bằng</a:t>
+                      </a:r>
+                      <a:r>
+                        <a:rPr lang="en-US" dirty="0"/>
+                        <a:t> </a:t>
+                      </a:r>
+                      <a:r>
+                        <a:rPr lang="en-US" dirty="0" err="1"/>
+                        <a:t>giữa</a:t>
+                      </a:r>
+                      <a:r>
+                        <a:rPr lang="en-US" dirty="0"/>
+                        <a:t> </a:t>
+                      </a:r>
+                      <a:r>
+                        <a:rPr lang="en-US" dirty="0" err="1"/>
+                        <a:t>tính</a:t>
+                      </a:r>
+                      <a:r>
+                        <a:rPr lang="en-US" dirty="0"/>
+                        <a:t> </a:t>
+                      </a:r>
+                      <a:r>
+                        <a:rPr lang="en-US" dirty="0" err="1"/>
+                        <a:t>toán</a:t>
+                      </a:r>
+                      <a:r>
+                        <a:rPr lang="en-US" dirty="0"/>
+                        <a:t>, </a:t>
+                      </a:r>
+                      <a:r>
+                        <a:rPr lang="en-US" dirty="0" err="1"/>
+                        <a:t>bộ</a:t>
+                      </a:r>
+                      <a:r>
+                        <a:rPr lang="en-US" dirty="0"/>
+                        <a:t> </a:t>
+                      </a:r>
+                      <a:r>
+                        <a:rPr lang="en-US" dirty="0" err="1"/>
+                        <a:t>nhớ</a:t>
+                      </a:r>
+                      <a:r>
+                        <a:rPr lang="en-US" dirty="0"/>
+                        <a:t> và </a:t>
+                      </a:r>
+                      <a:r>
+                        <a:rPr lang="en-US" dirty="0" err="1"/>
+                        <a:t>mạng</a:t>
+                      </a:r>
+                      <a:r>
+                        <a:rPr lang="en-US" dirty="0"/>
+                        <a:t>.</a:t>
+                      </a:r>
+                    </a:p>
+                  </a:txBody>
+                  <a:tcPr anchor="ctr"/>
+                </a:tc>
+                <a:tc>
+                  <a:txBody>
+                    <a:bodyPr/>
+                    <a:lstStyle/>
+                    <a:p>
+                      <a:r>
+                        <a:rPr lang="vi-VN" dirty="0"/>
+                        <a:t>Máy chủ web và ứng dụng, môi trường phát triển và thử nghiệm, code repository, hệ thống CRM nhỏ</a:t>
+                      </a:r>
+                    </a:p>
+                  </a:txBody>
+                  <a:tcPr anchor="ctr"/>
+                </a:tc>
+                <a:extLst>
+                  <a:ext uri="{0D108BD9-81ED-4DB2-BD59-A6C34878D82A}">
+                    <a16:rowId xmlns:a16="http://schemas.microsoft.com/office/drawing/2014/main" val="3723085329"/>
+                  </a:ext>
+                </a:extLst>
+              </a:tr>
+              <a:tr h="370840">
+                <a:tc>
+                  <a:txBody>
+                    <a:bodyPr/>
+                    <a:lstStyle/>
+                    <a:p>
+                      <a:r>
+                        <a:rPr lang="vi-VN" dirty="0"/>
+                        <a:t>Compute Optimized (Tối ưu tính toán)</a:t>
+                      </a:r>
+                    </a:p>
+                  </a:txBody>
+                  <a:tcPr anchor="ctr"/>
+                </a:tc>
+                <a:tc>
+                  <a:txBody>
+                    <a:bodyPr/>
+                    <a:lstStyle/>
+                    <a:p>
+                      <a:r>
+                        <a:rPr lang="en-US"/>
+                        <a:t>Hiệu năng tính toán cao (CPU), tỷ lệ CPU/bộ nhớ lớn.</a:t>
+                      </a:r>
+                    </a:p>
+                  </a:txBody>
+                  <a:tcPr anchor="ctr"/>
+                </a:tc>
+                <a:tc>
+                  <a:txBody>
+                    <a:bodyPr/>
+                    <a:lstStyle/>
+                    <a:p>
+                      <a:r>
+                        <a:rPr lang="vi-VN" dirty="0"/>
+                        <a:t>Xử lý hàng loạt, phân tích dữ liệu, máy chủ ứng dụng có quy mô lớn, tính toán hiệu năng cao (HPC)</a:t>
+                      </a:r>
+                    </a:p>
+                  </a:txBody>
+                  <a:tcPr anchor="ctr"/>
+                </a:tc>
+                <a:extLst>
+                  <a:ext uri="{0D108BD9-81ED-4DB2-BD59-A6C34878D82A}">
+                    <a16:rowId xmlns:a16="http://schemas.microsoft.com/office/drawing/2014/main" val="4190925243"/>
+                  </a:ext>
+                </a:extLst>
+              </a:tr>
+              <a:tr h="370840">
+                <a:tc>
+                  <a:txBody>
+                    <a:bodyPr/>
+                    <a:lstStyle/>
+                    <a:p>
+                      <a:r>
+                        <a:rPr lang="en-US" dirty="0"/>
+                        <a:t>Memory Optimized (</a:t>
+                      </a:r>
+                      <a:r>
+                        <a:rPr lang="en-US" dirty="0" err="1"/>
+                        <a:t>Tối</a:t>
+                      </a:r>
+                      <a:r>
+                        <a:rPr lang="en-US" dirty="0"/>
+                        <a:t> </a:t>
+                      </a:r>
+                      <a:r>
+                        <a:rPr lang="en-US" dirty="0" err="1"/>
+                        <a:t>ưu</a:t>
+                      </a:r>
+                      <a:r>
+                        <a:rPr lang="en-US" dirty="0"/>
+                        <a:t> </a:t>
+                      </a:r>
+                      <a:r>
+                        <a:rPr lang="en-US" dirty="0" err="1"/>
+                        <a:t>bộ</a:t>
+                      </a:r>
+                      <a:r>
+                        <a:rPr lang="en-US" dirty="0"/>
+                        <a:t> </a:t>
+                      </a:r>
+                      <a:r>
+                        <a:rPr lang="en-US" dirty="0" err="1"/>
+                        <a:t>nhớ</a:t>
+                      </a:r>
+                      <a:r>
+                        <a:rPr lang="en-US" dirty="0"/>
+                        <a:t>)</a:t>
+                      </a:r>
+                    </a:p>
+                  </a:txBody>
+                  <a:tcPr anchor="ctr"/>
+                </a:tc>
+                <a:tc>
+                  <a:txBody>
+                    <a:bodyPr/>
+                    <a:lstStyle/>
+                    <a:p>
+                      <a:r>
+                        <a:rPr lang="vi-VN"/>
+                        <a:t>Dung lượng bộ nhớ lớn, tỷ lệ bộ nhớ/CPU cao.</a:t>
+                      </a:r>
+                    </a:p>
+                  </a:txBody>
+                  <a:tcPr anchor="ctr"/>
+                </a:tc>
+                <a:tc>
+                  <a:txBody>
+                    <a:bodyPr/>
+                    <a:lstStyle/>
+                    <a:p>
+                      <a:r>
+                        <a:rPr lang="vi-VN" dirty="0"/>
+                        <a:t>Cơ sở dữ liệu trong bộ nhớ (như Redis, Memcached), phân tích dữ liệu lớn trong bộ nhớ</a:t>
+                      </a:r>
+                    </a:p>
+                  </a:txBody>
+                  <a:tcPr anchor="ctr"/>
+                </a:tc>
+                <a:extLst>
+                  <a:ext uri="{0D108BD9-81ED-4DB2-BD59-A6C34878D82A}">
+                    <a16:rowId xmlns:a16="http://schemas.microsoft.com/office/drawing/2014/main" val="1163038167"/>
+                  </a:ext>
+                </a:extLst>
+              </a:tr>
+            </a:tbl>
+          </a:graphicData>
+        </a:graphic>
+      </p:graphicFrame>
       <p:sp>
         <p:nvSpPr>
           <p:cNvPr id="4" name="Date Placeholder 3">
             <a:extLst>
               <a:ext uri="{FF2B5EF4-FFF2-40B4-BE49-F238E27FC236}">
-                <a16:creationId xmlns:a16="http://schemas.microsoft.com/office/drawing/2014/main" id="{7A2526BD-EBD5-39AF-8A40-2488B52E99F9}"/>
+                <a16:creationId xmlns:a16="http://schemas.microsoft.com/office/drawing/2014/main" id="{15338324-51EC-B875-DD2A-0EF0D1EE8C34}"/>
               </a:ext>
             </a:extLst>
           </p:cNvPr>
@@ -11067,7 +16924,7 @@
           <p:cNvPr id="5" name="Footer Placeholder 4">
             <a:extLst>
               <a:ext uri="{FF2B5EF4-FFF2-40B4-BE49-F238E27FC236}">
-                <a16:creationId xmlns:a16="http://schemas.microsoft.com/office/drawing/2014/main" id="{FB947663-CCDA-C7B5-372A-6CD3008F5099}"/>
+                <a16:creationId xmlns:a16="http://schemas.microsoft.com/office/drawing/2014/main" id="{59817AB7-BF02-5865-FADD-99F8D5DA86AC}"/>
               </a:ext>
             </a:extLst>
           </p:cNvPr>
@@ -11096,7 +16953,7 @@
           <p:cNvPr id="6" name="Slide Number Placeholder 5">
             <a:extLst>
               <a:ext uri="{FF2B5EF4-FFF2-40B4-BE49-F238E27FC236}">
-                <a16:creationId xmlns:a16="http://schemas.microsoft.com/office/drawing/2014/main" id="{A2071C22-319F-5EE7-7661-DE5A81C1F5CA}"/>
+                <a16:creationId xmlns:a16="http://schemas.microsoft.com/office/drawing/2014/main" id="{A15545FC-3E9E-98B3-79FB-3EB152F01E34}"/>
               </a:ext>
             </a:extLst>
           </p:cNvPr>
@@ -11123,7 +16980,7 @@
     </p:spTree>
     <p:extLst>
       <p:ext uri="{BB962C8B-B14F-4D97-AF65-F5344CB8AC3E}">
-        <p14:creationId xmlns:p14="http://schemas.microsoft.com/office/powerpoint/2010/main" val="3634515448"/>
+        <p14:creationId xmlns:p14="http://schemas.microsoft.com/office/powerpoint/2010/main" val="1606915618"/>
       </p:ext>
     </p:extLst>
   </p:cSld>
@@ -11155,7 +17012,7 @@
           <p:cNvPr id="2" name="Title 1">
             <a:extLst>
               <a:ext uri="{FF2B5EF4-FFF2-40B4-BE49-F238E27FC236}">
-                <a16:creationId xmlns:a16="http://schemas.microsoft.com/office/drawing/2014/main" id="{CBBD82ED-9220-188C-EC64-5E2A05061E39}"/>
+                <a16:creationId xmlns:a16="http://schemas.microsoft.com/office/drawing/2014/main" id="{C8D30A02-6297-9063-36E9-05910CCDC7AB}"/>
               </a:ext>
             </a:extLst>
           </p:cNvPr>
@@ -11172,26 +17029,389 @@
           <a:lstStyle/>
           <a:p>
             <a:r>
-              <a:rPr lang="en-US" dirty="0"/>
-              <a:t>Command: install nginx</a:t>
-            </a:r>
-          </a:p>
-        </p:txBody>
-      </p:sp>
-      <p:sp>
-        <p:nvSpPr>
-          <p:cNvPr id="3" name="Content Placeholder 2">
-            <a:extLst>
-              <a:ext uri="{FF2B5EF4-FFF2-40B4-BE49-F238E27FC236}">
-                <a16:creationId xmlns:a16="http://schemas.microsoft.com/office/drawing/2014/main" id="{BA2D54E1-BEBE-1B4D-487F-24E4D00D17C4}"/>
-              </a:ext>
-            </a:extLst>
-          </p:cNvPr>
-          <p:cNvSpPr>
-            <a:spLocks noGrp="1"/>
-          </p:cNvSpPr>
+              <a:rPr lang="en-US" dirty="0" err="1"/>
+              <a:t>Phân</a:t>
+            </a:r>
+            <a:r>
+              <a:rPr lang="en-US" dirty="0"/>
+              <a:t> </a:t>
+            </a:r>
+            <a:r>
+              <a:rPr lang="en-US" dirty="0" err="1"/>
+              <a:t>loại</a:t>
+            </a:r>
+            <a:r>
+              <a:rPr lang="en-US" dirty="0"/>
+              <a:t> EC2 instance</a:t>
+            </a:r>
+          </a:p>
+        </p:txBody>
+      </p:sp>
+      <p:graphicFrame>
+        <p:nvGraphicFramePr>
+          <p:cNvPr id="8" name="Content Placeholder 7">
+            <a:extLst>
+              <a:ext uri="{FF2B5EF4-FFF2-40B4-BE49-F238E27FC236}">
+                <a16:creationId xmlns:a16="http://schemas.microsoft.com/office/drawing/2014/main" id="{6FBA1D3F-048E-6FB4-B33F-3401A7051DA4}"/>
+              </a:ext>
+            </a:extLst>
+          </p:cNvPr>
+          <p:cNvGraphicFramePr>
+            <a:graphicFrameLocks noGrp="1"/>
+          </p:cNvGraphicFramePr>
           <p:nvPr>
             <p:ph idx="1"/>
+            <p:extLst>
+              <p:ext uri="{D42A27DB-BD31-4B8C-83A1-F6EECF244321}">
+                <p14:modId xmlns:p14="http://schemas.microsoft.com/office/powerpoint/2010/main" val="1948732501"/>
+              </p:ext>
+            </p:extLst>
+          </p:nvPr>
+        </p:nvGraphicFramePr>
+        <p:xfrm>
+          <a:off x="1116013" y="2478088"/>
+          <a:ext cx="10167936" cy="3662680"/>
+        </p:xfrm>
+        <a:graphic>
+          <a:graphicData uri="http://schemas.openxmlformats.org/drawingml/2006/table">
+            <a:tbl>
+              <a:tblPr firstRow="1" bandRow="1">
+                <a:tableStyleId>{5C22544A-7EE6-4342-B048-85BDC9FD1C3A}</a:tableStyleId>
+              </a:tblPr>
+              <a:tblGrid>
+                <a:gridCol w="2054890">
+                  <a:extLst>
+                    <a:ext uri="{9D8B030D-6E8A-4147-A177-3AD203B41FA5}">
+                      <a16:colId xmlns:a16="http://schemas.microsoft.com/office/drawing/2014/main" val="808484374"/>
+                    </a:ext>
+                  </a:extLst>
+                </a:gridCol>
+                <a:gridCol w="2743200">
+                  <a:extLst>
+                    <a:ext uri="{9D8B030D-6E8A-4147-A177-3AD203B41FA5}">
+                      <a16:colId xmlns:a16="http://schemas.microsoft.com/office/drawing/2014/main" val="1003083686"/>
+                    </a:ext>
+                  </a:extLst>
+                </a:gridCol>
+                <a:gridCol w="5369846">
+                  <a:extLst>
+                    <a:ext uri="{9D8B030D-6E8A-4147-A177-3AD203B41FA5}">
+                      <a16:colId xmlns:a16="http://schemas.microsoft.com/office/drawing/2014/main" val="109919682"/>
+                    </a:ext>
+                  </a:extLst>
+                </a:gridCol>
+              </a:tblGrid>
+              <a:tr h="370840">
+                <a:tc>
+                  <a:txBody>
+                    <a:bodyPr/>
+                    <a:lstStyle/>
+                    <a:p>
+                      <a:r>
+                        <a:rPr lang="en-US" dirty="0" err="1"/>
+                        <a:t>Loại</a:t>
+                      </a:r>
+                      <a:r>
+                        <a:rPr lang="en-US" dirty="0"/>
+                        <a:t> Instance</a:t>
+                      </a:r>
+                    </a:p>
+                  </a:txBody>
+                  <a:tcPr anchor="ctr"/>
+                </a:tc>
+                <a:tc>
+                  <a:txBody>
+                    <a:bodyPr/>
+                    <a:lstStyle/>
+                    <a:p>
+                      <a:r>
+                        <a:rPr lang="en-US"/>
+                        <a:t>Đặc điểm</a:t>
+                      </a:r>
+                    </a:p>
+                  </a:txBody>
+                  <a:tcPr anchor="ctr"/>
+                </a:tc>
+                <a:tc>
+                  <a:txBody>
+                    <a:bodyPr/>
+                    <a:lstStyle/>
+                    <a:p>
+                      <a:r>
+                        <a:rPr lang="vi-VN" dirty="0"/>
+                        <a:t>Trường hợp sử dụng</a:t>
+                      </a:r>
+                    </a:p>
+                  </a:txBody>
+                  <a:tcPr anchor="ctr"/>
+                </a:tc>
+                <a:extLst>
+                  <a:ext uri="{0D108BD9-81ED-4DB2-BD59-A6C34878D82A}">
+                    <a16:rowId xmlns:a16="http://schemas.microsoft.com/office/drawing/2014/main" val="3556692394"/>
+                  </a:ext>
+                </a:extLst>
+              </a:tr>
+              <a:tr h="370840">
+                <a:tc>
+                  <a:txBody>
+                    <a:bodyPr/>
+                    <a:lstStyle/>
+                    <a:p>
+                      <a:r>
+                        <a:rPr lang="en-US" dirty="0"/>
+                        <a:t>Accelerated Computing (</a:t>
+                      </a:r>
+                      <a:r>
+                        <a:rPr lang="en-US" dirty="0" err="1"/>
+                        <a:t>Tính</a:t>
+                      </a:r>
+                      <a:r>
+                        <a:rPr lang="en-US" dirty="0"/>
+                        <a:t> </a:t>
+                      </a:r>
+                      <a:r>
+                        <a:rPr lang="en-US" dirty="0" err="1"/>
+                        <a:t>toán</a:t>
+                      </a:r>
+                      <a:r>
+                        <a:rPr lang="en-US" dirty="0"/>
+                        <a:t> </a:t>
+                      </a:r>
+                      <a:r>
+                        <a:rPr lang="en-US" dirty="0" err="1"/>
+                        <a:t>tăng</a:t>
+                      </a:r>
+                      <a:r>
+                        <a:rPr lang="en-US" dirty="0"/>
+                        <a:t> </a:t>
+                      </a:r>
+                      <a:r>
+                        <a:rPr lang="en-US" dirty="0" err="1"/>
+                        <a:t>tốc</a:t>
+                      </a:r>
+                      <a:r>
+                        <a:rPr lang="en-US" dirty="0"/>
+                        <a:t>)</a:t>
+                      </a:r>
+                    </a:p>
+                  </a:txBody>
+                  <a:tcPr anchor="ctr"/>
+                </a:tc>
+                <a:tc>
+                  <a:txBody>
+                    <a:bodyPr/>
+                    <a:lstStyle/>
+                    <a:p>
+                      <a:r>
+                        <a:rPr lang="en-US"/>
+                        <a:t>Sử dụng phần cứng tăng tốc (GPU, FPGA, AWS Inferentia).</a:t>
+                      </a:r>
+                    </a:p>
+                  </a:txBody>
+                  <a:tcPr anchor="ctr"/>
+                </a:tc>
+                <a:tc>
+                  <a:txBody>
+                    <a:bodyPr/>
+                    <a:lstStyle/>
+                    <a:p>
+                      <a:r>
+                        <a:rPr lang="vi-VN" dirty="0"/>
+                        <a:t>Học máy (machine learning), học sâu (deep learning), phân tích dữ liệu thời gian thực, xử lý ngôn ngữ tự nhiên (NLP), ứng dụng đồ họa 3D,</a:t>
+                      </a:r>
+                    </a:p>
+                  </a:txBody>
+                  <a:tcPr anchor="ctr"/>
+                </a:tc>
+                <a:extLst>
+                  <a:ext uri="{0D108BD9-81ED-4DB2-BD59-A6C34878D82A}">
+                    <a16:rowId xmlns:a16="http://schemas.microsoft.com/office/drawing/2014/main" val="3723085329"/>
+                  </a:ext>
+                </a:extLst>
+              </a:tr>
+              <a:tr h="370840">
+                <a:tc>
+                  <a:txBody>
+                    <a:bodyPr/>
+                    <a:lstStyle/>
+                    <a:p>
+                      <a:r>
+                        <a:rPr lang="vi-VN" dirty="0"/>
+                        <a:t>Storage Optimized (Tối ưu lưu trữ)</a:t>
+                      </a:r>
+                    </a:p>
+                  </a:txBody>
+                  <a:tcPr anchor="ctr"/>
+                </a:tc>
+                <a:tc>
+                  <a:txBody>
+                    <a:bodyPr/>
+                    <a:lstStyle/>
+                    <a:p>
+                      <a:r>
+                        <a:rPr lang="vi-VN"/>
+                        <a:t>Hiệu năng I/O cao, dung lượng lưu trữ lớn.</a:t>
+                      </a:r>
+                    </a:p>
+                  </a:txBody>
+                  <a:tcPr anchor="ctr"/>
+                </a:tc>
+                <a:tc>
+                  <a:txBody>
+                    <a:bodyPr/>
+                    <a:lstStyle/>
+                    <a:p>
+                      <a:r>
+                        <a:rPr lang="vi-VN" dirty="0"/>
+                        <a:t>Cơ sở dữ liệu NoSQL, hệ thống tập tin phân tán, kho dữ liệu (data warehousing), ứng dụng ghi nhật ký (log processing),</a:t>
+                      </a:r>
+                    </a:p>
+                  </a:txBody>
+                  <a:tcPr anchor="ctr"/>
+                </a:tc>
+                <a:extLst>
+                  <a:ext uri="{0D108BD9-81ED-4DB2-BD59-A6C34878D82A}">
+                    <a16:rowId xmlns:a16="http://schemas.microsoft.com/office/drawing/2014/main" val="4190925243"/>
+                  </a:ext>
+                </a:extLst>
+              </a:tr>
+              <a:tr h="370840">
+                <a:tc>
+                  <a:txBody>
+                    <a:bodyPr/>
+                    <a:lstStyle/>
+                    <a:p>
+                      <a:r>
+                        <a:rPr lang="en-US" dirty="0" err="1"/>
+                        <a:t>Khác</a:t>
+                      </a:r>
+                      <a:endParaRPr lang="en-US" dirty="0"/>
+                    </a:p>
+                  </a:txBody>
+                  <a:tcPr anchor="ctr"/>
+                </a:tc>
+                <a:tc>
+                  <a:txBody>
+                    <a:bodyPr/>
+                    <a:lstStyle/>
+                    <a:p>
+                      <a:r>
+                        <a:rPr lang="vi-VN"/>
+                        <a:t>T2/T3: Giá rẻ, khối lượng công việc nhỏ và vừa, nhu cầu CPU thấp. Mac: Chạy macOS, phát triển iOS và macOS.</a:t>
+                      </a:r>
+                    </a:p>
+                  </a:txBody>
+                  <a:tcPr anchor="ctr"/>
+                </a:tc>
+                <a:tc>
+                  <a:txBody>
+                    <a:bodyPr/>
+                    <a:lstStyle/>
+                    <a:p>
+                      <a:r>
+                        <a:rPr lang="en-US" dirty="0"/>
+                        <a:t>T2/T3: </a:t>
+                      </a:r>
+                      <a:r>
+                        <a:rPr lang="en-US" dirty="0" err="1"/>
+                        <a:t>Máy</a:t>
+                      </a:r>
+                      <a:r>
+                        <a:rPr lang="en-US" dirty="0"/>
+                        <a:t> </a:t>
+                      </a:r>
+                      <a:r>
+                        <a:rPr lang="en-US" dirty="0" err="1"/>
+                        <a:t>chủ</a:t>
+                      </a:r>
+                      <a:r>
+                        <a:rPr lang="en-US" dirty="0"/>
+                        <a:t> web </a:t>
+                      </a:r>
+                      <a:r>
+                        <a:rPr lang="en-US" dirty="0" err="1"/>
+                        <a:t>nhỏ</a:t>
+                      </a:r>
+                      <a:r>
+                        <a:rPr lang="en-US" dirty="0"/>
+                        <a:t>, blog, microservices. Mac: </a:t>
+                      </a:r>
+                      <a:r>
+                        <a:rPr lang="en-US" dirty="0" err="1"/>
+                        <a:t>Xây</a:t>
+                      </a:r>
+                      <a:r>
+                        <a:rPr lang="en-US" dirty="0"/>
+                        <a:t> </a:t>
+                      </a:r>
+                      <a:r>
+                        <a:rPr lang="en-US" dirty="0" err="1"/>
+                        <a:t>dựng</a:t>
+                      </a:r>
+                      <a:r>
+                        <a:rPr lang="en-US" dirty="0"/>
+                        <a:t> và </a:t>
+                      </a:r>
+                      <a:r>
+                        <a:rPr lang="en-US" dirty="0" err="1"/>
+                        <a:t>thử</a:t>
+                      </a:r>
+                      <a:r>
+                        <a:rPr lang="en-US" dirty="0"/>
+                        <a:t> </a:t>
+                      </a:r>
+                      <a:r>
+                        <a:rPr lang="en-US" dirty="0" err="1"/>
+                        <a:t>nghiệm</a:t>
+                      </a:r>
+                      <a:r>
+                        <a:rPr lang="en-US" dirty="0"/>
+                        <a:t> </a:t>
+                      </a:r>
+                      <a:r>
+                        <a:rPr lang="en-US" dirty="0" err="1"/>
+                        <a:t>ứng</a:t>
+                      </a:r>
+                      <a:r>
+                        <a:rPr lang="en-US" dirty="0"/>
+                        <a:t> </a:t>
+                      </a:r>
+                      <a:r>
+                        <a:rPr lang="en-US" dirty="0" err="1"/>
+                        <a:t>dụng</a:t>
+                      </a:r>
+                      <a:r>
+                        <a:rPr lang="en-US" dirty="0"/>
+                        <a:t> iOS,</a:t>
+                      </a:r>
+                    </a:p>
+                  </a:txBody>
+                  <a:tcPr anchor="ctr"/>
+                </a:tc>
+                <a:extLst>
+                  <a:ext uri="{0D108BD9-81ED-4DB2-BD59-A6C34878D82A}">
+                    <a16:rowId xmlns:a16="http://schemas.microsoft.com/office/drawing/2014/main" val="1163038167"/>
+                  </a:ext>
+                </a:extLst>
+              </a:tr>
+            </a:tbl>
+          </a:graphicData>
+        </a:graphic>
+      </p:graphicFrame>
+      <p:sp>
+        <p:nvSpPr>
+          <p:cNvPr id="4" name="Date Placeholder 3">
+            <a:extLst>
+              <a:ext uri="{FF2B5EF4-FFF2-40B4-BE49-F238E27FC236}">
+                <a16:creationId xmlns:a16="http://schemas.microsoft.com/office/drawing/2014/main" id="{15338324-51EC-B875-DD2A-0EF0D1EE8C34}"/>
+              </a:ext>
+            </a:extLst>
+          </p:cNvPr>
+          <p:cNvSpPr>
+            <a:spLocks noGrp="1"/>
+          </p:cNvSpPr>
+          <p:nvPr>
+            <p:ph type="dt" sz="half" idx="10"/>
           </p:nvPr>
         </p:nvSpPr>
         <p:spPr/>
@@ -11200,121 +17420,27 @@
           <a:lstStyle/>
           <a:p>
             <a:r>
-              <a:rPr lang="es-ES" dirty="0"/>
-              <a:t>sudo </a:t>
-            </a:r>
-            <a:r>
-              <a:rPr lang="es-ES" dirty="0" err="1"/>
-              <a:t>yum</a:t>
-            </a:r>
-            <a:r>
-              <a:rPr lang="es-ES" dirty="0"/>
-              <a:t> </a:t>
-            </a:r>
-            <a:r>
-              <a:rPr lang="es-ES" dirty="0" err="1"/>
-              <a:t>install</a:t>
-            </a:r>
-            <a:r>
-              <a:rPr lang="es-ES" dirty="0"/>
-              <a:t> </a:t>
-            </a:r>
-            <a:r>
-              <a:rPr lang="es-ES" dirty="0" err="1"/>
-              <a:t>nginx</a:t>
-            </a:r>
-            <a:r>
-              <a:rPr lang="es-ES" dirty="0"/>
-              <a:t> –y</a:t>
-            </a:r>
-          </a:p>
-          <a:p>
-            <a:r>
-              <a:rPr lang="en-US" dirty="0"/>
-              <a:t> nginx –v</a:t>
-            </a:r>
-          </a:p>
-          <a:p>
-            <a:r>
-              <a:rPr lang="en-US" dirty="0"/>
-              <a:t>service nginx status</a:t>
-            </a:r>
-          </a:p>
-          <a:p>
-            <a:r>
-              <a:rPr lang="en-US" dirty="0" err="1"/>
-              <a:t>sudo</a:t>
-            </a:r>
-            <a:r>
-              <a:rPr lang="en-US" dirty="0"/>
-              <a:t> nano /</a:t>
-            </a:r>
-            <a:r>
-              <a:rPr lang="en-US" dirty="0" err="1"/>
-              <a:t>etc</a:t>
-            </a:r>
-            <a:r>
-              <a:rPr lang="en-US" dirty="0"/>
-              <a:t>/nginx/</a:t>
-            </a:r>
-            <a:r>
-              <a:rPr lang="en-US" dirty="0" err="1"/>
-              <a:t>conf.d</a:t>
-            </a:r>
-            <a:r>
-              <a:rPr lang="en-US" dirty="0"/>
-              <a:t>/</a:t>
-            </a:r>
-            <a:r>
-              <a:rPr lang="en-US" dirty="0" err="1"/>
-              <a:t>nextjs-app.conf</a:t>
+              <a:rPr lang="en-US"/>
+              <a:t>9/4/20XX</a:t>
             </a:r>
             <a:endParaRPr lang="en-US" dirty="0"/>
           </a:p>
-          <a:p>
-            <a:r>
-              <a:rPr lang="en-US" dirty="0" err="1"/>
-              <a:t>sudo</a:t>
-            </a:r>
-            <a:r>
-              <a:rPr lang="en-US" dirty="0"/>
-              <a:t> nginx –t</a:t>
-            </a:r>
-          </a:p>
-          <a:p>
-            <a:r>
-              <a:rPr lang="en-US" dirty="0" err="1"/>
-              <a:t>sudo</a:t>
-            </a:r>
-            <a:r>
-              <a:rPr lang="en-US" dirty="0"/>
-              <a:t> </a:t>
-            </a:r>
-            <a:r>
-              <a:rPr lang="en-US" dirty="0" err="1"/>
-              <a:t>systemctl</a:t>
-            </a:r>
-            <a:r>
-              <a:rPr lang="en-US" dirty="0"/>
-              <a:t> restart nginx</a:t>
-            </a:r>
-          </a:p>
-        </p:txBody>
-      </p:sp>
-      <p:sp>
-        <p:nvSpPr>
-          <p:cNvPr id="4" name="Date Placeholder 3">
-            <a:extLst>
-              <a:ext uri="{FF2B5EF4-FFF2-40B4-BE49-F238E27FC236}">
-                <a16:creationId xmlns:a16="http://schemas.microsoft.com/office/drawing/2014/main" id="{E9AF442D-F12F-8249-B888-A2D53D681E5B}"/>
-              </a:ext>
-            </a:extLst>
-          </p:cNvPr>
-          <p:cNvSpPr>
-            <a:spLocks noGrp="1"/>
-          </p:cNvSpPr>
-          <p:nvPr>
-            <p:ph type="dt" sz="half" idx="10"/>
+        </p:txBody>
+      </p:sp>
+      <p:sp>
+        <p:nvSpPr>
+          <p:cNvPr id="5" name="Footer Placeholder 4">
+            <a:extLst>
+              <a:ext uri="{FF2B5EF4-FFF2-40B4-BE49-F238E27FC236}">
+                <a16:creationId xmlns:a16="http://schemas.microsoft.com/office/drawing/2014/main" id="{59817AB7-BF02-5865-FADD-99F8D5DA86AC}"/>
+              </a:ext>
+            </a:extLst>
+          </p:cNvPr>
+          <p:cNvSpPr>
+            <a:spLocks noGrp="1"/>
+          </p:cNvSpPr>
+          <p:nvPr>
+            <p:ph type="ftr" sz="quarter" idx="11"/>
           </p:nvPr>
         </p:nvSpPr>
         <p:spPr/>
@@ -11324,7 +17450,7 @@
           <a:p>
             <a:r>
               <a:rPr lang="en-US"/>
-              <a:t>9/4/20XX</a:t>
+              <a:t>Presentation Title</a:t>
             </a:r>
             <a:endParaRPr lang="en-US" dirty="0"/>
           </a:p>
@@ -11332,39 +17458,10 @@
       </p:sp>
       <p:sp>
         <p:nvSpPr>
-          <p:cNvPr id="5" name="Footer Placeholder 4">
-            <a:extLst>
-              <a:ext uri="{FF2B5EF4-FFF2-40B4-BE49-F238E27FC236}">
-                <a16:creationId xmlns:a16="http://schemas.microsoft.com/office/drawing/2014/main" id="{4A180EED-EEFE-BEB9-1104-8F84A26316D0}"/>
-              </a:ext>
-            </a:extLst>
-          </p:cNvPr>
-          <p:cNvSpPr>
-            <a:spLocks noGrp="1"/>
-          </p:cNvSpPr>
-          <p:nvPr>
-            <p:ph type="ftr" sz="quarter" idx="11"/>
-          </p:nvPr>
-        </p:nvSpPr>
-        <p:spPr/>
-        <p:txBody>
-          <a:bodyPr/>
-          <a:lstStyle/>
-          <a:p>
-            <a:r>
-              <a:rPr lang="en-US"/>
-              <a:t>Presentation Title</a:t>
-            </a:r>
-            <a:endParaRPr lang="en-US" dirty="0"/>
-          </a:p>
-        </p:txBody>
-      </p:sp>
-      <p:sp>
-        <p:nvSpPr>
           <p:cNvPr id="6" name="Slide Number Placeholder 5">
             <a:extLst>
               <a:ext uri="{FF2B5EF4-FFF2-40B4-BE49-F238E27FC236}">
-                <a16:creationId xmlns:a16="http://schemas.microsoft.com/office/drawing/2014/main" id="{4CCB44DF-0A91-7501-0B1D-08E8842AA8CD}"/>
+                <a16:creationId xmlns:a16="http://schemas.microsoft.com/office/drawing/2014/main" id="{A15545FC-3E9E-98B3-79FB-3EB152F01E34}"/>
               </a:ext>
             </a:extLst>
           </p:cNvPr>
@@ -11391,7 +17488,7 @@
     </p:spTree>
     <p:extLst>
       <p:ext uri="{BB962C8B-B14F-4D97-AF65-F5344CB8AC3E}">
-        <p14:creationId xmlns:p14="http://schemas.microsoft.com/office/powerpoint/2010/main" val="3295742310"/>
+        <p14:creationId xmlns:p14="http://schemas.microsoft.com/office/powerpoint/2010/main" val="3624577949"/>
       </p:ext>
     </p:extLst>
   </p:cSld>
